--- a/Prezentacja/Prezentacja.pptx
+++ b/Prezentacja/Prezentacja.pptx
@@ -131,7 +131,12 @@
             <a:srgbClr val="A4A3A4"/>
           </p15:clr>
         </p15:guide>
-        <p15:guide id="2" orient="horz" pos="2018" userDrawn="1">
+        <p15:guide id="2" orient="horz" pos="3424" userDrawn="1">
+          <p15:clr>
+            <a:srgbClr val="A4A3A4"/>
+          </p15:clr>
+        </p15:guide>
+        <p15:guide id="3" orient="horz" pos="2041" userDrawn="1">
           <p15:clr>
             <a:srgbClr val="A4A3A4"/>
           </p15:clr>
@@ -148,7 +153,7 @@
 <file path=ppt/revisionInfo.xml><?xml version="1.0" encoding="utf-8"?>
 <p1510:revInfo xmlns:a="http://schemas.openxmlformats.org/drawingml/2006/main" xmlns:r="http://schemas.openxmlformats.org/officeDocument/2006/relationships" xmlns:p1510="http://schemas.microsoft.com/office/powerpoint/2015/10/main">
   <p1510:revLst>
-    <p1510:client id="{35CD476F-86D1-4535-A267-FFFA425A5AF3}" v="1826" dt="2019-02-26T18:04:23.851"/>
+    <p1510:client id="{35CD476F-86D1-4535-A267-FFFA425A5AF3}" v="2011" dt="2019-02-26T21:39:11.879"/>
   </p1510:revLst>
 </p1510:revInfo>
 </file>
@@ -158,12 +163,12 @@
   <pc:docChgLst>
     <pc:chgData name="Jan Olencki" userId="c5b2e141ba821894" providerId="LiveId" clId="{35CD476F-86D1-4535-A267-FFFA425A5AF3}"/>
     <pc:docChg chg="undo redo custSel addSld delSld modSld sldOrd modMainMaster">
-      <pc:chgData name="Jan Olencki" userId="c5b2e141ba821894" providerId="LiveId" clId="{35CD476F-86D1-4535-A267-FFFA425A5AF3}" dt="2019-02-26T18:04:23.850" v="10211"/>
+      <pc:chgData name="Jan Olencki" userId="c5b2e141ba821894" providerId="LiveId" clId="{35CD476F-86D1-4535-A267-FFFA425A5AF3}" dt="2019-02-26T21:40:39.586" v="11897" actId="20577"/>
       <pc:docMkLst>
         <pc:docMk/>
       </pc:docMkLst>
       <pc:sldChg chg="addSp delSp modSp add modNotesTx">
-        <pc:chgData name="Jan Olencki" userId="c5b2e141ba821894" providerId="LiveId" clId="{35CD476F-86D1-4535-A267-FFFA425A5AF3}" dt="2019-02-26T00:04:05.521" v="9215" actId="20577"/>
+        <pc:chgData name="Jan Olencki" userId="c5b2e141ba821894" providerId="LiveId" clId="{35CD476F-86D1-4535-A267-FFFA425A5AF3}" dt="2019-02-26T19:30:53.951" v="10213" actId="20577"/>
         <pc:sldMkLst>
           <pc:docMk/>
           <pc:sldMk cId="897056386" sldId="256"/>
@@ -361,8 +366,8 @@
           </ac:picMkLst>
         </pc:picChg>
       </pc:sldChg>
-      <pc:sldChg chg="addSp delSp modSp add">
-        <pc:chgData name="Jan Olencki" userId="c5b2e141ba821894" providerId="LiveId" clId="{35CD476F-86D1-4535-A267-FFFA425A5AF3}" dt="2019-02-26T00:21:00.231" v="9277" actId="14100"/>
+      <pc:sldChg chg="addSp delSp modSp add modNotesTx">
+        <pc:chgData name="Jan Olencki" userId="c5b2e141ba821894" providerId="LiveId" clId="{35CD476F-86D1-4535-A267-FFFA425A5AF3}" dt="2019-02-26T19:31:41.491" v="10280" actId="20577"/>
         <pc:sldMkLst>
           <pc:docMk/>
           <pc:sldMk cId="3790367918" sldId="257"/>
@@ -536,8 +541,8 @@
           </ac:spMkLst>
         </pc:spChg>
       </pc:sldChg>
-      <pc:sldChg chg="addSp delSp modSp add mod">
-        <pc:chgData name="Jan Olencki" userId="c5b2e141ba821894" providerId="LiveId" clId="{35CD476F-86D1-4535-A267-FFFA425A5AF3}" dt="2019-02-26T00:20:31.769" v="9276" actId="14100"/>
+      <pc:sldChg chg="addSp delSp modSp add mod modNotesTx">
+        <pc:chgData name="Jan Olencki" userId="c5b2e141ba821894" providerId="LiveId" clId="{35CD476F-86D1-4535-A267-FFFA425A5AF3}" dt="2019-02-26T19:32:06.659" v="10355" actId="20577"/>
         <pc:sldMkLst>
           <pc:docMk/>
           <pc:sldMk cId="1950964718" sldId="258"/>
@@ -759,8 +764,8 @@
           </ac:graphicFrameMkLst>
         </pc:graphicFrameChg>
       </pc:sldChg>
-      <pc:sldChg chg="addSp delSp modSp add mod">
-        <pc:chgData name="Jan Olencki" userId="c5b2e141ba821894" providerId="LiveId" clId="{35CD476F-86D1-4535-A267-FFFA425A5AF3}" dt="2019-02-26T18:04:23.850" v="10211"/>
+      <pc:sldChg chg="addSp delSp modSp add mod modNotesTx">
+        <pc:chgData name="Jan Olencki" userId="c5b2e141ba821894" providerId="LiveId" clId="{35CD476F-86D1-4535-A267-FFFA425A5AF3}" dt="2019-02-26T19:32:39.023" v="10433" actId="20577"/>
         <pc:sldMkLst>
           <pc:docMk/>
           <pc:sldMk cId="642851056" sldId="259"/>
@@ -942,8 +947,8 @@
           </ac:cxnSpMkLst>
         </pc:cxnChg>
       </pc:sldChg>
-      <pc:sldChg chg="addSp delSp modSp add">
-        <pc:chgData name="Jan Olencki" userId="c5b2e141ba821894" providerId="LiveId" clId="{35CD476F-86D1-4535-A267-FFFA425A5AF3}" dt="2019-02-26T00:27:16.045" v="9336" actId="20577"/>
+      <pc:sldChg chg="addSp delSp modSp add modNotesTx">
+        <pc:chgData name="Jan Olencki" userId="c5b2e141ba821894" providerId="LiveId" clId="{35CD476F-86D1-4535-A267-FFFA425A5AF3}" dt="2019-02-26T19:33:41.025" v="10569" actId="20577"/>
         <pc:sldMkLst>
           <pc:docMk/>
           <pc:sldMk cId="2830168334" sldId="260"/>
@@ -1037,8 +1042,8 @@
           </ac:graphicFrameMkLst>
         </pc:graphicFrameChg>
       </pc:sldChg>
-      <pc:sldChg chg="addSp delSp modSp add">
-        <pc:chgData name="Jan Olencki" userId="c5b2e141ba821894" providerId="LiveId" clId="{35CD476F-86D1-4535-A267-FFFA425A5AF3}" dt="2019-02-26T01:10:22.518" v="10016" actId="1035"/>
+      <pc:sldChg chg="addSp delSp modSp add modNotesTx">
+        <pc:chgData name="Jan Olencki" userId="c5b2e141ba821894" providerId="LiveId" clId="{35CD476F-86D1-4535-A267-FFFA425A5AF3}" dt="2019-02-26T19:34:14.489" v="10655" actId="20577"/>
         <pc:sldMkLst>
           <pc:docMk/>
           <pc:sldMk cId="1297838948" sldId="262"/>
@@ -1516,8 +1521,8 @@
           </ac:cxnSpMkLst>
         </pc:cxnChg>
       </pc:sldChg>
-      <pc:sldChg chg="addSp delSp modSp add">
-        <pc:chgData name="Jan Olencki" userId="c5b2e141ba821894" providerId="LiveId" clId="{35CD476F-86D1-4535-A267-FFFA425A5AF3}" dt="2019-02-26T14:35:55.084" v="10210" actId="113"/>
+      <pc:sldChg chg="addSp delSp modSp add modNotesTx">
+        <pc:chgData name="Jan Olencki" userId="c5b2e141ba821894" providerId="LiveId" clId="{35CD476F-86D1-4535-A267-FFFA425A5AF3}" dt="2019-02-26T19:34:34.509" v="10718" actId="20577"/>
         <pc:sldMkLst>
           <pc:docMk/>
           <pc:sldMk cId="2333093539" sldId="263"/>
@@ -1931,8 +1936,8 @@
           </ac:cxnSpMkLst>
         </pc:cxnChg>
       </pc:sldChg>
-      <pc:sldChg chg="addSp delSp modSp add">
-        <pc:chgData name="Jan Olencki" userId="c5b2e141ba821894" providerId="LiveId" clId="{35CD476F-86D1-4535-A267-FFFA425A5AF3}" dt="2019-02-26T14:35:11.138" v="10207" actId="179"/>
+      <pc:sldChg chg="addSp delSp modSp add modNotesTx">
+        <pc:chgData name="Jan Olencki" userId="c5b2e141ba821894" providerId="LiveId" clId="{35CD476F-86D1-4535-A267-FFFA425A5AF3}" dt="2019-02-26T21:33:21.531" v="11762" actId="20577"/>
         <pc:sldMkLst>
           <pc:docMk/>
           <pc:sldMk cId="3498341341" sldId="264"/>
@@ -2082,8 +2087,8 @@
           </ac:graphicFrameMkLst>
         </pc:graphicFrameChg>
       </pc:sldChg>
-      <pc:sldChg chg="addSp delSp modSp add mod">
-        <pc:chgData name="Jan Olencki" userId="c5b2e141ba821894" providerId="LiveId" clId="{35CD476F-86D1-4535-A267-FFFA425A5AF3}" dt="2019-02-26T14:35:44.912" v="10208" actId="113"/>
+      <pc:sldChg chg="addSp delSp modSp add mod modNotesTx">
+        <pc:chgData name="Jan Olencki" userId="c5b2e141ba821894" providerId="LiveId" clId="{35CD476F-86D1-4535-A267-FFFA425A5AF3}" dt="2019-02-26T21:37:28.141" v="11810" actId="20577"/>
         <pc:sldMkLst>
           <pc:docMk/>
           <pc:sldMk cId="3256384501" sldId="265"/>
@@ -2209,7 +2214,7 @@
           </ac:spMkLst>
         </pc:spChg>
         <pc:spChg chg="add mod">
-          <ac:chgData name="Jan Olencki" userId="c5b2e141ba821894" providerId="LiveId" clId="{35CD476F-86D1-4535-A267-FFFA425A5AF3}" dt="2019-02-26T00:35:37.028" v="9447" actId="1076"/>
+          <ac:chgData name="Jan Olencki" userId="c5b2e141ba821894" providerId="LiveId" clId="{35CD476F-86D1-4535-A267-FFFA425A5AF3}" dt="2019-02-26T21:35:46.249" v="11784" actId="1076"/>
           <ac:spMkLst>
             <pc:docMk/>
             <pc:sldMk cId="3256384501" sldId="265"/>
@@ -2297,7 +2302,7 @@
           </ac:spMkLst>
         </pc:spChg>
         <pc:spChg chg="add mod">
-          <ac:chgData name="Jan Olencki" userId="c5b2e141ba821894" providerId="LiveId" clId="{35CD476F-86D1-4535-A267-FFFA425A5AF3}" dt="2019-02-26T00:36:10.084" v="9456" actId="1076"/>
+          <ac:chgData name="Jan Olencki" userId="c5b2e141ba821894" providerId="LiveId" clId="{35CD476F-86D1-4535-A267-FFFA425A5AF3}" dt="2019-02-26T21:35:43.295" v="11783" actId="1076"/>
           <ac:spMkLst>
             <pc:docMk/>
             <pc:sldMk cId="3256384501" sldId="265"/>
@@ -2305,7 +2310,7 @@
           </ac:spMkLst>
         </pc:spChg>
         <pc:spChg chg="add mod">
-          <ac:chgData name="Jan Olencki" userId="c5b2e141ba821894" providerId="LiveId" clId="{35CD476F-86D1-4535-A267-FFFA425A5AF3}" dt="2019-02-26T00:35:37.028" v="9447" actId="1076"/>
+          <ac:chgData name="Jan Olencki" userId="c5b2e141ba821894" providerId="LiveId" clId="{35CD476F-86D1-4535-A267-FFFA425A5AF3}" dt="2019-02-26T21:35:55.160" v="11785" actId="1076"/>
           <ac:spMkLst>
             <pc:docMk/>
             <pc:sldMk cId="3256384501" sldId="265"/>
@@ -2313,7 +2318,7 @@
           </ac:spMkLst>
         </pc:spChg>
         <pc:spChg chg="add mod">
-          <ac:chgData name="Jan Olencki" userId="c5b2e141ba821894" providerId="LiveId" clId="{35CD476F-86D1-4535-A267-FFFA425A5AF3}" dt="2019-02-26T00:35:37.028" v="9447" actId="1076"/>
+          <ac:chgData name="Jan Olencki" userId="c5b2e141ba821894" providerId="LiveId" clId="{35CD476F-86D1-4535-A267-FFFA425A5AF3}" dt="2019-02-26T21:35:59.796" v="11786" actId="1076"/>
           <ac:spMkLst>
             <pc:docMk/>
             <pc:sldMk cId="3256384501" sldId="265"/>
@@ -2321,7 +2326,7 @@
           </ac:spMkLst>
         </pc:spChg>
         <pc:spChg chg="add mod">
-          <ac:chgData name="Jan Olencki" userId="c5b2e141ba821894" providerId="LiveId" clId="{35CD476F-86D1-4535-A267-FFFA425A5AF3}" dt="2019-02-26T00:35:37.028" v="9447" actId="1076"/>
+          <ac:chgData name="Jan Olencki" userId="c5b2e141ba821894" providerId="LiveId" clId="{35CD476F-86D1-4535-A267-FFFA425A5AF3}" dt="2019-02-26T21:36:06.015" v="11788" actId="1035"/>
           <ac:spMkLst>
             <pc:docMk/>
             <pc:sldMk cId="3256384501" sldId="265"/>
@@ -2329,7 +2334,7 @@
           </ac:spMkLst>
         </pc:spChg>
         <pc:spChg chg="add mod">
-          <ac:chgData name="Jan Olencki" userId="c5b2e141ba821894" providerId="LiveId" clId="{35CD476F-86D1-4535-A267-FFFA425A5AF3}" dt="2019-02-26T00:35:37.028" v="9447" actId="1076"/>
+          <ac:chgData name="Jan Olencki" userId="c5b2e141ba821894" providerId="LiveId" clId="{35CD476F-86D1-4535-A267-FFFA425A5AF3}" dt="2019-02-26T21:36:09.225" v="11789" actId="1035"/>
           <ac:spMkLst>
             <pc:docMk/>
             <pc:sldMk cId="3256384501" sldId="265"/>
@@ -2337,7 +2342,7 @@
           </ac:spMkLst>
         </pc:spChg>
         <pc:spChg chg="add mod">
-          <ac:chgData name="Jan Olencki" userId="c5b2e141ba821894" providerId="LiveId" clId="{35CD476F-86D1-4535-A267-FFFA425A5AF3}" dt="2019-02-26T00:35:37.028" v="9447" actId="1076"/>
+          <ac:chgData name="Jan Olencki" userId="c5b2e141ba821894" providerId="LiveId" clId="{35CD476F-86D1-4535-A267-FFFA425A5AF3}" dt="2019-02-26T21:36:11.605" v="11790" actId="1035"/>
           <ac:spMkLst>
             <pc:docMk/>
             <pc:sldMk cId="3256384501" sldId="265"/>
@@ -2361,7 +2366,7 @@
           </ac:spMkLst>
         </pc:spChg>
         <pc:spChg chg="add mod">
-          <ac:chgData name="Jan Olencki" userId="c5b2e141ba821894" providerId="LiveId" clId="{35CD476F-86D1-4535-A267-FFFA425A5AF3}" dt="2019-02-26T00:35:37.028" v="9447" actId="1076"/>
+          <ac:chgData name="Jan Olencki" userId="c5b2e141ba821894" providerId="LiveId" clId="{35CD476F-86D1-4535-A267-FFFA425A5AF3}" dt="2019-02-26T21:36:46.155" v="11794" actId="1036"/>
           <ac:spMkLst>
             <pc:docMk/>
             <pc:sldMk cId="3256384501" sldId="265"/>
@@ -2369,7 +2374,7 @@
           </ac:spMkLst>
         </pc:spChg>
         <pc:spChg chg="add mod">
-          <ac:chgData name="Jan Olencki" userId="c5b2e141ba821894" providerId="LiveId" clId="{35CD476F-86D1-4535-A267-FFFA425A5AF3}" dt="2019-02-26T00:35:54" v="9453" actId="1076"/>
+          <ac:chgData name="Jan Olencki" userId="c5b2e141ba821894" providerId="LiveId" clId="{35CD476F-86D1-4535-A267-FFFA425A5AF3}" dt="2019-02-26T21:36:47.769" v="11797" actId="1036"/>
           <ac:spMkLst>
             <pc:docMk/>
             <pc:sldMk cId="3256384501" sldId="265"/>
@@ -2377,7 +2382,7 @@
           </ac:spMkLst>
         </pc:spChg>
         <pc:spChg chg="add mod">
-          <ac:chgData name="Jan Olencki" userId="c5b2e141ba821894" providerId="LiveId" clId="{35CD476F-86D1-4535-A267-FFFA425A5AF3}" dt="2019-02-26T00:35:58.695" v="9454" actId="1076"/>
+          <ac:chgData name="Jan Olencki" userId="c5b2e141ba821894" providerId="LiveId" clId="{35CD476F-86D1-4535-A267-FFFA425A5AF3}" dt="2019-02-26T21:36:50.646" v="11800" actId="1036"/>
           <ac:spMkLst>
             <pc:docMk/>
             <pc:sldMk cId="3256384501" sldId="265"/>
@@ -2385,7 +2390,7 @@
           </ac:spMkLst>
         </pc:spChg>
         <pc:spChg chg="add mod">
-          <ac:chgData name="Jan Olencki" userId="c5b2e141ba821894" providerId="LiveId" clId="{35CD476F-86D1-4535-A267-FFFA425A5AF3}" dt="2019-02-26T00:36:01.055" v="9455" actId="1076"/>
+          <ac:chgData name="Jan Olencki" userId="c5b2e141ba821894" providerId="LiveId" clId="{35CD476F-86D1-4535-A267-FFFA425A5AF3}" dt="2019-02-26T21:36:53.038" v="11803" actId="1036"/>
           <ac:spMkLst>
             <pc:docMk/>
             <pc:sldMk cId="3256384501" sldId="265"/>
@@ -2649,7 +2654,7 @@
           </ac:cxnSpMkLst>
         </pc:cxnChg>
         <pc:cxnChg chg="add mod ord">
-          <ac:chgData name="Jan Olencki" userId="c5b2e141ba821894" providerId="LiveId" clId="{35CD476F-86D1-4535-A267-FFFA425A5AF3}" dt="2019-02-26T00:35:37.028" v="9447" actId="1076"/>
+          <ac:chgData name="Jan Olencki" userId="c5b2e141ba821894" providerId="LiveId" clId="{35CD476F-86D1-4535-A267-FFFA425A5AF3}" dt="2019-02-26T21:36:14.625" v="11791" actId="14100"/>
           <ac:cxnSpMkLst>
             <pc:docMk/>
             <pc:sldMk cId="3256384501" sldId="265"/>
@@ -2697,7 +2702,7 @@
           </ac:cxnSpMkLst>
         </pc:cxnChg>
         <pc:cxnChg chg="add mod ord">
-          <ac:chgData name="Jan Olencki" userId="c5b2e141ba821894" providerId="LiveId" clId="{35CD476F-86D1-4535-A267-FFFA425A5AF3}" dt="2019-02-26T00:35:37.028" v="9447" actId="1076"/>
+          <ac:chgData name="Jan Olencki" userId="c5b2e141ba821894" providerId="LiveId" clId="{35CD476F-86D1-4535-A267-FFFA425A5AF3}" dt="2019-02-26T21:36:57.874" v="11804" actId="14100"/>
           <ac:cxnSpMkLst>
             <pc:docMk/>
             <pc:sldMk cId="3256384501" sldId="265"/>
@@ -2729,8 +2734,8 @@
           </ac:cxnSpMkLst>
         </pc:cxnChg>
       </pc:sldChg>
-      <pc:sldChg chg="addSp delSp modSp add ord">
-        <pc:chgData name="Jan Olencki" userId="c5b2e141ba821894" providerId="LiveId" clId="{35CD476F-86D1-4535-A267-FFFA425A5AF3}" dt="2019-02-26T01:11:55.675" v="10049" actId="179"/>
+      <pc:sldChg chg="addSp delSp modSp add ord modNotesTx">
+        <pc:chgData name="Jan Olencki" userId="c5b2e141ba821894" providerId="LiveId" clId="{35CD476F-86D1-4535-A267-FFFA425A5AF3}" dt="2019-02-26T19:38:16.107" v="11163" actId="20577"/>
         <pc:sldMkLst>
           <pc:docMk/>
           <pc:sldMk cId="709063904" sldId="266"/>
@@ -2864,8 +2869,8 @@
           </ac:spMkLst>
         </pc:spChg>
       </pc:sldChg>
-      <pc:sldChg chg="addSp delSp modSp add">
-        <pc:chgData name="Jan Olencki" userId="c5b2e141ba821894" providerId="LiveId" clId="{35CD476F-86D1-4535-A267-FFFA425A5AF3}" dt="2019-02-26T01:14:48.956" v="10065" actId="255"/>
+      <pc:sldChg chg="addSp delSp modSp add modNotesTx">
+        <pc:chgData name="Jan Olencki" userId="c5b2e141ba821894" providerId="LiveId" clId="{35CD476F-86D1-4535-A267-FFFA425A5AF3}" dt="2019-02-26T21:37:50.090" v="11837" actId="20577"/>
         <pc:sldMkLst>
           <pc:docMk/>
           <pc:sldMk cId="879071983" sldId="267"/>
@@ -3047,8 +3052,8 @@
           </ac:picMkLst>
         </pc:picChg>
       </pc:sldChg>
-      <pc:sldChg chg="addSp delSp modSp add ord">
-        <pc:chgData name="Jan Olencki" userId="c5b2e141ba821894" providerId="LiveId" clId="{35CD476F-86D1-4535-A267-FFFA425A5AF3}" dt="2019-02-26T14:28:49.392" v="10178" actId="1037"/>
+      <pc:sldChg chg="addSp delSp modSp add ord modNotesTx">
+        <pc:chgData name="Jan Olencki" userId="c5b2e141ba821894" providerId="LiveId" clId="{35CD476F-86D1-4535-A267-FFFA425A5AF3}" dt="2019-02-26T21:38:05.898" v="11842" actId="20577"/>
         <pc:sldMkLst>
           <pc:docMk/>
           <pc:sldMk cId="2667378821" sldId="268"/>
@@ -3246,8 +3251,8 @@
           </ac:picMkLst>
         </pc:picChg>
       </pc:sldChg>
-      <pc:sldChg chg="addSp delSp modSp add">
-        <pc:chgData name="Jan Olencki" userId="c5b2e141ba821894" providerId="LiveId" clId="{35CD476F-86D1-4535-A267-FFFA425A5AF3}" dt="2019-02-26T01:12:13.747" v="10052"/>
+      <pc:sldChg chg="addSp delSp modSp add modNotesTx">
+        <pc:chgData name="Jan Olencki" userId="c5b2e141ba821894" providerId="LiveId" clId="{35CD476F-86D1-4535-A267-FFFA425A5AF3}" dt="2019-02-26T21:38:35.146" v="11883" actId="20577"/>
         <pc:sldMkLst>
           <pc:docMk/>
           <pc:sldMk cId="2696749308" sldId="269"/>
@@ -3499,8 +3504,8 @@
           <pc:sldMk cId="2276011735" sldId="270"/>
         </pc:sldMkLst>
       </pc:sldChg>
-      <pc:sldChg chg="addSp delSp modSp add">
-        <pc:chgData name="Jan Olencki" userId="c5b2e141ba821894" providerId="LiveId" clId="{35CD476F-86D1-4535-A267-FFFA425A5AF3}" dt="2019-02-26T01:21:54.052" v="10077" actId="20577"/>
+      <pc:sldChg chg="addSp delSp modSp add modNotesTx">
+        <pc:chgData name="Jan Olencki" userId="c5b2e141ba821894" providerId="LiveId" clId="{35CD476F-86D1-4535-A267-FFFA425A5AF3}" dt="2019-02-26T21:40:39.586" v="11897" actId="20577"/>
         <pc:sldMkLst>
           <pc:docMk/>
           <pc:sldMk cId="3698966258" sldId="270"/>
@@ -3513,8 +3518,8 @@
             <ac:spMk id="2" creationId="{29E640F9-638D-49E2-8DB8-48843B2A911A}"/>
           </ac:spMkLst>
         </pc:spChg>
-        <pc:spChg chg="mod">
-          <ac:chgData name="Jan Olencki" userId="c5b2e141ba821894" providerId="LiveId" clId="{35CD476F-86D1-4535-A267-FFFA425A5AF3}" dt="2019-02-26T01:12:26.030" v="10054" actId="14100"/>
+        <pc:spChg chg="add del mod">
+          <ac:chgData name="Jan Olencki" userId="c5b2e141ba821894" providerId="LiveId" clId="{35CD476F-86D1-4535-A267-FFFA425A5AF3}" dt="2019-02-26T21:40:39.586" v="11897" actId="20577"/>
           <ac:spMkLst>
             <pc:docMk/>
             <pc:sldMk cId="3698966258" sldId="270"/>
@@ -3527,6 +3532,14 @@
             <pc:docMk/>
             <pc:sldMk cId="3698966258" sldId="270"/>
             <ac:spMk id="7" creationId="{6AC3B7A8-F881-4173-9FFC-07D989591D9A}"/>
+          </ac:spMkLst>
+        </pc:spChg>
+        <pc:spChg chg="add del mod">
+          <ac:chgData name="Jan Olencki" userId="c5b2e141ba821894" providerId="LiveId" clId="{35CD476F-86D1-4535-A267-FFFA425A5AF3}" dt="2019-02-26T21:38:53.317" v="11886" actId="478"/>
+          <ac:spMkLst>
+            <pc:docMk/>
+            <pc:sldMk cId="3698966258" sldId="270"/>
+            <ac:spMk id="8" creationId="{498247EC-B918-4864-8F42-4A5E87D7EC11}"/>
           </ac:spMkLst>
         </pc:spChg>
         <pc:spChg chg="add del mod">
@@ -3569,8 +3582,8 @@
             <ac:spMk id="12" creationId="{58A36588-9C0E-431C-8198-ED2FFCEFB04C}"/>
           </ac:spMkLst>
         </pc:spChg>
-        <pc:spChg chg="add mod">
-          <ac:chgData name="Jan Olencki" userId="c5b2e141ba821894" providerId="LiveId" clId="{35CD476F-86D1-4535-A267-FFFA425A5AF3}" dt="2019-02-26T01:12:21.607" v="10053"/>
+        <pc:spChg chg="add del mod">
+          <ac:chgData name="Jan Olencki" userId="c5b2e141ba821894" providerId="LiveId" clId="{35CD476F-86D1-4535-A267-FFFA425A5AF3}" dt="2019-02-26T21:38:57.660" v="11887" actId="478"/>
           <ac:spMkLst>
             <pc:docMk/>
             <pc:sldMk cId="3698966258" sldId="270"/>
@@ -3975,14 +3988,14 @@
               </a:defRPr>
             </a:pPr>
             <a:r>
-              <a:rPr lang="pl-PL" dirty="0"/>
+              <a:rPr lang="pl-PL"/>
               <a:t>Przykładowy sygnał</a:t>
             </a:r>
             <a:r>
-              <a:rPr lang="pl-PL" baseline="0" dirty="0"/>
+              <a:rPr lang="pl-PL" baseline="0"/>
               <a:t> cyfrowy</a:t>
             </a:r>
-            <a:endParaRPr lang="en-US" dirty="0"/>
+            <a:endParaRPr lang="en-US"/>
           </a:p>
         </c:rich>
       </c:tx>
@@ -4184,7 +4197,7 @@
                   </a:defRPr>
                 </a:pPr>
                 <a:r>
-                  <a:rPr lang="pl-PL" dirty="0"/>
+                  <a:rPr lang="pl-PL"/>
                   <a:t>Czas</a:t>
                 </a:r>
               </a:p>
@@ -4290,7 +4303,7 @@
                   </a:defRPr>
                 </a:pPr>
                 <a:r>
-                  <a:rPr lang="pl-PL" dirty="0"/>
+                  <a:rPr lang="pl-PL"/>
                   <a:t>Napięcie</a:t>
                 </a:r>
               </a:p>
@@ -4448,14 +4461,14 @@
               </a:defRPr>
             </a:pPr>
             <a:r>
-              <a:rPr lang="pl-PL" dirty="0">
+              <a:rPr lang="pl-PL">
                 <a:ln>
                   <a:noFill/>
                 </a:ln>
               </a:rPr>
               <a:t>Zegar</a:t>
             </a:r>
-            <a:endParaRPr lang="en-US" dirty="0">
+            <a:endParaRPr lang="en-US">
               <a:ln>
                 <a:noFill/>
               </a:ln>
@@ -4718,7 +4731,7 @@
                   </a:defRPr>
                 </a:pPr>
                 <a:r>
-                  <a:rPr lang="pl-PL" dirty="0"/>
+                  <a:rPr lang="pl-PL"/>
                   <a:t>Czas</a:t>
                 </a:r>
               </a:p>
@@ -4935,14 +4948,14 @@
               </a:defRPr>
             </a:pPr>
             <a:r>
-              <a:rPr lang="pl-PL" dirty="0">
+              <a:rPr lang="pl-PL">
                 <a:ln>
                   <a:noFill/>
                 </a:ln>
               </a:rPr>
               <a:t>Dane</a:t>
             </a:r>
-            <a:endParaRPr lang="en-US" dirty="0">
+            <a:endParaRPr lang="en-US">
               <a:ln>
                 <a:noFill/>
               </a:ln>
@@ -5047,10 +5060,10 @@
                   <a:lstStyle/>
                   <a:p>
                     <a:r>
-                      <a:rPr lang="en-US" baseline="0" dirty="0"/>
+                      <a:rPr lang="en-US" baseline="0"/>
                       <a:t>Stan niski</a:t>
                     </a:r>
-                    <a:endParaRPr lang="en-US" dirty="0"/>
+                    <a:endParaRPr lang="en-US"/>
                   </a:p>
                 </c:rich>
               </c:tx>
@@ -5082,19 +5095,19 @@
                   <a:lstStyle/>
                   <a:p>
                     <a:r>
-                      <a:rPr lang="en-US" dirty="0" err="1"/>
+                      <a:rPr lang="en-US" err="1"/>
                       <a:t>Zbocze</a:t>
                     </a:r>
                     <a:r>
-                      <a:rPr lang="en-US" dirty="0"/>
+                      <a:rPr lang="en-US"/>
                       <a:t> </a:t>
                     </a:r>
                     <a:r>
-                      <a:rPr lang="en-US" dirty="0" err="1"/>
+                      <a:rPr lang="en-US" err="1"/>
                       <a:t>narastają</a:t>
                     </a:r>
                     <a:r>
-                      <a:rPr lang="en-US" dirty="0"/>
+                      <a:rPr lang="en-US"/>
                       <a:t>ce</a:t>
                     </a:r>
                   </a:p>
@@ -5142,10 +5155,10 @@
                       </a:defRPr>
                     </a:pPr>
                     <a:r>
-                      <a:rPr lang="en-US" baseline="0" dirty="0"/>
+                      <a:rPr lang="en-US" baseline="0"/>
                       <a:t>Stan wysoki</a:t>
                     </a:r>
-                    <a:endParaRPr lang="en-US" dirty="0"/>
+                    <a:endParaRPr lang="en-US"/>
                   </a:p>
                 </c:rich>
               </c:tx>
@@ -5226,18 +5239,18 @@
                   <a:lstStyle/>
                   <a:p>
                     <a:r>
-                      <a:rPr lang="en-US" dirty="0" err="1"/>
+                      <a:rPr lang="en-US" err="1"/>
                       <a:t>Zbocze</a:t>
                     </a:r>
                     <a:r>
-                      <a:rPr lang="en-US" baseline="0" dirty="0"/>
+                      <a:rPr lang="en-US" baseline="0"/>
                       <a:t> </a:t>
                     </a:r>
                     <a:r>
-                      <a:rPr lang="en-US" baseline="0" dirty="0" err="1"/>
+                      <a:rPr lang="en-US" baseline="0" err="1"/>
                       <a:t>opadające</a:t>
                     </a:r>
-                    <a:endParaRPr lang="en-US" dirty="0"/>
+                    <a:endParaRPr lang="en-US"/>
                   </a:p>
                 </c:rich>
               </c:tx>
@@ -5510,7 +5523,7 @@
                   </a:defRPr>
                 </a:pPr>
                 <a:r>
-                  <a:rPr lang="pl-PL" dirty="0"/>
+                  <a:rPr lang="pl-PL"/>
                   <a:t>Czas</a:t>
                 </a:r>
               </a:p>
@@ -5727,14 +5740,14 @@
               </a:defRPr>
             </a:pPr>
             <a:r>
-              <a:rPr lang="pl-PL" dirty="0">
+              <a:rPr lang="pl-PL">
                 <a:ln>
                   <a:noFill/>
                 </a:ln>
               </a:rPr>
               <a:t>Zegar</a:t>
             </a:r>
-            <a:endParaRPr lang="en-US" dirty="0">
+            <a:endParaRPr lang="en-US">
               <a:ln>
                 <a:noFill/>
               </a:ln>
@@ -6391,14 +6404,14 @@
               </a:defRPr>
             </a:pPr>
             <a:r>
-              <a:rPr lang="pl-PL" dirty="0">
+              <a:rPr lang="pl-PL">
                 <a:ln>
                   <a:noFill/>
                 </a:ln>
               </a:rPr>
               <a:t>Reset</a:t>
             </a:r>
-            <a:endParaRPr lang="en-US" dirty="0">
+            <a:endParaRPr lang="en-US">
               <a:ln>
                 <a:noFill/>
               </a:ln>
@@ -7055,7 +7068,7 @@
               </a:defRPr>
             </a:pPr>
             <a:r>
-              <a:rPr lang="pl-PL" dirty="0">
+              <a:rPr lang="pl-PL">
                 <a:ln>
                   <a:noFill/>
                 </a:ln>
@@ -7063,14 +7076,14 @@
               <a:t>Q</a:t>
             </a:r>
             <a:r>
-              <a:rPr lang="pl-PL" baseline="-25000" dirty="0">
+              <a:rPr lang="pl-PL" baseline="-25000">
                 <a:ln>
                   <a:noFill/>
                 </a:ln>
               </a:rPr>
               <a:t>0</a:t>
             </a:r>
-            <a:endParaRPr lang="en-US" dirty="0">
+            <a:endParaRPr lang="en-US">
               <a:ln>
                 <a:noFill/>
               </a:ln>
@@ -7727,7 +7740,7 @@
               </a:defRPr>
             </a:pPr>
             <a:r>
-              <a:rPr lang="pl-PL" dirty="0">
+              <a:rPr lang="pl-PL">
                 <a:ln>
                   <a:noFill/>
                 </a:ln>
@@ -7735,14 +7748,14 @@
               <a:t>Q</a:t>
             </a:r>
             <a:r>
-              <a:rPr lang="pl-PL" baseline="-25000" dirty="0">
+              <a:rPr lang="pl-PL" baseline="-25000">
                 <a:ln>
                   <a:noFill/>
                 </a:ln>
               </a:rPr>
               <a:t>1</a:t>
             </a:r>
-            <a:endParaRPr lang="en-US" dirty="0">
+            <a:endParaRPr lang="en-US">
               <a:ln>
                 <a:noFill/>
               </a:ln>
@@ -8624,7 +8637,7 @@
               </a:defRPr>
             </a:pPr>
             <a:r>
-              <a:rPr lang="pl-PL" dirty="0">
+              <a:rPr lang="pl-PL">
                 <a:ln>
                   <a:noFill/>
                 </a:ln>
@@ -8632,14 +8645,14 @@
               <a:t>Q</a:t>
             </a:r>
             <a:r>
-              <a:rPr lang="pl-PL" baseline="-25000" dirty="0">
+              <a:rPr lang="pl-PL" baseline="-25000">
                 <a:ln>
                   <a:noFill/>
                 </a:ln>
               </a:rPr>
               <a:t>2</a:t>
             </a:r>
-            <a:endParaRPr lang="en-US" dirty="0">
+            <a:endParaRPr lang="en-US">
               <a:ln>
                 <a:noFill/>
               </a:ln>
@@ -9296,7 +9309,7 @@
               </a:defRPr>
             </a:pPr>
             <a:r>
-              <a:rPr lang="pl-PL" dirty="0">
+              <a:rPr lang="pl-PL">
                 <a:ln>
                   <a:noFill/>
                 </a:ln>
@@ -9304,14 +9317,14 @@
               <a:t>Q</a:t>
             </a:r>
             <a:r>
-              <a:rPr lang="pl-PL" baseline="-25000" dirty="0">
+              <a:rPr lang="pl-PL" baseline="-25000">
                 <a:ln>
                   <a:noFill/>
                 </a:ln>
               </a:rPr>
               <a:t>3</a:t>
             </a:r>
-            <a:endParaRPr lang="en-US" dirty="0">
+            <a:endParaRPr lang="en-US">
               <a:ln>
                 <a:noFill/>
               </a:ln>
@@ -15021,7 +15034,7 @@
               <a:rPr lang="pl-PL" smtClean="0"/>
               <a:t>26.02.2019</a:t>
             </a:fld>
-            <a:endParaRPr lang="pl-PL" dirty="0"/>
+            <a:endParaRPr lang="pl-PL"/>
           </a:p>
         </p:txBody>
       </p:sp>
@@ -15190,7 +15203,7 @@
               <a:pPr/>
               <a:t>26.02.2019</a:t>
             </a:fld>
-            <a:endParaRPr lang="pl-PL" dirty="0"/>
+            <a:endParaRPr lang="pl-PL"/>
           </a:p>
         </p:txBody>
       </p:sp>
@@ -15253,35 +15266,35 @@
           <a:p>
             <a:pPr lvl="0" rtl="0"/>
             <a:r>
-              <a:rPr lang="pl-PL" noProof="0" dirty="0"/>
+              <a:rPr lang="pl-PL" noProof="0"/>
               <a:t>Edytuj style wzorca tekstu</a:t>
             </a:r>
           </a:p>
           <a:p>
             <a:pPr lvl="1" rtl="0"/>
             <a:r>
-              <a:rPr lang="pl-PL" noProof="0" dirty="0"/>
+              <a:rPr lang="pl-PL" noProof="0"/>
               <a:t>Drugi poziom</a:t>
             </a:r>
           </a:p>
           <a:p>
             <a:pPr lvl="2" rtl="0"/>
             <a:r>
-              <a:rPr lang="pl-PL" noProof="0" dirty="0"/>
+              <a:rPr lang="pl-PL" noProof="0"/>
               <a:t>Trzeci poziom</a:t>
             </a:r>
           </a:p>
           <a:p>
             <a:pPr lvl="3" rtl="0"/>
             <a:r>
-              <a:rPr lang="pl-PL" noProof="0" dirty="0"/>
+              <a:rPr lang="pl-PL" noProof="0"/>
               <a:t>Czwarty poziom</a:t>
             </a:r>
           </a:p>
           <a:p>
             <a:pPr lvl="4" rtl="0"/>
             <a:r>
-              <a:rPr lang="pl-PL" noProof="0" dirty="0"/>
+              <a:rPr lang="pl-PL" noProof="0"/>
               <a:t>Piąty poziom</a:t>
             </a:r>
           </a:p>
@@ -15503,13 +15516,13 @@
           <a:lstStyle/>
           <a:p>
             <a:r>
-              <a:rPr lang="pl-PL" dirty="0"/>
-              <a:t>Powitanie, przedstawienie profesora i nas, wszyscy koło Chi[</a:t>
+              <a:rPr lang="pl-PL"/>
+              <a:t>Powitanie, przedstawienie profesora i nas, wszyscy koło Chip</a:t>
             </a:r>
           </a:p>
           <a:p>
             <a:r>
-              <a:rPr lang="pl-PL" dirty="0"/>
+              <a:rPr lang="pl-PL"/>
               <a:t>Akademia ETI i temat</a:t>
             </a:r>
           </a:p>
@@ -15543,6 +15556,580 @@
     <p:extLst>
       <p:ext uri="{BB962C8B-B14F-4D97-AF65-F5344CB8AC3E}">
         <p14:creationId xmlns:p14="http://schemas.microsoft.com/office/powerpoint/2010/main" val="3279581793"/>
+      </p:ext>
+    </p:extLst>
+  </p:cSld>
+  <p:clrMapOvr>
+    <a:masterClrMapping/>
+  </p:clrMapOvr>
+</p:notes>
+</file>
+
+<file path=ppt/notesSlides/notesSlide10.xml><?xml version="1.0" encoding="utf-8"?>
+<p:notes xmlns:a="http://schemas.openxmlformats.org/drawingml/2006/main" xmlns:r="http://schemas.openxmlformats.org/officeDocument/2006/relationships" xmlns:p="http://schemas.openxmlformats.org/presentationml/2006/main">
+  <p:cSld>
+    <p:spTree>
+      <p:nvGrpSpPr>
+        <p:cNvPr id="1" name=""/>
+        <p:cNvGrpSpPr/>
+        <p:nvPr/>
+      </p:nvGrpSpPr>
+      <p:grpSpPr>
+        <a:xfrm>
+          <a:off x="0" y="0"/>
+          <a:ext cx="0" cy="0"/>
+          <a:chOff x="0" y="0"/>
+          <a:chExt cx="0" cy="0"/>
+        </a:xfrm>
+      </p:grpSpPr>
+      <p:sp>
+        <p:nvSpPr>
+          <p:cNvPr id="2" name="Symbol zastępczy obrazu slajdu 1"/>
+          <p:cNvSpPr>
+            <a:spLocks noGrp="1" noRot="1" noChangeAspect="1"/>
+          </p:cNvSpPr>
+          <p:nvPr>
+            <p:ph type="sldImg"/>
+          </p:nvPr>
+        </p:nvSpPr>
+        <p:spPr/>
+      </p:sp>
+      <p:sp>
+        <p:nvSpPr>
+          <p:cNvPr id="3" name="Symbol zastępczy notatek 2"/>
+          <p:cNvSpPr>
+            <a:spLocks noGrp="1"/>
+          </p:cNvSpPr>
+          <p:nvPr>
+            <p:ph type="body" idx="1"/>
+          </p:nvPr>
+        </p:nvSpPr>
+        <p:spPr/>
+        <p:txBody>
+          <a:bodyPr/>
+          <a:lstStyle/>
+          <a:p>
+            <a:endParaRPr lang="pl-PL"/>
+          </a:p>
+        </p:txBody>
+      </p:sp>
+      <p:sp>
+        <p:nvSpPr>
+          <p:cNvPr id="4" name="Symbol zastępczy numeru slajdu 3"/>
+          <p:cNvSpPr>
+            <a:spLocks noGrp="1"/>
+          </p:cNvSpPr>
+          <p:nvPr>
+            <p:ph type="sldNum" sz="quarter" idx="5"/>
+          </p:nvPr>
+        </p:nvSpPr>
+        <p:spPr/>
+        <p:txBody>
+          <a:bodyPr/>
+          <a:lstStyle/>
+          <a:p>
+            <a:pPr rtl="0"/>
+            <a:fld id="{82869989-EB00-4EE7-BCB5-25BDC5BB29F8}" type="slidenum">
+              <a:rPr lang="pl-PL" noProof="0" smtClean="0"/>
+              <a:t>10</a:t>
+            </a:fld>
+            <a:endParaRPr lang="pl-PL" noProof="0"/>
+          </a:p>
+        </p:txBody>
+      </p:sp>
+    </p:spTree>
+    <p:extLst>
+      <p:ext uri="{BB962C8B-B14F-4D97-AF65-F5344CB8AC3E}">
+        <p14:creationId xmlns:p14="http://schemas.microsoft.com/office/powerpoint/2010/main" val="1549095477"/>
+      </p:ext>
+    </p:extLst>
+  </p:cSld>
+  <p:clrMapOvr>
+    <a:masterClrMapping/>
+  </p:clrMapOvr>
+</p:notes>
+</file>
+
+<file path=ppt/notesSlides/notesSlide11.xml><?xml version="1.0" encoding="utf-8"?>
+<p:notes xmlns:a="http://schemas.openxmlformats.org/drawingml/2006/main" xmlns:r="http://schemas.openxmlformats.org/officeDocument/2006/relationships" xmlns:p="http://schemas.openxmlformats.org/presentationml/2006/main">
+  <p:cSld>
+    <p:spTree>
+      <p:nvGrpSpPr>
+        <p:cNvPr id="1" name=""/>
+        <p:cNvGrpSpPr/>
+        <p:nvPr/>
+      </p:nvGrpSpPr>
+      <p:grpSpPr>
+        <a:xfrm>
+          <a:off x="0" y="0"/>
+          <a:ext cx="0" cy="0"/>
+          <a:chOff x="0" y="0"/>
+          <a:chExt cx="0" cy="0"/>
+        </a:xfrm>
+      </p:grpSpPr>
+      <p:sp>
+        <p:nvSpPr>
+          <p:cNvPr id="2" name="Symbol zastępczy obrazu slajdu 1"/>
+          <p:cNvSpPr>
+            <a:spLocks noGrp="1" noRot="1" noChangeAspect="1"/>
+          </p:cNvSpPr>
+          <p:nvPr>
+            <p:ph type="sldImg"/>
+          </p:nvPr>
+        </p:nvSpPr>
+        <p:spPr/>
+      </p:sp>
+      <p:sp>
+        <p:nvSpPr>
+          <p:cNvPr id="3" name="Symbol zastępczy notatek 2"/>
+          <p:cNvSpPr>
+            <a:spLocks noGrp="1"/>
+          </p:cNvSpPr>
+          <p:nvPr>
+            <p:ph type="body" idx="1"/>
+          </p:nvPr>
+        </p:nvSpPr>
+        <p:spPr/>
+        <p:txBody>
+          <a:bodyPr/>
+          <a:lstStyle/>
+          <a:p>
+            <a:r>
+              <a:rPr lang="pl-PL"/>
+              <a:t>Jak są kopane </a:t>
+            </a:r>
+            <a:r>
+              <a:rPr lang="pl-PL" err="1"/>
+              <a:t>bitcoiny</a:t>
+            </a:r>
+            <a:endParaRPr lang="pl-PL"/>
+          </a:p>
+          <a:p>
+            <a:r>
+              <a:rPr lang="pl-PL"/>
+              <a:t>Co jest w statystykach</a:t>
+            </a:r>
+          </a:p>
+          <a:p>
+            <a:r>
+              <a:rPr lang="pl-PL"/>
+              <a:t>Słabe te statystki</a:t>
+            </a:r>
+          </a:p>
+          <a:p>
+            <a:r>
+              <a:rPr lang="pl-PL"/>
+              <a:t>Najgorszy procesor bo</a:t>
+            </a:r>
+          </a:p>
+          <a:p>
+            <a:r>
+              <a:rPr lang="pl-PL"/>
+              <a:t>Lepsza </a:t>
+            </a:r>
+            <a:r>
+              <a:rPr lang="pl-PL" err="1"/>
+              <a:t>garfika</a:t>
+            </a:r>
+            <a:r>
+              <a:rPr lang="pl-PL"/>
+              <a:t> bo</a:t>
+            </a:r>
+          </a:p>
+          <a:p>
+            <a:r>
+              <a:rPr lang="pl-PL"/>
+              <a:t>FPGA daje dobre wyniki bo</a:t>
+            </a:r>
+          </a:p>
+          <a:p>
+            <a:r>
+              <a:rPr lang="pl-PL"/>
+              <a:t>ASIC najlepszy bo</a:t>
+            </a:r>
+          </a:p>
+          <a:p>
+            <a:r>
+              <a:rPr lang="pl-PL"/>
+              <a:t>Dlaczego ASIC tak dobry w stosunku do FPGA</a:t>
+            </a:r>
+          </a:p>
+        </p:txBody>
+      </p:sp>
+      <p:sp>
+        <p:nvSpPr>
+          <p:cNvPr id="4" name="Symbol zastępczy numeru slajdu 3"/>
+          <p:cNvSpPr>
+            <a:spLocks noGrp="1"/>
+          </p:cNvSpPr>
+          <p:nvPr>
+            <p:ph type="sldNum" sz="quarter" idx="5"/>
+          </p:nvPr>
+        </p:nvSpPr>
+        <p:spPr/>
+        <p:txBody>
+          <a:bodyPr/>
+          <a:lstStyle/>
+          <a:p>
+            <a:pPr rtl="0"/>
+            <a:fld id="{82869989-EB00-4EE7-BCB5-25BDC5BB29F8}" type="slidenum">
+              <a:rPr lang="pl-PL" noProof="0" smtClean="0"/>
+              <a:t>11</a:t>
+            </a:fld>
+            <a:endParaRPr lang="pl-PL" noProof="0"/>
+          </a:p>
+        </p:txBody>
+      </p:sp>
+    </p:spTree>
+    <p:extLst>
+      <p:ext uri="{BB962C8B-B14F-4D97-AF65-F5344CB8AC3E}">
+        <p14:creationId xmlns:p14="http://schemas.microsoft.com/office/powerpoint/2010/main" val="2189130322"/>
+      </p:ext>
+    </p:extLst>
+  </p:cSld>
+  <p:clrMapOvr>
+    <a:masterClrMapping/>
+  </p:clrMapOvr>
+</p:notes>
+</file>
+
+<file path=ppt/notesSlides/notesSlide12.xml><?xml version="1.0" encoding="utf-8"?>
+<p:notes xmlns:a="http://schemas.openxmlformats.org/drawingml/2006/main" xmlns:r="http://schemas.openxmlformats.org/officeDocument/2006/relationships" xmlns:p="http://schemas.openxmlformats.org/presentationml/2006/main">
+  <p:cSld>
+    <p:spTree>
+      <p:nvGrpSpPr>
+        <p:cNvPr id="1" name=""/>
+        <p:cNvGrpSpPr/>
+        <p:nvPr/>
+      </p:nvGrpSpPr>
+      <p:grpSpPr>
+        <a:xfrm>
+          <a:off x="0" y="0"/>
+          <a:ext cx="0" cy="0"/>
+          <a:chOff x="0" y="0"/>
+          <a:chExt cx="0" cy="0"/>
+        </a:xfrm>
+      </p:grpSpPr>
+      <p:sp>
+        <p:nvSpPr>
+          <p:cNvPr id="2" name="Symbol zastępczy obrazu slajdu 1"/>
+          <p:cNvSpPr>
+            <a:spLocks noGrp="1" noRot="1" noChangeAspect="1"/>
+          </p:cNvSpPr>
+          <p:nvPr>
+            <p:ph type="sldImg"/>
+          </p:nvPr>
+        </p:nvSpPr>
+        <p:spPr/>
+      </p:sp>
+      <p:sp>
+        <p:nvSpPr>
+          <p:cNvPr id="3" name="Symbol zastępczy notatek 2"/>
+          <p:cNvSpPr>
+            <a:spLocks noGrp="1"/>
+          </p:cNvSpPr>
+          <p:nvPr>
+            <p:ph type="body" idx="1"/>
+          </p:nvPr>
+        </p:nvSpPr>
+        <p:spPr/>
+        <p:txBody>
+          <a:bodyPr/>
+          <a:lstStyle/>
+          <a:p>
+            <a:r>
+              <a:rPr lang="pl-PL"/>
+              <a:t>Blok logiczny i dokładny opis</a:t>
+            </a:r>
+          </a:p>
+          <a:p>
+            <a:r>
+              <a:rPr lang="pl-PL"/>
+              <a:t>Blok IO</a:t>
+            </a:r>
+          </a:p>
+          <a:p>
+            <a:pPr marL="0" marR="0" lvl="0" indent="0" algn="l" defTabSz="864017" rtl="0" eaLnBrk="1" fontAlgn="auto" latinLnBrk="0" hangingPunct="1">
+              <a:lnSpc>
+                <a:spcPct val="100000"/>
+              </a:lnSpc>
+              <a:spcBef>
+                <a:spcPts val="0"/>
+              </a:spcBef>
+              <a:spcAft>
+                <a:spcPts val="0"/>
+              </a:spcAft>
+              <a:buClrTx/>
+              <a:buSzTx/>
+              <a:buFontTx/>
+              <a:buNone/>
+              <a:tabLst/>
+              <a:defRPr/>
+            </a:pPr>
+            <a:r>
+              <a:rPr lang="pl-PL"/>
+              <a:t>Dodatkowe bloki</a:t>
+            </a:r>
+          </a:p>
+          <a:p>
+            <a:r>
+              <a:rPr lang="pl-PL"/>
+              <a:t>Ścieżki – konfigurowanie</a:t>
+            </a:r>
+          </a:p>
+          <a:p>
+            <a:r>
+              <a:rPr lang="pl-PL"/>
+              <a:t>Zegar i synchroniczny</a:t>
+            </a:r>
+          </a:p>
+          <a:p>
+            <a:endParaRPr lang="pl-PL"/>
+          </a:p>
+        </p:txBody>
+      </p:sp>
+      <p:sp>
+        <p:nvSpPr>
+          <p:cNvPr id="4" name="Symbol zastępczy numeru slajdu 3"/>
+          <p:cNvSpPr>
+            <a:spLocks noGrp="1"/>
+          </p:cNvSpPr>
+          <p:nvPr>
+            <p:ph type="sldNum" sz="quarter" idx="5"/>
+          </p:nvPr>
+        </p:nvSpPr>
+        <p:spPr/>
+        <p:txBody>
+          <a:bodyPr/>
+          <a:lstStyle/>
+          <a:p>
+            <a:pPr rtl="0"/>
+            <a:fld id="{82869989-EB00-4EE7-BCB5-25BDC5BB29F8}" type="slidenum">
+              <a:rPr lang="pl-PL" noProof="0" smtClean="0"/>
+              <a:t>12</a:t>
+            </a:fld>
+            <a:endParaRPr lang="pl-PL" noProof="0"/>
+          </a:p>
+        </p:txBody>
+      </p:sp>
+    </p:spTree>
+    <p:extLst>
+      <p:ext uri="{BB962C8B-B14F-4D97-AF65-F5344CB8AC3E}">
+        <p14:creationId xmlns:p14="http://schemas.microsoft.com/office/powerpoint/2010/main" val="2189992105"/>
+      </p:ext>
+    </p:extLst>
+  </p:cSld>
+  <p:clrMapOvr>
+    <a:masterClrMapping/>
+  </p:clrMapOvr>
+</p:notes>
+</file>
+
+<file path=ppt/notesSlides/notesSlide13.xml><?xml version="1.0" encoding="utf-8"?>
+<p:notes xmlns:a="http://schemas.openxmlformats.org/drawingml/2006/main" xmlns:r="http://schemas.openxmlformats.org/officeDocument/2006/relationships" xmlns:p="http://schemas.openxmlformats.org/presentationml/2006/main">
+  <p:cSld>
+    <p:spTree>
+      <p:nvGrpSpPr>
+        <p:cNvPr id="1" name=""/>
+        <p:cNvGrpSpPr/>
+        <p:nvPr/>
+      </p:nvGrpSpPr>
+      <p:grpSpPr>
+        <a:xfrm>
+          <a:off x="0" y="0"/>
+          <a:ext cx="0" cy="0"/>
+          <a:chOff x="0" y="0"/>
+          <a:chExt cx="0" cy="0"/>
+        </a:xfrm>
+      </p:grpSpPr>
+      <p:sp>
+        <p:nvSpPr>
+          <p:cNvPr id="2" name="Symbol zastępczy obrazu slajdu 1"/>
+          <p:cNvSpPr>
+            <a:spLocks noGrp="1" noRot="1" noChangeAspect="1"/>
+          </p:cNvSpPr>
+          <p:nvPr>
+            <p:ph type="sldImg"/>
+          </p:nvPr>
+        </p:nvSpPr>
+        <p:spPr/>
+      </p:sp>
+      <p:sp>
+        <p:nvSpPr>
+          <p:cNvPr id="3" name="Symbol zastępczy notatek 2"/>
+          <p:cNvSpPr>
+            <a:spLocks noGrp="1"/>
+          </p:cNvSpPr>
+          <p:nvPr>
+            <p:ph type="body" idx="1"/>
+          </p:nvPr>
+        </p:nvSpPr>
+        <p:spPr/>
+        <p:txBody>
+          <a:bodyPr/>
+          <a:lstStyle/>
+          <a:p>
+            <a:r>
+              <a:rPr lang="pl-PL"/>
+              <a:t>HDL lepsze niż schemat,  30 minut</a:t>
+            </a:r>
+          </a:p>
+          <a:p>
+            <a:r>
+              <a:rPr lang="pl-PL"/>
+              <a:t>Schemat z </a:t>
+            </a:r>
+            <a:r>
+              <a:rPr lang="pl-PL" err="1"/>
+              <a:t>laborki</a:t>
+            </a:r>
+            <a:r>
+              <a:rPr lang="pl-PL"/>
+              <a:t> z programu</a:t>
+            </a:r>
+          </a:p>
+          <a:p>
+            <a:r>
+              <a:rPr lang="pl-PL"/>
+              <a:t>Blok (symbol), ścieżka, węzeł</a:t>
+            </a:r>
+          </a:p>
+          <a:p>
+            <a:r>
+              <a:rPr lang="pl-PL"/>
+              <a:t>Magistrala i odgałęzienie</a:t>
+            </a:r>
+          </a:p>
+          <a:p>
+            <a:r>
+              <a:rPr lang="pl-PL"/>
+              <a:t>znacznik wejść</a:t>
+            </a:r>
+          </a:p>
+          <a:p>
+            <a:endParaRPr lang="pl-PL"/>
+          </a:p>
+          <a:p>
+            <a:endParaRPr lang="pl-PL"/>
+          </a:p>
+        </p:txBody>
+      </p:sp>
+      <p:sp>
+        <p:nvSpPr>
+          <p:cNvPr id="4" name="Symbol zastępczy numeru slajdu 3"/>
+          <p:cNvSpPr>
+            <a:spLocks noGrp="1"/>
+          </p:cNvSpPr>
+          <p:nvPr>
+            <p:ph type="sldNum" sz="quarter" idx="5"/>
+          </p:nvPr>
+        </p:nvSpPr>
+        <p:spPr/>
+        <p:txBody>
+          <a:bodyPr/>
+          <a:lstStyle/>
+          <a:p>
+            <a:pPr rtl="0"/>
+            <a:fld id="{82869989-EB00-4EE7-BCB5-25BDC5BB29F8}" type="slidenum">
+              <a:rPr lang="pl-PL" noProof="0" smtClean="0"/>
+              <a:t>13</a:t>
+            </a:fld>
+            <a:endParaRPr lang="pl-PL" noProof="0"/>
+          </a:p>
+        </p:txBody>
+      </p:sp>
+    </p:spTree>
+    <p:extLst>
+      <p:ext uri="{BB962C8B-B14F-4D97-AF65-F5344CB8AC3E}">
+        <p14:creationId xmlns:p14="http://schemas.microsoft.com/office/powerpoint/2010/main" val="3686154033"/>
+      </p:ext>
+    </p:extLst>
+  </p:cSld>
+  <p:clrMapOvr>
+    <a:masterClrMapping/>
+  </p:clrMapOvr>
+</p:notes>
+</file>
+
+<file path=ppt/notesSlides/notesSlide14.xml><?xml version="1.0" encoding="utf-8"?>
+<p:notes xmlns:a="http://schemas.openxmlformats.org/drawingml/2006/main" xmlns:r="http://schemas.openxmlformats.org/officeDocument/2006/relationships" xmlns:p="http://schemas.openxmlformats.org/presentationml/2006/main">
+  <p:cSld>
+    <p:spTree>
+      <p:nvGrpSpPr>
+        <p:cNvPr id="1" name=""/>
+        <p:cNvGrpSpPr/>
+        <p:nvPr/>
+      </p:nvGrpSpPr>
+      <p:grpSpPr>
+        <a:xfrm>
+          <a:off x="0" y="0"/>
+          <a:ext cx="0" cy="0"/>
+          <a:chOff x="0" y="0"/>
+          <a:chExt cx="0" cy="0"/>
+        </a:xfrm>
+      </p:grpSpPr>
+      <p:sp>
+        <p:nvSpPr>
+          <p:cNvPr id="2" name="Symbol zastępczy obrazu slajdu 1"/>
+          <p:cNvSpPr>
+            <a:spLocks noGrp="1" noRot="1" noChangeAspect="1"/>
+          </p:cNvSpPr>
+          <p:nvPr>
+            <p:ph type="sldImg"/>
+          </p:nvPr>
+        </p:nvSpPr>
+        <p:spPr/>
+      </p:sp>
+      <p:sp>
+        <p:nvSpPr>
+          <p:cNvPr id="3" name="Symbol zastępczy notatek 2"/>
+          <p:cNvSpPr>
+            <a:spLocks noGrp="1"/>
+          </p:cNvSpPr>
+          <p:nvPr>
+            <p:ph type="body" idx="1"/>
+          </p:nvPr>
+        </p:nvSpPr>
+        <p:spPr/>
+        <p:txBody>
+          <a:bodyPr/>
+          <a:lstStyle/>
+          <a:p>
+            <a:r>
+              <a:rPr lang="pl-PL"/>
+              <a:t>Pytania</a:t>
+            </a:r>
+          </a:p>
+        </p:txBody>
+      </p:sp>
+      <p:sp>
+        <p:nvSpPr>
+          <p:cNvPr id="4" name="Symbol zastępczy numeru slajdu 3"/>
+          <p:cNvSpPr>
+            <a:spLocks noGrp="1"/>
+          </p:cNvSpPr>
+          <p:nvPr>
+            <p:ph type="sldNum" sz="quarter" idx="5"/>
+          </p:nvPr>
+        </p:nvSpPr>
+        <p:spPr/>
+        <p:txBody>
+          <a:bodyPr/>
+          <a:lstStyle/>
+          <a:p>
+            <a:pPr rtl="0"/>
+            <a:fld id="{82869989-EB00-4EE7-BCB5-25BDC5BB29F8}" type="slidenum">
+              <a:rPr lang="pl-PL" noProof="0" smtClean="0"/>
+              <a:t>14</a:t>
+            </a:fld>
+            <a:endParaRPr lang="pl-PL" noProof="0"/>
+          </a:p>
+        </p:txBody>
+      </p:sp>
+    </p:spTree>
+    <p:extLst>
+      <p:ext uri="{BB962C8B-B14F-4D97-AF65-F5344CB8AC3E}">
+        <p14:creationId xmlns:p14="http://schemas.microsoft.com/office/powerpoint/2010/main" val="3581974853"/>
       </p:ext>
     </p:extLst>
   </p:cSld>
@@ -15596,311 +16183,16 @@
           <a:bodyPr/>
           <a:lstStyle/>
           <a:p>
-            <a:pPr marL="266700" indent="-266700">
-              <a:lnSpc>
-                <a:spcPct val="110000"/>
-              </a:lnSpc>
-              <a:spcBef>
-                <a:spcPts val="0"/>
-              </a:spcBef>
-              <a:spcAft>
-                <a:spcPts val="0"/>
-              </a:spcAft>
-              <a:buFont typeface="+mj-lt"/>
-              <a:buAutoNum type="arabicPeriod"/>
-            </a:pPr>
             <a:r>
-              <a:rPr lang="pl-PL" dirty="0">
-                <a:solidFill>
-                  <a:schemeClr val="tx1"/>
-                </a:solidFill>
-              </a:rPr>
-              <a:t>Czym jest sygnał cyfrowy?</a:t>
+              <a:rPr lang="pl-PL"/>
+              <a:t>Dlaczego najpierw o układach cyfrowych</a:t>
             </a:r>
           </a:p>
           <a:p>
-            <a:pPr marL="447675" lvl="2" indent="-180975">
-              <a:lnSpc>
-                <a:spcPct val="110000"/>
-              </a:lnSpc>
-              <a:spcBef>
-                <a:spcPts val="0"/>
-              </a:spcBef>
-              <a:spcAft>
-                <a:spcPts val="0"/>
-              </a:spcAft>
-            </a:pPr>
             <a:r>
-              <a:rPr lang="pl-PL" dirty="0">
-                <a:solidFill>
-                  <a:schemeClr val="tx1"/>
-                </a:solidFill>
-              </a:rPr>
-              <a:t>Jak wygląda sygnał cyfrowy?</a:t>
+              <a:rPr lang="pl-PL"/>
+              <a:t>Wymienienie tematów</a:t>
             </a:r>
-          </a:p>
-          <a:p>
-            <a:pPr marL="447675" lvl="2" indent="-180975">
-              <a:lnSpc>
-                <a:spcPct val="110000"/>
-              </a:lnSpc>
-              <a:spcBef>
-                <a:spcPts val="0"/>
-              </a:spcBef>
-              <a:spcAft>
-                <a:spcPts val="0"/>
-              </a:spcAft>
-            </a:pPr>
-            <a:r>
-              <a:rPr lang="pl-PL" dirty="0">
-                <a:solidFill>
-                  <a:schemeClr val="tx1"/>
-                </a:solidFill>
-              </a:rPr>
-              <a:t>Sygnał cyfrowy w układach synchronicznych</a:t>
-            </a:r>
-          </a:p>
-          <a:p>
-            <a:pPr marL="266700" indent="-266700">
-              <a:lnSpc>
-                <a:spcPct val="110000"/>
-              </a:lnSpc>
-              <a:spcBef>
-                <a:spcPts val="0"/>
-              </a:spcBef>
-              <a:spcAft>
-                <a:spcPts val="0"/>
-              </a:spcAft>
-              <a:buFont typeface="+mj-lt"/>
-              <a:buAutoNum type="arabicPeriod"/>
-            </a:pPr>
-            <a:r>
-              <a:rPr lang="pl-PL" dirty="0">
-                <a:solidFill>
-                  <a:schemeClr val="tx1"/>
-                </a:solidFill>
-              </a:rPr>
-              <a:t>Algebra Boole’a w elektronice cyfrowej</a:t>
-            </a:r>
-          </a:p>
-          <a:p>
-            <a:pPr marL="266700" indent="-266700">
-              <a:lnSpc>
-                <a:spcPct val="110000"/>
-              </a:lnSpc>
-              <a:spcBef>
-                <a:spcPts val="0"/>
-              </a:spcBef>
-              <a:spcAft>
-                <a:spcPts val="0"/>
-              </a:spcAft>
-              <a:buFont typeface="+mj-lt"/>
-              <a:buAutoNum type="arabicPeriod"/>
-            </a:pPr>
-            <a:r>
-              <a:rPr lang="pl-PL" dirty="0">
-                <a:solidFill>
-                  <a:schemeClr val="tx1"/>
-                </a:solidFill>
-              </a:rPr>
-              <a:t>Wybrane układy cyfrowe</a:t>
-            </a:r>
-          </a:p>
-          <a:p>
-            <a:pPr marL="447675" lvl="2" indent="-180975">
-              <a:lnSpc>
-                <a:spcPct val="110000"/>
-              </a:lnSpc>
-              <a:spcBef>
-                <a:spcPts val="0"/>
-              </a:spcBef>
-              <a:spcAft>
-                <a:spcPts val="0"/>
-              </a:spcAft>
-            </a:pPr>
-            <a:r>
-              <a:rPr lang="pl-PL" dirty="0">
-                <a:solidFill>
-                  <a:schemeClr val="tx1"/>
-                </a:solidFill>
-              </a:rPr>
-              <a:t>Układy kombinacyjne – bramka NOT, AND i OR</a:t>
-            </a:r>
-          </a:p>
-          <a:p>
-            <a:pPr marL="447675" lvl="2" indent="-180975">
-              <a:lnSpc>
-                <a:spcPct val="110000"/>
-              </a:lnSpc>
-              <a:spcBef>
-                <a:spcPts val="0"/>
-              </a:spcBef>
-              <a:spcAft>
-                <a:spcPts val="0"/>
-              </a:spcAft>
-            </a:pPr>
-            <a:r>
-              <a:rPr lang="pl-PL" dirty="0">
-                <a:solidFill>
-                  <a:schemeClr val="tx1"/>
-                </a:solidFill>
-              </a:rPr>
-              <a:t>Układy sekwencyjne – przerzutnik RS i JK</a:t>
-            </a:r>
-          </a:p>
-          <a:p>
-            <a:pPr marL="266700" indent="-266700">
-              <a:lnSpc>
-                <a:spcPct val="110000"/>
-              </a:lnSpc>
-              <a:spcBef>
-                <a:spcPts val="0"/>
-              </a:spcBef>
-              <a:spcAft>
-                <a:spcPts val="0"/>
-              </a:spcAft>
-              <a:buFont typeface="+mj-lt"/>
-              <a:buAutoNum type="arabicPeriod"/>
-            </a:pPr>
-            <a:r>
-              <a:rPr lang="pl-PL" dirty="0">
-                <a:solidFill>
-                  <a:schemeClr val="tx1"/>
-                </a:solidFill>
-              </a:rPr>
-              <a:t>System binarny i jego zastosowanie w technice cyfrowej</a:t>
-            </a:r>
-          </a:p>
-          <a:p>
-            <a:pPr marL="447675" lvl="2" indent="-180975">
-              <a:lnSpc>
-                <a:spcPct val="110000"/>
-              </a:lnSpc>
-              <a:spcBef>
-                <a:spcPts val="0"/>
-              </a:spcBef>
-              <a:spcAft>
-                <a:spcPts val="0"/>
-              </a:spcAft>
-            </a:pPr>
-            <a:r>
-              <a:rPr lang="pl-PL" dirty="0">
-                <a:solidFill>
-                  <a:schemeClr val="tx1"/>
-                </a:solidFill>
-              </a:rPr>
-              <a:t>Podstawowe informacje o systemie binarnym</a:t>
-            </a:r>
-          </a:p>
-          <a:p>
-            <a:pPr marL="447675" lvl="2" indent="-180975">
-              <a:lnSpc>
-                <a:spcPct val="110000"/>
-              </a:lnSpc>
-              <a:spcBef>
-                <a:spcPts val="0"/>
-              </a:spcBef>
-              <a:spcAft>
-                <a:spcPts val="0"/>
-              </a:spcAft>
-            </a:pPr>
-            <a:r>
-              <a:rPr lang="pl-PL" dirty="0">
-                <a:solidFill>
-                  <a:schemeClr val="tx1"/>
-                </a:solidFill>
-              </a:rPr>
-              <a:t>Układ licznika modulo n</a:t>
-            </a:r>
-          </a:p>
-          <a:p>
-            <a:pPr marL="266700" indent="-266700">
-              <a:lnSpc>
-                <a:spcPct val="110000"/>
-              </a:lnSpc>
-              <a:spcBef>
-                <a:spcPts val="0"/>
-              </a:spcBef>
-              <a:spcAft>
-                <a:spcPts val="0"/>
-              </a:spcAft>
-              <a:buFont typeface="+mj-lt"/>
-              <a:buAutoNum type="arabicPeriod"/>
-            </a:pPr>
-            <a:r>
-              <a:rPr lang="pl-PL" dirty="0">
-                <a:solidFill>
-                  <a:schemeClr val="tx1"/>
-                </a:solidFill>
-              </a:rPr>
-              <a:t>Elementarne informacje o układach FPGA</a:t>
-            </a:r>
-          </a:p>
-          <a:p>
-            <a:pPr marL="447675" lvl="2" indent="-180975">
-              <a:lnSpc>
-                <a:spcPct val="110000"/>
-              </a:lnSpc>
-              <a:spcBef>
-                <a:spcPts val="0"/>
-              </a:spcBef>
-              <a:spcAft>
-                <a:spcPts val="0"/>
-              </a:spcAft>
-            </a:pPr>
-            <a:r>
-              <a:rPr lang="pl-PL" dirty="0">
-                <a:solidFill>
-                  <a:schemeClr val="tx1"/>
-                </a:solidFill>
-              </a:rPr>
-              <a:t>Czym są układy FPGA?</a:t>
-            </a:r>
-          </a:p>
-          <a:p>
-            <a:pPr marL="447675" lvl="2" indent="-180975">
-              <a:lnSpc>
-                <a:spcPct val="110000"/>
-              </a:lnSpc>
-              <a:spcBef>
-                <a:spcPts val="0"/>
-              </a:spcBef>
-              <a:spcAft>
-                <a:spcPts val="0"/>
-              </a:spcAft>
-            </a:pPr>
-            <a:r>
-              <a:rPr lang="pl-PL" dirty="0">
-                <a:solidFill>
-                  <a:schemeClr val="tx1"/>
-                </a:solidFill>
-              </a:rPr>
-              <a:t>Kluczowe informacje o budowie układów FPGA</a:t>
-            </a:r>
-          </a:p>
-          <a:p>
-            <a:pPr marL="447675" lvl="2" indent="-180975">
-              <a:lnSpc>
-                <a:spcPct val="110000"/>
-              </a:lnSpc>
-              <a:spcBef>
-                <a:spcPts val="0"/>
-              </a:spcBef>
-              <a:spcAft>
-                <a:spcPts val="0"/>
-              </a:spcAft>
-            </a:pPr>
-            <a:r>
-              <a:rPr lang="pl-PL" dirty="0">
-                <a:solidFill>
-                  <a:schemeClr val="tx1"/>
-                </a:solidFill>
-              </a:rPr>
-              <a:t>Wykorzystanie schematu do opisu układów cyfrowych</a:t>
-            </a:r>
-          </a:p>
-          <a:p>
-            <a:endParaRPr lang="pl-PL" dirty="0"/>
           </a:p>
         </p:txBody>
       </p:sp>
@@ -15985,7 +16277,227 @@
           <a:bodyPr/>
           <a:lstStyle/>
           <a:p>
-            <a:endParaRPr lang="pl-PL" dirty="0"/>
+            <a:r>
+              <a:rPr lang="pl-PL"/>
+              <a:t>Czym jest sygnał</a:t>
+            </a:r>
+          </a:p>
+          <a:p>
+            <a:r>
+              <a:rPr lang="pl-PL"/>
+              <a:t>Jak wygląda w elektronice cyfrowej</a:t>
+            </a:r>
+          </a:p>
+          <a:p>
+            <a:r>
+              <a:rPr lang="pl-PL"/>
+              <a:t>Jak wygląda typowo</a:t>
+            </a:r>
+          </a:p>
+        </p:txBody>
+      </p:sp>
+      <p:sp>
+        <p:nvSpPr>
+          <p:cNvPr id="4" name="Symbol zastępczy numeru slajdu 3"/>
+          <p:cNvSpPr>
+            <a:spLocks noGrp="1"/>
+          </p:cNvSpPr>
+          <p:nvPr>
+            <p:ph type="sldNum" sz="quarter" idx="5"/>
+          </p:nvPr>
+        </p:nvSpPr>
+        <p:spPr/>
+        <p:txBody>
+          <a:bodyPr/>
+          <a:lstStyle/>
+          <a:p>
+            <a:pPr rtl="0"/>
+            <a:fld id="{82869989-EB00-4EE7-BCB5-25BDC5BB29F8}" type="slidenum">
+              <a:rPr lang="pl-PL" noProof="0" smtClean="0"/>
+              <a:t>3</a:t>
+            </a:fld>
+            <a:endParaRPr lang="pl-PL" noProof="0"/>
+          </a:p>
+        </p:txBody>
+      </p:sp>
+    </p:spTree>
+    <p:extLst>
+      <p:ext uri="{BB962C8B-B14F-4D97-AF65-F5344CB8AC3E}">
+        <p14:creationId xmlns:p14="http://schemas.microsoft.com/office/powerpoint/2010/main" val="2448008774"/>
+      </p:ext>
+    </p:extLst>
+  </p:cSld>
+  <p:clrMapOvr>
+    <a:masterClrMapping/>
+  </p:clrMapOvr>
+</p:notes>
+</file>
+
+<file path=ppt/notesSlides/notesSlide4.xml><?xml version="1.0" encoding="utf-8"?>
+<p:notes xmlns:a="http://schemas.openxmlformats.org/drawingml/2006/main" xmlns:r="http://schemas.openxmlformats.org/officeDocument/2006/relationships" xmlns:p="http://schemas.openxmlformats.org/presentationml/2006/main">
+  <p:cSld>
+    <p:spTree>
+      <p:nvGrpSpPr>
+        <p:cNvPr id="1" name=""/>
+        <p:cNvGrpSpPr/>
+        <p:nvPr/>
+      </p:nvGrpSpPr>
+      <p:grpSpPr>
+        <a:xfrm>
+          <a:off x="0" y="0"/>
+          <a:ext cx="0" cy="0"/>
+          <a:chOff x="0" y="0"/>
+          <a:chExt cx="0" cy="0"/>
+        </a:xfrm>
+      </p:grpSpPr>
+      <p:sp>
+        <p:nvSpPr>
+          <p:cNvPr id="2" name="Symbol zastępczy obrazu slajdu 1"/>
+          <p:cNvSpPr>
+            <a:spLocks noGrp="1" noRot="1" noChangeAspect="1"/>
+          </p:cNvSpPr>
+          <p:nvPr>
+            <p:ph type="sldImg"/>
+          </p:nvPr>
+        </p:nvSpPr>
+        <p:spPr/>
+      </p:sp>
+      <p:sp>
+        <p:nvSpPr>
+          <p:cNvPr id="3" name="Symbol zastępczy notatek 2"/>
+          <p:cNvSpPr>
+            <a:spLocks noGrp="1"/>
+          </p:cNvSpPr>
+          <p:nvPr>
+            <p:ph type="body" idx="1"/>
+          </p:nvPr>
+        </p:nvSpPr>
+        <p:spPr/>
+        <p:txBody>
+          <a:bodyPr/>
+          <a:lstStyle/>
+          <a:p>
+            <a:r>
+              <a:rPr lang="pl-PL"/>
+              <a:t>Czym jest układ synchroniczny</a:t>
+            </a:r>
+          </a:p>
+          <a:p>
+            <a:r>
+              <a:rPr lang="pl-PL"/>
+              <a:t>Opis na podstawie rysunku</a:t>
+            </a:r>
+          </a:p>
+        </p:txBody>
+      </p:sp>
+      <p:sp>
+        <p:nvSpPr>
+          <p:cNvPr id="4" name="Symbol zastępczy numeru slajdu 3"/>
+          <p:cNvSpPr>
+            <a:spLocks noGrp="1"/>
+          </p:cNvSpPr>
+          <p:nvPr>
+            <p:ph type="sldNum" sz="quarter" idx="5"/>
+          </p:nvPr>
+        </p:nvSpPr>
+        <p:spPr/>
+        <p:txBody>
+          <a:bodyPr/>
+          <a:lstStyle/>
+          <a:p>
+            <a:pPr rtl="0"/>
+            <a:fld id="{82869989-EB00-4EE7-BCB5-25BDC5BB29F8}" type="slidenum">
+              <a:rPr lang="pl-PL" noProof="0" smtClean="0"/>
+              <a:t>4</a:t>
+            </a:fld>
+            <a:endParaRPr lang="pl-PL" noProof="0"/>
+          </a:p>
+        </p:txBody>
+      </p:sp>
+    </p:spTree>
+    <p:extLst>
+      <p:ext uri="{BB962C8B-B14F-4D97-AF65-F5344CB8AC3E}">
+        <p14:creationId xmlns:p14="http://schemas.microsoft.com/office/powerpoint/2010/main" val="1907074464"/>
+      </p:ext>
+    </p:extLst>
+  </p:cSld>
+  <p:clrMapOvr>
+    <a:masterClrMapping/>
+  </p:clrMapOvr>
+</p:notes>
+</file>
+
+<file path=ppt/notesSlides/notesSlide5.xml><?xml version="1.0" encoding="utf-8"?>
+<p:notes xmlns:a="http://schemas.openxmlformats.org/drawingml/2006/main" xmlns:r="http://schemas.openxmlformats.org/officeDocument/2006/relationships" xmlns:p="http://schemas.openxmlformats.org/presentationml/2006/main">
+  <p:cSld>
+    <p:spTree>
+      <p:nvGrpSpPr>
+        <p:cNvPr id="1" name=""/>
+        <p:cNvGrpSpPr/>
+        <p:nvPr/>
+      </p:nvGrpSpPr>
+      <p:grpSpPr>
+        <a:xfrm>
+          <a:off x="0" y="0"/>
+          <a:ext cx="0" cy="0"/>
+          <a:chOff x="0" y="0"/>
+          <a:chExt cx="0" cy="0"/>
+        </a:xfrm>
+      </p:grpSpPr>
+      <p:sp>
+        <p:nvSpPr>
+          <p:cNvPr id="2" name="Symbol zastępczy obrazu slajdu 1"/>
+          <p:cNvSpPr>
+            <a:spLocks noGrp="1" noRot="1" noChangeAspect="1"/>
+          </p:cNvSpPr>
+          <p:nvPr>
+            <p:ph type="sldImg"/>
+          </p:nvPr>
+        </p:nvSpPr>
+        <p:spPr/>
+      </p:sp>
+      <p:sp>
+        <p:nvSpPr>
+          <p:cNvPr id="3" name="Symbol zastępczy notatek 2"/>
+          <p:cNvSpPr>
+            <a:spLocks noGrp="1"/>
+          </p:cNvSpPr>
+          <p:nvPr>
+            <p:ph type="body" idx="1"/>
+          </p:nvPr>
+        </p:nvSpPr>
+        <p:spPr/>
+        <p:txBody>
+          <a:bodyPr/>
+          <a:lstStyle/>
+          <a:p>
+            <a:r>
+              <a:rPr lang="pl-PL"/>
+              <a:t>Czym jest algebra </a:t>
+            </a:r>
+            <a:r>
+              <a:rPr lang="pl-PL" err="1"/>
+              <a:t>boole’a</a:t>
+            </a:r>
+            <a:endParaRPr lang="pl-PL"/>
+          </a:p>
+          <a:p>
+            <a:r>
+              <a:rPr lang="pl-PL"/>
+              <a:t>Operacja opis tabelą</a:t>
+            </a:r>
+          </a:p>
+          <a:p>
+            <a:r>
+              <a:rPr lang="pl-PL"/>
+              <a:t>Kolejne operacje nazwa, tabela, właściwości</a:t>
+            </a:r>
+          </a:p>
+          <a:p>
+            <a:r>
+              <a:rPr lang="pl-PL"/>
+              <a:t>Inne właściwości</a:t>
+            </a:r>
           </a:p>
         </p:txBody>
       </p:sp>
@@ -16017,6 +16529,458 @@
     <p:extLst>
       <p:ext uri="{BB962C8B-B14F-4D97-AF65-F5344CB8AC3E}">
         <p14:creationId xmlns:p14="http://schemas.microsoft.com/office/powerpoint/2010/main" val="672985885"/>
+      </p:ext>
+    </p:extLst>
+  </p:cSld>
+  <p:clrMapOvr>
+    <a:masterClrMapping/>
+  </p:clrMapOvr>
+</p:notes>
+</file>
+
+<file path=ppt/notesSlides/notesSlide6.xml><?xml version="1.0" encoding="utf-8"?>
+<p:notes xmlns:a="http://schemas.openxmlformats.org/drawingml/2006/main" xmlns:r="http://schemas.openxmlformats.org/officeDocument/2006/relationships" xmlns:p="http://schemas.openxmlformats.org/presentationml/2006/main">
+  <p:cSld>
+    <p:spTree>
+      <p:nvGrpSpPr>
+        <p:cNvPr id="1" name=""/>
+        <p:cNvGrpSpPr/>
+        <p:nvPr/>
+      </p:nvGrpSpPr>
+      <p:grpSpPr>
+        <a:xfrm>
+          <a:off x="0" y="0"/>
+          <a:ext cx="0" cy="0"/>
+          <a:chOff x="0" y="0"/>
+          <a:chExt cx="0" cy="0"/>
+        </a:xfrm>
+      </p:grpSpPr>
+      <p:sp>
+        <p:nvSpPr>
+          <p:cNvPr id="2" name="Symbol zastępczy obrazu slajdu 1"/>
+          <p:cNvSpPr>
+            <a:spLocks noGrp="1" noRot="1" noChangeAspect="1"/>
+          </p:cNvSpPr>
+          <p:nvPr>
+            <p:ph type="sldImg"/>
+          </p:nvPr>
+        </p:nvSpPr>
+        <p:spPr/>
+      </p:sp>
+      <p:sp>
+        <p:nvSpPr>
+          <p:cNvPr id="3" name="Symbol zastępczy notatek 2"/>
+          <p:cNvSpPr>
+            <a:spLocks noGrp="1"/>
+          </p:cNvSpPr>
+          <p:nvPr>
+            <p:ph type="body" idx="1"/>
+          </p:nvPr>
+        </p:nvSpPr>
+        <p:spPr/>
+        <p:txBody>
+          <a:bodyPr/>
+          <a:lstStyle/>
+          <a:p>
+            <a:r>
+              <a:rPr lang="pl-PL"/>
+              <a:t>Czym jest bramka</a:t>
+            </a:r>
+          </a:p>
+          <a:p>
+            <a:r>
+              <a:rPr lang="pl-PL"/>
+              <a:t>Czym jest układ kombinacyjny</a:t>
+            </a:r>
+          </a:p>
+          <a:p>
+            <a:r>
+              <a:rPr lang="pl-PL"/>
+              <a:t>Co to tabela prawdy</a:t>
+            </a:r>
+          </a:p>
+          <a:p>
+            <a:r>
+              <a:rPr lang="pl-PL"/>
+              <a:t>Opis kolejno</a:t>
+            </a:r>
+          </a:p>
+        </p:txBody>
+      </p:sp>
+      <p:sp>
+        <p:nvSpPr>
+          <p:cNvPr id="4" name="Symbol zastępczy numeru slajdu 3"/>
+          <p:cNvSpPr>
+            <a:spLocks noGrp="1"/>
+          </p:cNvSpPr>
+          <p:nvPr>
+            <p:ph type="sldNum" sz="quarter" idx="5"/>
+          </p:nvPr>
+        </p:nvSpPr>
+        <p:spPr/>
+        <p:txBody>
+          <a:bodyPr/>
+          <a:lstStyle/>
+          <a:p>
+            <a:pPr rtl="0"/>
+            <a:fld id="{82869989-EB00-4EE7-BCB5-25BDC5BB29F8}" type="slidenum">
+              <a:rPr lang="pl-PL" noProof="0" smtClean="0"/>
+              <a:t>6</a:t>
+            </a:fld>
+            <a:endParaRPr lang="pl-PL" noProof="0"/>
+          </a:p>
+        </p:txBody>
+      </p:sp>
+    </p:spTree>
+    <p:extLst>
+      <p:ext uri="{BB962C8B-B14F-4D97-AF65-F5344CB8AC3E}">
+        <p14:creationId xmlns:p14="http://schemas.microsoft.com/office/powerpoint/2010/main" val="186103692"/>
+      </p:ext>
+    </p:extLst>
+  </p:cSld>
+  <p:clrMapOvr>
+    <a:masterClrMapping/>
+  </p:clrMapOvr>
+</p:notes>
+</file>
+
+<file path=ppt/notesSlides/notesSlide7.xml><?xml version="1.0" encoding="utf-8"?>
+<p:notes xmlns:a="http://schemas.openxmlformats.org/drawingml/2006/main" xmlns:r="http://schemas.openxmlformats.org/officeDocument/2006/relationships" xmlns:p="http://schemas.openxmlformats.org/presentationml/2006/main">
+  <p:cSld>
+    <p:spTree>
+      <p:nvGrpSpPr>
+        <p:cNvPr id="1" name=""/>
+        <p:cNvGrpSpPr/>
+        <p:nvPr/>
+      </p:nvGrpSpPr>
+      <p:grpSpPr>
+        <a:xfrm>
+          <a:off x="0" y="0"/>
+          <a:ext cx="0" cy="0"/>
+          <a:chOff x="0" y="0"/>
+          <a:chExt cx="0" cy="0"/>
+        </a:xfrm>
+      </p:grpSpPr>
+      <p:sp>
+        <p:nvSpPr>
+          <p:cNvPr id="2" name="Symbol zastępczy obrazu slajdu 1"/>
+          <p:cNvSpPr>
+            <a:spLocks noGrp="1" noRot="1" noChangeAspect="1"/>
+          </p:cNvSpPr>
+          <p:nvPr>
+            <p:ph type="sldImg"/>
+          </p:nvPr>
+        </p:nvSpPr>
+        <p:spPr/>
+      </p:sp>
+      <p:sp>
+        <p:nvSpPr>
+          <p:cNvPr id="3" name="Symbol zastępczy notatek 2"/>
+          <p:cNvSpPr>
+            <a:spLocks noGrp="1"/>
+          </p:cNvSpPr>
+          <p:nvPr>
+            <p:ph type="body" idx="1"/>
+          </p:nvPr>
+        </p:nvSpPr>
+        <p:spPr/>
+        <p:txBody>
+          <a:bodyPr/>
+          <a:lstStyle/>
+          <a:p>
+            <a:r>
+              <a:rPr lang="pl-PL"/>
+              <a:t>Czym jest układ sekwencyjny</a:t>
+            </a:r>
+          </a:p>
+          <a:p>
+            <a:r>
+              <a:rPr lang="pl-PL"/>
+              <a:t>Jak jest opisywany</a:t>
+            </a:r>
+          </a:p>
+          <a:p>
+            <a:r>
+              <a:rPr lang="pl-PL"/>
+              <a:t>Kolejno układy</a:t>
+            </a:r>
+          </a:p>
+        </p:txBody>
+      </p:sp>
+      <p:sp>
+        <p:nvSpPr>
+          <p:cNvPr id="4" name="Symbol zastępczy numeru slajdu 3"/>
+          <p:cNvSpPr>
+            <a:spLocks noGrp="1"/>
+          </p:cNvSpPr>
+          <p:nvPr>
+            <p:ph type="sldNum" sz="quarter" idx="5"/>
+          </p:nvPr>
+        </p:nvSpPr>
+        <p:spPr/>
+        <p:txBody>
+          <a:bodyPr/>
+          <a:lstStyle/>
+          <a:p>
+            <a:pPr rtl="0"/>
+            <a:fld id="{82869989-EB00-4EE7-BCB5-25BDC5BB29F8}" type="slidenum">
+              <a:rPr lang="pl-PL" noProof="0" smtClean="0"/>
+              <a:t>7</a:t>
+            </a:fld>
+            <a:endParaRPr lang="pl-PL" noProof="0"/>
+          </a:p>
+        </p:txBody>
+      </p:sp>
+    </p:spTree>
+    <p:extLst>
+      <p:ext uri="{BB962C8B-B14F-4D97-AF65-F5344CB8AC3E}">
+        <p14:creationId xmlns:p14="http://schemas.microsoft.com/office/powerpoint/2010/main" val="3179519005"/>
+      </p:ext>
+    </p:extLst>
+  </p:cSld>
+  <p:clrMapOvr>
+    <a:masterClrMapping/>
+  </p:clrMapOvr>
+</p:notes>
+</file>
+
+<file path=ppt/notesSlides/notesSlide8.xml><?xml version="1.0" encoding="utf-8"?>
+<p:notes xmlns:a="http://schemas.openxmlformats.org/drawingml/2006/main" xmlns:r="http://schemas.openxmlformats.org/officeDocument/2006/relationships" xmlns:p="http://schemas.openxmlformats.org/presentationml/2006/main">
+  <p:cSld>
+    <p:spTree>
+      <p:nvGrpSpPr>
+        <p:cNvPr id="1" name=""/>
+        <p:cNvGrpSpPr/>
+        <p:nvPr/>
+      </p:nvGrpSpPr>
+      <p:grpSpPr>
+        <a:xfrm>
+          <a:off x="0" y="0"/>
+          <a:ext cx="0" cy="0"/>
+          <a:chOff x="0" y="0"/>
+          <a:chExt cx="0" cy="0"/>
+        </a:xfrm>
+      </p:grpSpPr>
+      <p:sp>
+        <p:nvSpPr>
+          <p:cNvPr id="2" name="Symbol zastępczy obrazu slajdu 1"/>
+          <p:cNvSpPr>
+            <a:spLocks noGrp="1" noRot="1" noChangeAspect="1"/>
+          </p:cNvSpPr>
+          <p:nvPr>
+            <p:ph type="sldImg"/>
+          </p:nvPr>
+        </p:nvSpPr>
+        <p:spPr/>
+      </p:sp>
+      <p:sp>
+        <p:nvSpPr>
+          <p:cNvPr id="3" name="Symbol zastępczy notatek 2"/>
+          <p:cNvSpPr>
+            <a:spLocks noGrp="1"/>
+          </p:cNvSpPr>
+          <p:nvPr>
+            <p:ph type="body" idx="1"/>
+          </p:nvPr>
+        </p:nvSpPr>
+        <p:spPr/>
+        <p:txBody>
+          <a:bodyPr/>
+          <a:lstStyle/>
+          <a:p>
+            <a:r>
+              <a:rPr lang="pl-PL" err="1"/>
+              <a:t>Dzisiętny</a:t>
+            </a:r>
+            <a:r>
+              <a:rPr lang="pl-PL"/>
+              <a:t>, binarny</a:t>
+            </a:r>
+          </a:p>
+          <a:p>
+            <a:r>
+              <a:rPr lang="pl-PL"/>
+              <a:t>Czym jest system pozycyjny (podstawa, wykładnik), są inne</a:t>
+            </a:r>
+          </a:p>
+          <a:p>
+            <a:r>
+              <a:rPr lang="pl-PL"/>
+              <a:t>Jak wygląda liczba w dziesiętnym</a:t>
+            </a:r>
+          </a:p>
+          <a:p>
+            <a:r>
+              <a:rPr lang="pl-PL"/>
+              <a:t>Jak wygląda liczba w binarnym</a:t>
+            </a:r>
+          </a:p>
+          <a:p>
+            <a:r>
+              <a:rPr lang="pl-PL"/>
+              <a:t>Do ilu liczenie ma sens</a:t>
+            </a:r>
+          </a:p>
+          <a:p>
+            <a:r>
+              <a:rPr lang="pl-PL"/>
+              <a:t>183 - 128 = 55</a:t>
+            </a:r>
+          </a:p>
+          <a:p>
+            <a:r>
+              <a:rPr lang="pl-PL"/>
+              <a:t>55 - 32 = 23</a:t>
+            </a:r>
+          </a:p>
+          <a:p>
+            <a:r>
+              <a:rPr lang="pl-PL"/>
+              <a:t>23 - 16 = 7</a:t>
+            </a:r>
+          </a:p>
+        </p:txBody>
+      </p:sp>
+      <p:sp>
+        <p:nvSpPr>
+          <p:cNvPr id="4" name="Symbol zastępczy numeru slajdu 3"/>
+          <p:cNvSpPr>
+            <a:spLocks noGrp="1"/>
+          </p:cNvSpPr>
+          <p:nvPr>
+            <p:ph type="sldNum" sz="quarter" idx="5"/>
+          </p:nvPr>
+        </p:nvSpPr>
+        <p:spPr/>
+        <p:txBody>
+          <a:bodyPr/>
+          <a:lstStyle/>
+          <a:p>
+            <a:pPr rtl="0"/>
+            <a:fld id="{82869989-EB00-4EE7-BCB5-25BDC5BB29F8}" type="slidenum">
+              <a:rPr lang="pl-PL" noProof="0" smtClean="0"/>
+              <a:t>8</a:t>
+            </a:fld>
+            <a:endParaRPr lang="pl-PL" noProof="0"/>
+          </a:p>
+        </p:txBody>
+      </p:sp>
+    </p:spTree>
+    <p:extLst>
+      <p:ext uri="{BB962C8B-B14F-4D97-AF65-F5344CB8AC3E}">
+        <p14:creationId xmlns:p14="http://schemas.microsoft.com/office/powerpoint/2010/main" val="1609618135"/>
+      </p:ext>
+    </p:extLst>
+  </p:cSld>
+  <p:clrMapOvr>
+    <a:masterClrMapping/>
+  </p:clrMapOvr>
+</p:notes>
+</file>
+
+<file path=ppt/notesSlides/notesSlide9.xml><?xml version="1.0" encoding="utf-8"?>
+<p:notes xmlns:a="http://schemas.openxmlformats.org/drawingml/2006/main" xmlns:r="http://schemas.openxmlformats.org/officeDocument/2006/relationships" xmlns:p="http://schemas.openxmlformats.org/presentationml/2006/main">
+  <p:cSld>
+    <p:spTree>
+      <p:nvGrpSpPr>
+        <p:cNvPr id="1" name=""/>
+        <p:cNvGrpSpPr/>
+        <p:nvPr/>
+      </p:nvGrpSpPr>
+      <p:grpSpPr>
+        <a:xfrm>
+          <a:off x="0" y="0"/>
+          <a:ext cx="0" cy="0"/>
+          <a:chOff x="0" y="0"/>
+          <a:chExt cx="0" cy="0"/>
+        </a:xfrm>
+      </p:grpSpPr>
+      <p:sp>
+        <p:nvSpPr>
+          <p:cNvPr id="2" name="Symbol zastępczy obrazu slajdu 1"/>
+          <p:cNvSpPr>
+            <a:spLocks noGrp="1" noRot="1" noChangeAspect="1"/>
+          </p:cNvSpPr>
+          <p:nvPr>
+            <p:ph type="sldImg"/>
+          </p:nvPr>
+        </p:nvSpPr>
+        <p:spPr/>
+      </p:sp>
+      <p:sp>
+        <p:nvSpPr>
+          <p:cNvPr id="3" name="Symbol zastępczy notatek 2"/>
+          <p:cNvSpPr>
+            <a:spLocks noGrp="1"/>
+          </p:cNvSpPr>
+          <p:nvPr>
+            <p:ph type="body" idx="1"/>
+          </p:nvPr>
+        </p:nvSpPr>
+        <p:spPr/>
+        <p:txBody>
+          <a:bodyPr/>
+          <a:lstStyle/>
+          <a:p>
+            <a:r>
+              <a:rPr lang="pl-PL"/>
+              <a:t>Czym jest operacja modulo</a:t>
+            </a:r>
+          </a:p>
+          <a:p>
+            <a:r>
+              <a:rPr lang="pl-PL"/>
+              <a:t>Czym jest licznik modulo</a:t>
+            </a:r>
+          </a:p>
+          <a:p>
+            <a:r>
+              <a:rPr lang="pl-PL"/>
+              <a:t>Przebiegi dlaczego</a:t>
+            </a:r>
+          </a:p>
+          <a:p>
+            <a:r>
+              <a:rPr lang="pl-PL"/>
+              <a:t>Jak liczy kolejno</a:t>
+            </a:r>
+          </a:p>
+          <a:p>
+            <a:r>
+              <a:rPr lang="pl-PL"/>
+              <a:t>Reset asynchroniczny i synchroniczny</a:t>
+            </a:r>
+          </a:p>
+        </p:txBody>
+      </p:sp>
+      <p:sp>
+        <p:nvSpPr>
+          <p:cNvPr id="4" name="Symbol zastępczy numeru slajdu 3"/>
+          <p:cNvSpPr>
+            <a:spLocks noGrp="1"/>
+          </p:cNvSpPr>
+          <p:nvPr>
+            <p:ph type="sldNum" sz="quarter" idx="5"/>
+          </p:nvPr>
+        </p:nvSpPr>
+        <p:spPr/>
+        <p:txBody>
+          <a:bodyPr/>
+          <a:lstStyle/>
+          <a:p>
+            <a:pPr rtl="0"/>
+            <a:fld id="{82869989-EB00-4EE7-BCB5-25BDC5BB29F8}" type="slidenum">
+              <a:rPr lang="pl-PL" noProof="0" smtClean="0"/>
+              <a:t>9</a:t>
+            </a:fld>
+            <a:endParaRPr lang="pl-PL" noProof="0"/>
+          </a:p>
+        </p:txBody>
+      </p:sp>
+    </p:spTree>
+    <p:extLst>
+      <p:ext uri="{BB962C8B-B14F-4D97-AF65-F5344CB8AC3E}">
+        <p14:creationId xmlns:p14="http://schemas.microsoft.com/office/powerpoint/2010/main" val="3056931198"/>
       </p:ext>
     </p:extLst>
   </p:cSld>
@@ -16156,10 +17120,10 @@
           </a:lstStyle>
           <a:p>
             <a:r>
-              <a:rPr lang="pl-PL" dirty="0"/>
+              <a:rPr lang="pl-PL"/>
               <a:t>Kliknij, aby edytować styl</a:t>
             </a:r>
-            <a:endParaRPr lang="en-US" dirty="0"/>
+            <a:endParaRPr lang="en-US"/>
           </a:p>
         </p:txBody>
       </p:sp>
@@ -16228,10 +17192,10 @@
           </a:lstStyle>
           <a:p>
             <a:r>
-              <a:rPr lang="pl-PL" dirty="0"/>
+              <a:rPr lang="pl-PL"/>
               <a:t>Kliknij, aby edytować styl wzorca podtytułu</a:t>
             </a:r>
-            <a:endParaRPr lang="en-US" dirty="0"/>
+            <a:endParaRPr lang="en-US"/>
           </a:p>
         </p:txBody>
       </p:sp>
@@ -16254,7 +17218,6 @@
               <a:rPr lang="pl-PL"/>
               <a:t>27 luty 2019</a:t>
             </a:r>
-            <a:endParaRPr lang="pl-PL" dirty="0"/>
           </a:p>
         </p:txBody>
       </p:sp>
@@ -16277,7 +17240,6 @@
               <a:rPr lang="pl-PL"/>
               <a:t>Akademia ETI edycja 2019 – Programowalne układy cyfrowe FPGA</a:t>
             </a:r>
-            <a:endParaRPr lang="pl-PL" dirty="0"/>
           </a:p>
         </p:txBody>
       </p:sp>
@@ -16300,7 +17262,7 @@
               <a:rPr lang="pl-PL" smtClean="0"/>
               <a:t>‹#›</a:t>
             </a:fld>
-            <a:endParaRPr lang="pl-PL" dirty="0"/>
+            <a:endParaRPr lang="pl-PL"/>
           </a:p>
         </p:txBody>
       </p:sp>
@@ -16332,35 +17294,35 @@
           <a:p>
             <a:pPr lvl="0"/>
             <a:r>
-              <a:rPr lang="pl-PL" dirty="0"/>
+              <a:rPr lang="pl-PL"/>
               <a:t>Edytuj style wzorca tekstu</a:t>
             </a:r>
           </a:p>
           <a:p>
             <a:pPr lvl="1"/>
             <a:r>
-              <a:rPr lang="pl-PL" dirty="0"/>
+              <a:rPr lang="pl-PL"/>
               <a:t>Drugi poziom</a:t>
             </a:r>
           </a:p>
           <a:p>
             <a:pPr lvl="2"/>
             <a:r>
-              <a:rPr lang="pl-PL" dirty="0"/>
+              <a:rPr lang="pl-PL"/>
               <a:t>Trzeci poziom</a:t>
             </a:r>
           </a:p>
           <a:p>
             <a:pPr lvl="3"/>
             <a:r>
-              <a:rPr lang="pl-PL" dirty="0"/>
+              <a:rPr lang="pl-PL"/>
               <a:t>Czwarty poziom</a:t>
             </a:r>
           </a:p>
           <a:p>
             <a:pPr lvl="4"/>
             <a:r>
-              <a:rPr lang="pl-PL" dirty="0"/>
+              <a:rPr lang="pl-PL"/>
               <a:t>Piąty poziom</a:t>
             </a:r>
           </a:p>
@@ -16414,13 +17376,13 @@
   <p:clrMapOvr>
     <a:masterClrMapping/>
   </p:clrMapOvr>
-  <mc:AlternateContent xmlns:mc="http://schemas.openxmlformats.org/markup-compatibility/2006" xmlns:p14="http://schemas.microsoft.com/office/powerpoint/2010/main">
-    <mc:Choice Requires="p14">
+  <mc:AlternateContent xmlns:mc="http://schemas.openxmlformats.org/markup-compatibility/2006">
+    <mc:Choice xmlns:p14="http://schemas.microsoft.com/office/powerpoint/2010/main" Requires="p14">
       <p:transition spd="med" p14:dur="700">
         <p:fade/>
       </p:transition>
     </mc:Choice>
-    <mc:Fallback xmlns="">
+    <mc:Fallback>
       <p:transition spd="med">
         <p:fade/>
       </p:transition>
@@ -16465,7 +17427,7 @@
               <a:rPr lang="pl-PL"/>
               <a:t>Kliknij, aby edytować styl</a:t>
             </a:r>
-            <a:endParaRPr lang="en-US" dirty="0"/>
+            <a:endParaRPr lang="en-US"/>
           </a:p>
         </p:txBody>
       </p:sp>
@@ -16517,7 +17479,7 @@
               <a:rPr lang="pl-PL"/>
               <a:t>Piąty poziom</a:t>
             </a:r>
-            <a:endParaRPr lang="en-US" dirty="0"/>
+            <a:endParaRPr lang="en-US"/>
           </a:p>
         </p:txBody>
       </p:sp>
@@ -16540,7 +17502,6 @@
               <a:rPr lang="pl-PL"/>
               <a:t>27 luty 2019</a:t>
             </a:r>
-            <a:endParaRPr lang="pl-PL" dirty="0"/>
           </a:p>
         </p:txBody>
       </p:sp>
@@ -16601,13 +17562,13 @@
   <p:clrMapOvr>
     <a:masterClrMapping/>
   </p:clrMapOvr>
-  <mc:AlternateContent xmlns:mc="http://schemas.openxmlformats.org/markup-compatibility/2006" xmlns:p14="http://schemas.microsoft.com/office/powerpoint/2010/main">
-    <mc:Choice Requires="p14">
+  <mc:AlternateContent xmlns:mc="http://schemas.openxmlformats.org/markup-compatibility/2006">
+    <mc:Choice xmlns:p14="http://schemas.microsoft.com/office/powerpoint/2010/main" Requires="p14">
       <p:transition spd="med" p14:dur="700">
         <p:fade/>
       </p:transition>
     </mc:Choice>
-    <mc:Fallback xmlns="">
+    <mc:Fallback>
       <p:transition spd="med">
         <p:fade/>
       </p:transition>
@@ -16733,7 +17694,7 @@
               <a:rPr lang="pl-PL"/>
               <a:t>Kliknij, aby edytować styl</a:t>
             </a:r>
-            <a:endParaRPr lang="en-US" dirty="0"/>
+            <a:endParaRPr lang="en-US"/>
           </a:p>
         </p:txBody>
       </p:sp>
@@ -16790,7 +17751,7 @@
               <a:rPr lang="pl-PL"/>
               <a:t>Piąty poziom</a:t>
             </a:r>
-            <a:endParaRPr lang="en-US" dirty="0"/>
+            <a:endParaRPr lang="en-US"/>
           </a:p>
         </p:txBody>
       </p:sp>
@@ -16813,7 +17774,6 @@
               <a:rPr lang="pl-PL"/>
               <a:t>27 luty 2019</a:t>
             </a:r>
-            <a:endParaRPr lang="pl-PL" dirty="0"/>
           </a:p>
         </p:txBody>
       </p:sp>
@@ -16874,13 +17834,13 @@
   <p:clrMapOvr>
     <a:masterClrMapping/>
   </p:clrMapOvr>
-  <mc:AlternateContent xmlns:mc="http://schemas.openxmlformats.org/markup-compatibility/2006" xmlns:p14="http://schemas.microsoft.com/office/powerpoint/2010/main">
-    <mc:Choice Requires="p14">
+  <mc:AlternateContent xmlns:mc="http://schemas.openxmlformats.org/markup-compatibility/2006">
+    <mc:Choice xmlns:p14="http://schemas.microsoft.com/office/powerpoint/2010/main" Requires="p14">
       <p:transition spd="med" p14:dur="700">
         <p:fade/>
       </p:transition>
     </mc:Choice>
-    <mc:Fallback xmlns="">
+    <mc:Fallback>
       <p:transition spd="med">
         <p:fade/>
       </p:transition>
@@ -16934,10 +17894,10 @@
           </a:lstStyle>
           <a:p>
             <a:r>
-              <a:rPr lang="pl-PL" dirty="0"/>
+              <a:rPr lang="pl-PL"/>
               <a:t>Kliknij, aby edytować styl</a:t>
             </a:r>
-            <a:endParaRPr lang="en-US" dirty="0"/>
+            <a:endParaRPr lang="en-US"/>
           </a:p>
         </p:txBody>
       </p:sp>
@@ -17000,38 +17960,38 @@
           <a:p>
             <a:pPr lvl="0"/>
             <a:r>
-              <a:rPr lang="pl-PL" dirty="0"/>
+              <a:rPr lang="pl-PL"/>
               <a:t>Edytuj style wzorca tekstu</a:t>
             </a:r>
           </a:p>
           <a:p>
             <a:pPr lvl="1"/>
             <a:r>
-              <a:rPr lang="pl-PL" dirty="0"/>
+              <a:rPr lang="pl-PL"/>
               <a:t>Drugi poziom</a:t>
             </a:r>
           </a:p>
           <a:p>
             <a:pPr lvl="2"/>
             <a:r>
-              <a:rPr lang="pl-PL" dirty="0"/>
+              <a:rPr lang="pl-PL"/>
               <a:t>Trzeci poziom</a:t>
             </a:r>
           </a:p>
           <a:p>
             <a:pPr lvl="3"/>
             <a:r>
-              <a:rPr lang="pl-PL" dirty="0"/>
+              <a:rPr lang="pl-PL"/>
               <a:t>Czwarty poziom</a:t>
             </a:r>
           </a:p>
           <a:p>
             <a:pPr lvl="4"/>
             <a:r>
-              <a:rPr lang="pl-PL" dirty="0"/>
+              <a:rPr lang="pl-PL"/>
               <a:t>Piąty poziom</a:t>
             </a:r>
-            <a:endParaRPr lang="en-US" dirty="0"/>
+            <a:endParaRPr lang="en-US"/>
           </a:p>
         </p:txBody>
       </p:sp>
@@ -17054,7 +18014,6 @@
               <a:rPr lang="pl-PL"/>
               <a:t>27 luty 2019</a:t>
             </a:r>
-            <a:endParaRPr lang="pl-PL" dirty="0"/>
           </a:p>
         </p:txBody>
       </p:sp>
@@ -17078,7 +18037,7 @@
           </a:lstStyle>
           <a:p>
             <a:r>
-              <a:rPr lang="pl-PL" dirty="0"/>
+              <a:rPr lang="pl-PL"/>
               <a:t>Akademia ETI edycja 2019 – Programowalne układy cyfrowe FPGA</a:t>
             </a:r>
           </a:p>
@@ -17104,7 +18063,7 @@
               <a:rPr lang="pl-PL" noProof="0" smtClean="0"/>
               <a:t>‹#›</a:t>
             </a:fld>
-            <a:endParaRPr lang="pl-PL" noProof="0" dirty="0"/>
+            <a:endParaRPr lang="pl-PL" noProof="0"/>
           </a:p>
         </p:txBody>
       </p:sp>
@@ -17179,35 +18138,35 @@
           <a:p>
             <a:pPr lvl="0"/>
             <a:r>
-              <a:rPr lang="pl-PL" dirty="0"/>
+              <a:rPr lang="pl-PL"/>
               <a:t>Edytuj style wzorca tekstu</a:t>
             </a:r>
           </a:p>
           <a:p>
             <a:pPr lvl="1"/>
             <a:r>
-              <a:rPr lang="pl-PL" dirty="0"/>
+              <a:rPr lang="pl-PL"/>
               <a:t>Drugi poziom</a:t>
             </a:r>
           </a:p>
           <a:p>
             <a:pPr lvl="2"/>
             <a:r>
-              <a:rPr lang="pl-PL" dirty="0"/>
+              <a:rPr lang="pl-PL"/>
               <a:t>Trzeci poziom</a:t>
             </a:r>
           </a:p>
           <a:p>
             <a:pPr lvl="3"/>
             <a:r>
-              <a:rPr lang="pl-PL" dirty="0"/>
+              <a:rPr lang="pl-PL"/>
               <a:t>Czwarty poziom</a:t>
             </a:r>
           </a:p>
           <a:p>
             <a:pPr lvl="4"/>
             <a:r>
-              <a:rPr lang="pl-PL" dirty="0"/>
+              <a:rPr lang="pl-PL"/>
               <a:t>Piąty poziom</a:t>
             </a:r>
           </a:p>
@@ -17261,13 +18220,13 @@
   <p:clrMapOvr>
     <a:masterClrMapping/>
   </p:clrMapOvr>
-  <mc:AlternateContent xmlns:mc="http://schemas.openxmlformats.org/markup-compatibility/2006" xmlns:p14="http://schemas.microsoft.com/office/powerpoint/2010/main">
-    <mc:Choice Requires="p14">
+  <mc:AlternateContent xmlns:mc="http://schemas.openxmlformats.org/markup-compatibility/2006">
+    <mc:Choice xmlns:p14="http://schemas.microsoft.com/office/powerpoint/2010/main" Requires="p14">
       <p:transition spd="med" p14:dur="700">
         <p:fade/>
       </p:transition>
     </mc:Choice>
-    <mc:Fallback xmlns="">
+    <mc:Fallback>
       <p:transition spd="med">
         <p:fade/>
       </p:transition>
@@ -17435,10 +18394,10 @@
           </a:lstStyle>
           <a:p>
             <a:r>
-              <a:rPr lang="pl-PL" dirty="0"/>
+              <a:rPr lang="pl-PL"/>
               <a:t>Kliknij, aby edytować styl</a:t>
             </a:r>
-            <a:endParaRPr lang="en-US" dirty="0"/>
+            <a:endParaRPr lang="en-US"/>
           </a:p>
         </p:txBody>
       </p:sp>
@@ -17556,7 +18515,7 @@
           <a:p>
             <a:pPr lvl="0"/>
             <a:r>
-              <a:rPr lang="pl-PL" dirty="0"/>
+              <a:rPr lang="pl-PL"/>
               <a:t>Edytuj style wzorca tekstu</a:t>
             </a:r>
           </a:p>
@@ -17603,7 +18562,6 @@
               <a:rPr lang="pl-PL"/>
               <a:t>Akademia ETI edycja 2019 – Programowalne układy cyfrowe FPGA</a:t>
             </a:r>
-            <a:endParaRPr lang="pl-PL" dirty="0"/>
           </a:p>
         </p:txBody>
       </p:sp>
@@ -17640,13 +18598,13 @@
   <p:clrMapOvr>
     <a:masterClrMapping/>
   </p:clrMapOvr>
-  <mc:AlternateContent xmlns:mc="http://schemas.openxmlformats.org/markup-compatibility/2006" xmlns:p14="http://schemas.microsoft.com/office/powerpoint/2010/main">
-    <mc:Choice Requires="p14">
+  <mc:AlternateContent xmlns:mc="http://schemas.openxmlformats.org/markup-compatibility/2006">
+    <mc:Choice xmlns:p14="http://schemas.microsoft.com/office/powerpoint/2010/main" Requires="p14">
       <p:transition spd="med" p14:dur="700">
         <p:fade/>
       </p:transition>
     </mc:Choice>
-    <mc:Fallback xmlns="">
+    <mc:Fallback>
       <p:transition spd="med">
         <p:fade/>
       </p:transition>
@@ -17696,7 +18654,7 @@
               <a:rPr lang="pl-PL"/>
               <a:t>Kliknij, aby edytować styl</a:t>
             </a:r>
-            <a:endParaRPr lang="en-US" dirty="0"/>
+            <a:endParaRPr lang="en-US"/>
           </a:p>
         </p:txBody>
       </p:sp>
@@ -17753,7 +18711,7 @@
               <a:rPr lang="pl-PL"/>
               <a:t>Piąty poziom</a:t>
             </a:r>
-            <a:endParaRPr lang="en-US" dirty="0"/>
+            <a:endParaRPr lang="en-US"/>
           </a:p>
         </p:txBody>
       </p:sp>
@@ -17810,7 +18768,7 @@
               <a:rPr lang="pl-PL"/>
               <a:t>Piąty poziom</a:t>
             </a:r>
-            <a:endParaRPr lang="en-US" dirty="0"/>
+            <a:endParaRPr lang="en-US"/>
           </a:p>
         </p:txBody>
       </p:sp>
@@ -17833,7 +18791,6 @@
               <a:rPr lang="pl-PL"/>
               <a:t>27 luty 2019</a:t>
             </a:r>
-            <a:endParaRPr lang="pl-PL" dirty="0"/>
           </a:p>
         </p:txBody>
       </p:sp>
@@ -17894,13 +18851,13 @@
   <p:clrMapOvr>
     <a:masterClrMapping/>
   </p:clrMapOvr>
-  <mc:AlternateContent xmlns:mc="http://schemas.openxmlformats.org/markup-compatibility/2006" xmlns:p14="http://schemas.microsoft.com/office/powerpoint/2010/main">
-    <mc:Choice Requires="p14">
+  <mc:AlternateContent xmlns:mc="http://schemas.openxmlformats.org/markup-compatibility/2006">
+    <mc:Choice xmlns:p14="http://schemas.microsoft.com/office/powerpoint/2010/main" Requires="p14">
       <p:transition spd="med" p14:dur="700">
         <p:fade/>
       </p:transition>
     </mc:Choice>
-    <mc:Fallback xmlns="">
+    <mc:Fallback>
       <p:transition spd="med">
         <p:fade/>
       </p:transition>
@@ -17950,7 +18907,7 @@
               <a:rPr lang="pl-PL"/>
               <a:t>Kliknij, aby edytować styl</a:t>
             </a:r>
-            <a:endParaRPr lang="en-US" dirty="0"/>
+            <a:endParaRPr lang="en-US"/>
           </a:p>
         </p:txBody>
       </p:sp>
@@ -18078,7 +19035,7 @@
               <a:rPr lang="pl-PL"/>
               <a:t>Piąty poziom</a:t>
             </a:r>
-            <a:endParaRPr lang="en-US" dirty="0"/>
+            <a:endParaRPr lang="en-US"/>
           </a:p>
         </p:txBody>
       </p:sp>
@@ -18206,7 +19163,7 @@
               <a:rPr lang="pl-PL"/>
               <a:t>Piąty poziom</a:t>
             </a:r>
-            <a:endParaRPr lang="en-US" dirty="0"/>
+            <a:endParaRPr lang="en-US"/>
           </a:p>
         </p:txBody>
       </p:sp>
@@ -18229,7 +19186,6 @@
               <a:rPr lang="pl-PL"/>
               <a:t>27 luty 2019</a:t>
             </a:r>
-            <a:endParaRPr lang="pl-PL" dirty="0"/>
           </a:p>
         </p:txBody>
       </p:sp>
@@ -18290,13 +19246,13 @@
   <p:clrMapOvr>
     <a:masterClrMapping/>
   </p:clrMapOvr>
-  <mc:AlternateContent xmlns:mc="http://schemas.openxmlformats.org/markup-compatibility/2006" xmlns:p14="http://schemas.microsoft.com/office/powerpoint/2010/main">
-    <mc:Choice Requires="p14">
+  <mc:AlternateContent xmlns:mc="http://schemas.openxmlformats.org/markup-compatibility/2006">
+    <mc:Choice xmlns:p14="http://schemas.microsoft.com/office/powerpoint/2010/main" Requires="p14">
       <p:transition spd="med" p14:dur="700">
         <p:fade/>
       </p:transition>
     </mc:Choice>
-    <mc:Fallback xmlns="">
+    <mc:Fallback>
       <p:transition spd="med">
         <p:fade/>
       </p:transition>
@@ -18341,7 +19297,7 @@
               <a:rPr lang="pl-PL"/>
               <a:t>Kliknij, aby edytować styl</a:t>
             </a:r>
-            <a:endParaRPr lang="en-US" dirty="0"/>
+            <a:endParaRPr lang="en-US"/>
           </a:p>
         </p:txBody>
       </p:sp>
@@ -18364,7 +19320,6 @@
               <a:rPr lang="pl-PL"/>
               <a:t>27 luty 2019</a:t>
             </a:r>
-            <a:endParaRPr lang="pl-PL" dirty="0"/>
           </a:p>
         </p:txBody>
       </p:sp>
@@ -18425,13 +19380,13 @@
   <p:clrMapOvr>
     <a:masterClrMapping/>
   </p:clrMapOvr>
-  <mc:AlternateContent xmlns:mc="http://schemas.openxmlformats.org/markup-compatibility/2006" xmlns:p14="http://schemas.microsoft.com/office/powerpoint/2010/main">
-    <mc:Choice Requires="p14">
+  <mc:AlternateContent xmlns:mc="http://schemas.openxmlformats.org/markup-compatibility/2006">
+    <mc:Choice xmlns:p14="http://schemas.microsoft.com/office/powerpoint/2010/main" Requires="p14">
       <p:transition spd="med" p14:dur="700">
         <p:fade/>
       </p:transition>
     </mc:Choice>
-    <mc:Fallback xmlns="">
+    <mc:Fallback>
       <p:transition spd="med">
         <p:fade/>
       </p:transition>
@@ -18552,7 +19507,6 @@
               <a:rPr lang="pl-PL"/>
               <a:t>27 luty 2019</a:t>
             </a:r>
-            <a:endParaRPr lang="pl-PL" dirty="0"/>
           </a:p>
         </p:txBody>
       </p:sp>
@@ -18605,7 +19559,7 @@
             <a:pPr rtl="0"/>
             <a:fld id="{E31375A4-56A4-47D6-9801-1991572033F7}" type="slidenum">
               <a:rPr lang="pl-PL" noProof="0" smtClean="0"/>
-              <a:pPr/>
+              <a:pPr rtl="0"/>
               <a:t>‹#›</a:t>
             </a:fld>
             <a:endParaRPr lang="pl-PL" noProof="0"/>
@@ -18622,13 +19576,13 @@
   <p:clrMapOvr>
     <a:masterClrMapping/>
   </p:clrMapOvr>
-  <mc:AlternateContent xmlns:mc="http://schemas.openxmlformats.org/markup-compatibility/2006" xmlns:p14="http://schemas.microsoft.com/office/powerpoint/2010/main">
-    <mc:Choice Requires="p14">
+  <mc:AlternateContent xmlns:mc="http://schemas.openxmlformats.org/markup-compatibility/2006">
+    <mc:Choice xmlns:p14="http://schemas.microsoft.com/office/powerpoint/2010/main" Requires="p14">
       <p:transition spd="med" p14:dur="700">
         <p:fade/>
       </p:transition>
     </mc:Choice>
-    <mc:Fallback xmlns="">
+    <mc:Fallback>
       <p:transition spd="med">
         <p:fade/>
       </p:transition>
@@ -18764,7 +19718,7 @@
               <a:rPr lang="pl-PL"/>
               <a:t>Kliknij, aby edytować styl</a:t>
             </a:r>
-            <a:endParaRPr lang="en-US" dirty="0"/>
+            <a:endParaRPr lang="en-US"/>
           </a:p>
         </p:txBody>
       </p:sp>
@@ -18821,7 +19775,7 @@
               <a:rPr lang="pl-PL"/>
               <a:t>Piąty poziom</a:t>
             </a:r>
-            <a:endParaRPr lang="en-US" dirty="0"/>
+            <a:endParaRPr lang="en-US"/>
           </a:p>
         </p:txBody>
       </p:sp>
@@ -18924,7 +19878,6 @@
               <a:rPr lang="pl-PL"/>
               <a:t>27 luty 2019</a:t>
             </a:r>
-            <a:endParaRPr lang="pl-PL" dirty="0"/>
           </a:p>
         </p:txBody>
       </p:sp>
@@ -18990,7 +19943,7 @@
             <a:pPr rtl="0"/>
             <a:fld id="{E31375A4-56A4-47D6-9801-1991572033F7}" type="slidenum">
               <a:rPr lang="pl-PL" noProof="0" smtClean="0"/>
-              <a:pPr/>
+              <a:pPr rtl="0"/>
               <a:t>‹#›</a:t>
             </a:fld>
             <a:endParaRPr lang="pl-PL" noProof="0"/>
@@ -19115,13 +20068,13 @@
   <p:clrMapOvr>
     <a:masterClrMapping/>
   </p:clrMapOvr>
-  <mc:AlternateContent xmlns:mc="http://schemas.openxmlformats.org/markup-compatibility/2006" xmlns:p14="http://schemas.microsoft.com/office/powerpoint/2010/main">
-    <mc:Choice Requires="p14">
+  <mc:AlternateContent xmlns:mc="http://schemas.openxmlformats.org/markup-compatibility/2006">
+    <mc:Choice xmlns:p14="http://schemas.microsoft.com/office/powerpoint/2010/main" Requires="p14">
       <p:transition spd="med" p14:dur="700">
         <p:fade/>
       </p:transition>
     </mc:Choice>
-    <mc:Fallback xmlns="">
+    <mc:Fallback>
       <p:transition spd="med">
         <p:fade/>
       </p:transition>
@@ -19257,7 +20210,7 @@
               <a:rPr lang="pl-PL"/>
               <a:t>Kliknij, aby edytować styl</a:t>
             </a:r>
-            <a:endParaRPr lang="en-US" dirty="0"/>
+            <a:endParaRPr lang="en-US"/>
           </a:p>
         </p:txBody>
       </p:sp>
@@ -19332,7 +20285,7 @@
               <a:rPr lang="pl-PL"/>
               <a:t>Kliknij ikonę, aby dodać obraz</a:t>
             </a:r>
-            <a:endParaRPr lang="en-US" dirty="0"/>
+            <a:endParaRPr lang="en-US"/>
           </a:p>
         </p:txBody>
       </p:sp>
@@ -19490,13 +20443,13 @@
   <p:clrMapOvr>
     <a:masterClrMapping/>
   </p:clrMapOvr>
-  <mc:AlternateContent xmlns:mc="http://schemas.openxmlformats.org/markup-compatibility/2006" xmlns:p14="http://schemas.microsoft.com/office/powerpoint/2010/main">
-    <mc:Choice Requires="p14">
+  <mc:AlternateContent xmlns:mc="http://schemas.openxmlformats.org/markup-compatibility/2006">
+    <mc:Choice xmlns:p14="http://schemas.microsoft.com/office/powerpoint/2010/main" Requires="p14">
       <p:transition spd="med" p14:dur="700">
         <p:fade/>
       </p:transition>
     </mc:Choice>
-    <mc:Fallback xmlns="">
+    <mc:Fallback>
       <p:transition spd="med">
         <p:fade/>
       </p:transition>
@@ -19629,10 +20582,10 @@
           <a:lstStyle/>
           <a:p>
             <a:r>
-              <a:rPr lang="pl-PL" dirty="0"/>
+              <a:rPr lang="pl-PL"/>
               <a:t>Kliknij, aby edytować styl</a:t>
             </a:r>
-            <a:endParaRPr lang="en-US" dirty="0"/>
+            <a:endParaRPr lang="en-US"/>
           </a:p>
         </p:txBody>
       </p:sp>
@@ -19663,38 +20616,38 @@
           <a:p>
             <a:pPr lvl="0"/>
             <a:r>
-              <a:rPr lang="pl-PL" dirty="0"/>
+              <a:rPr lang="pl-PL"/>
               <a:t>Edytuj style wzorca tekstu</a:t>
             </a:r>
           </a:p>
           <a:p>
             <a:pPr lvl="1"/>
             <a:r>
-              <a:rPr lang="pl-PL" dirty="0"/>
+              <a:rPr lang="pl-PL"/>
               <a:t>Drugi poziom</a:t>
             </a:r>
           </a:p>
           <a:p>
             <a:pPr lvl="2"/>
             <a:r>
-              <a:rPr lang="pl-PL" dirty="0"/>
+              <a:rPr lang="pl-PL"/>
               <a:t>Trzeci poziom</a:t>
             </a:r>
           </a:p>
           <a:p>
             <a:pPr lvl="3"/>
             <a:r>
-              <a:rPr lang="pl-PL" dirty="0"/>
+              <a:rPr lang="pl-PL"/>
               <a:t>Czwarty poziom</a:t>
             </a:r>
           </a:p>
           <a:p>
             <a:pPr lvl="4"/>
             <a:r>
-              <a:rPr lang="pl-PL" dirty="0"/>
+              <a:rPr lang="pl-PL"/>
               <a:t>Piąty poziom</a:t>
             </a:r>
-            <a:endParaRPr lang="en-US" dirty="0"/>
+            <a:endParaRPr lang="en-US"/>
           </a:p>
         </p:txBody>
       </p:sp>
@@ -19733,7 +20686,6 @@
               <a:rPr lang="pl-PL"/>
               <a:t>27 luty 2019</a:t>
             </a:r>
-            <a:endParaRPr lang="pl-PL" dirty="0"/>
           </a:p>
         </p:txBody>
       </p:sp>
@@ -19810,7 +20762,7 @@
             <a:pPr rtl="0"/>
             <a:fld id="{E31375A4-56A4-47D6-9801-1991572033F7}" type="slidenum">
               <a:rPr lang="pl-PL" noProof="0" smtClean="0"/>
-              <a:pPr/>
+              <a:pPr rtl="0"/>
               <a:t>‹#›</a:t>
             </a:fld>
             <a:endParaRPr lang="pl-PL" noProof="0"/>
@@ -19838,13 +20790,13 @@
     <p:sldLayoutId id="2147483704" r:id="rId10"/>
     <p:sldLayoutId id="2147483705" r:id="rId11"/>
   </p:sldLayoutIdLst>
-  <mc:AlternateContent xmlns:mc="http://schemas.openxmlformats.org/markup-compatibility/2006" xmlns:p14="http://schemas.microsoft.com/office/powerpoint/2010/main">
-    <mc:Choice Requires="p14">
+  <mc:AlternateContent xmlns:mc="http://schemas.openxmlformats.org/markup-compatibility/2006">
+    <mc:Choice xmlns:p14="http://schemas.microsoft.com/office/powerpoint/2010/main" Requires="p14">
       <p:transition spd="med" p14:dur="700">
         <p:fade/>
       </p:transition>
     </mc:Choice>
-    <mc:Fallback xmlns="">
+    <mc:Fallback>
       <p:transition spd="med">
         <p:fade/>
       </p:transition>
@@ -20453,7 +21405,7 @@
           <a:lstStyle/>
           <a:p>
             <a:pPr algn="ctr"/>
-            <a:endParaRPr lang="pl-PL" dirty="0"/>
+            <a:endParaRPr lang="pl-PL"/>
           </a:p>
         </p:txBody>
       </p:sp>
@@ -20479,7 +21431,7 @@
           <a:lstStyle/>
           <a:p>
             <a:r>
-              <a:rPr lang="pl-PL" dirty="0"/>
+              <a:rPr lang="pl-PL"/>
               <a:t>Akademia ETI edycja 2019</a:t>
             </a:r>
           </a:p>
@@ -20507,7 +21459,7 @@
           <a:lstStyle/>
           <a:p>
             <a:r>
-              <a:rPr lang="pl-PL" dirty="0"/>
+              <a:rPr lang="pl-PL"/>
               <a:t>Programowalne układy cyfrowe FPGA</a:t>
             </a:r>
           </a:p>
@@ -20542,7 +21494,7 @@
           <a:lstStyle/>
           <a:p>
             <a:r>
-              <a:rPr lang="pl-PL" sz="1600" dirty="0"/>
+              <a:rPr lang="pl-PL" sz="1600"/>
               <a:t>Autorzy:</a:t>
             </a:r>
           </a:p>
@@ -20552,7 +21504,7 @@
               <a:buChar char="§"/>
             </a:pPr>
             <a:r>
-              <a:rPr lang="pl-PL" sz="1600" dirty="0"/>
+              <a:rPr lang="pl-PL" sz="1600"/>
               <a:t>Maciej Brzeski</a:t>
             </a:r>
           </a:p>
@@ -20562,7 +21514,7 @@
               <a:buChar char="§"/>
             </a:pPr>
             <a:r>
-              <a:rPr lang="pl-PL" sz="1600" dirty="0"/>
+              <a:rPr lang="pl-PL" sz="1600"/>
               <a:t>Mikołaj Barcikowski</a:t>
             </a:r>
           </a:p>
@@ -20572,7 +21524,7 @@
               <a:buChar char="§"/>
             </a:pPr>
             <a:r>
-              <a:rPr lang="pl-PL" sz="1600" dirty="0"/>
+              <a:rPr lang="pl-PL" sz="1600"/>
               <a:t>Jakub Gierowski</a:t>
             </a:r>
           </a:p>
@@ -20582,7 +21534,7 @@
               <a:buChar char="§"/>
             </a:pPr>
             <a:r>
-              <a:rPr lang="pl-PL" sz="1600" dirty="0"/>
+              <a:rPr lang="pl-PL" sz="1600"/>
               <a:t>Jan Olencki</a:t>
             </a:r>
           </a:p>
@@ -20591,10 +21543,10 @@
               <a:buFont typeface="Wingdings" panose="05000000000000000000" pitchFamily="2" charset="2"/>
               <a:buChar char="§"/>
             </a:pPr>
-            <a:endParaRPr lang="pl-PL" sz="1600" dirty="0"/>
+            <a:endParaRPr lang="pl-PL" sz="1600"/>
           </a:p>
           <a:p>
-            <a:endParaRPr lang="pl-PL" sz="1600" dirty="0"/>
+            <a:endParaRPr lang="pl-PL" sz="1600"/>
           </a:p>
         </p:txBody>
       </p:sp>
@@ -20935,7 +21887,7 @@
           </a:lstStyle>
           <a:p>
             <a:r>
-              <a:rPr lang="pl-PL" sz="1600" dirty="0"/>
+              <a:rPr lang="pl-PL" sz="1600"/>
               <a:t>Opiekun koła:</a:t>
             </a:r>
           </a:p>
@@ -20945,7 +21897,7 @@
               <a:buChar char="§"/>
             </a:pPr>
             <a:r>
-              <a:rPr lang="pl-PL" sz="1600" dirty="0"/>
+              <a:rPr lang="pl-PL" sz="1600"/>
               <a:t>dr hab. inż. Bogdan Pankiewicz, prof. nadzwyczajny PG</a:t>
             </a:r>
           </a:p>
@@ -21232,7 +22184,7 @@
               <a:buFont typeface="Wingdings" panose="05000000000000000000" pitchFamily="2" charset="2"/>
               <a:buChar char="§"/>
             </a:pPr>
-            <a:endParaRPr lang="pl-PL" sz="1600" dirty="0"/>
+            <a:endParaRPr lang="pl-PL" sz="1600"/>
           </a:p>
         </p:txBody>
       </p:sp>
@@ -21330,7 +22282,7 @@
           <a:lstStyle/>
           <a:p>
             <a:r>
-              <a:rPr lang="pl-PL" dirty="0"/>
+              <a:rPr lang="pl-PL"/>
               <a:t>Elementarne informacje o układach FPGA</a:t>
             </a:r>
           </a:p>
@@ -21362,7 +22314,7 @@
               <a:buChar char="§"/>
             </a:pPr>
             <a:r>
-              <a:rPr lang="pl-PL" dirty="0"/>
+              <a:rPr lang="pl-PL"/>
               <a:t>programowalnymi układami logicznymi pozwalającymi na tworzenie dowolnego układu cyfrowego (synchronicznego)</a:t>
             </a:r>
           </a:p>
@@ -21372,7 +22324,7 @@
               <a:buChar char="§"/>
             </a:pPr>
             <a:r>
-              <a:rPr lang="pl-PL" dirty="0"/>
+              <a:rPr lang="pl-PL"/>
               <a:t>złożonym z programowalnych bloków logicznych w ilości do nawet kilku milionów</a:t>
             </a:r>
           </a:p>
@@ -21382,7 +22334,7 @@
               <a:buChar char="§"/>
             </a:pPr>
             <a:r>
-              <a:rPr lang="pl-PL" dirty="0"/>
+              <a:rPr lang="pl-PL"/>
               <a:t>wykorzystywanym w prototypowaniu układów scalonych oraz wszędzie tam gdzie potrzeba dużej wydajności lub energooszczędności przy przetwarzaniu równoległym</a:t>
             </a:r>
           </a:p>
@@ -21392,20 +22344,20 @@
               <a:buChar char="§"/>
             </a:pPr>
             <a:r>
-              <a:rPr lang="pl-PL" dirty="0"/>
+              <a:rPr lang="pl-PL"/>
               <a:t>przy projektowaniu ich wykorzystywane są języki opisu sprzętu (HDL) takie jak VHDL lub </a:t>
             </a:r>
             <a:r>
-              <a:rPr lang="pl-PL" dirty="0" err="1"/>
+              <a:rPr lang="pl-PL" err="1"/>
               <a:t>Verilog</a:t>
             </a:r>
-            <a:endParaRPr lang="pl-PL" dirty="0"/>
+            <a:endParaRPr lang="pl-PL"/>
           </a:p>
           <a:p>
-            <a:endParaRPr lang="pl-PL" dirty="0"/>
+            <a:endParaRPr lang="pl-PL"/>
           </a:p>
           <a:p>
-            <a:endParaRPr lang="pl-PL" dirty="0"/>
+            <a:endParaRPr lang="pl-PL"/>
           </a:p>
         </p:txBody>
       </p:sp>
@@ -21434,7 +22386,6 @@
               <a:rPr lang="pl-PL"/>
               <a:t>27 luty 2019</a:t>
             </a:r>
-            <a:endParaRPr lang="pl-PL" dirty="0"/>
           </a:p>
         </p:txBody>
       </p:sp>
@@ -21518,7 +22469,7 @@
           <a:lstStyle/>
           <a:p>
             <a:r>
-              <a:rPr lang="pl-PL" dirty="0"/>
+              <a:rPr lang="pl-PL"/>
               <a:t>Czym są układy FPGA?</a:t>
             </a:r>
           </a:p>
@@ -21588,7 +22539,7 @@
           <a:lstStyle/>
           <a:p>
             <a:r>
-              <a:rPr lang="pl-PL" dirty="0"/>
+              <a:rPr lang="pl-PL"/>
               <a:t>Elementarne informacje o układach FPGA</a:t>
             </a:r>
           </a:p>
@@ -21615,10 +22566,10 @@
           <a:bodyPr/>
           <a:lstStyle/>
           <a:p>
-            <a:endParaRPr lang="pl-PL" dirty="0"/>
+            <a:endParaRPr lang="pl-PL"/>
           </a:p>
           <a:p>
-            <a:endParaRPr lang="pl-PL" dirty="0"/>
+            <a:endParaRPr lang="pl-PL"/>
           </a:p>
         </p:txBody>
       </p:sp>
@@ -21647,7 +22598,6 @@
               <a:rPr lang="pl-PL"/>
               <a:t>27 luty 2019</a:t>
             </a:r>
-            <a:endParaRPr lang="pl-PL" dirty="0"/>
           </a:p>
         </p:txBody>
       </p:sp>
@@ -21731,14 +22681,14 @@
           <a:lstStyle/>
           <a:p>
             <a:r>
-              <a:rPr lang="pl-PL" dirty="0"/>
+              <a:rPr lang="pl-PL"/>
               <a:t>Porównanie na podstawie kopania </a:t>
             </a:r>
             <a:r>
-              <a:rPr lang="pl-PL" dirty="0" err="1"/>
+              <a:rPr lang="pl-PL" err="1"/>
               <a:t>bitcoinów</a:t>
             </a:r>
-            <a:endParaRPr lang="pl-PL" dirty="0"/>
+            <a:endParaRPr lang="pl-PL"/>
           </a:p>
         </p:txBody>
       </p:sp>
@@ -21757,7 +22707,7 @@
           <p:nvPr/>
         </p:nvPicPr>
         <p:blipFill>
-          <a:blip r:embed="rId2"/>
+          <a:blip r:embed="rId3"/>
           <a:stretch>
             <a:fillRect/>
           </a:stretch>
@@ -21787,7 +22737,7 @@
           <p:nvPr/>
         </p:nvPicPr>
         <p:blipFill rotWithShape="1">
-          <a:blip r:embed="rId3"/>
+          <a:blip r:embed="rId4"/>
           <a:srcRect l="10983" t="13420" r="10468" b="10532"/>
           <a:stretch/>
         </p:blipFill>
@@ -21816,7 +22766,7 @@
           <p:nvPr/>
         </p:nvPicPr>
         <p:blipFill rotWithShape="1">
-          <a:blip r:embed="rId4"/>
+          <a:blip r:embed="rId5"/>
           <a:srcRect l="6198" t="5596" r="5579" b="5071"/>
           <a:stretch/>
         </p:blipFill>
@@ -21845,7 +22795,7 @@
           <p:nvPr/>
         </p:nvPicPr>
         <p:blipFill rotWithShape="1">
-          <a:blip r:embed="rId5"/>
+          <a:blip r:embed="rId6"/>
           <a:srcRect t="3122" b="3223"/>
           <a:stretch/>
         </p:blipFill>
@@ -21895,19 +22845,19 @@
                   </a:lnSpc>
                 </a:pPr>
                 <a:r>
-                  <a:rPr lang="pl-PL" sz="1400" b="1" dirty="0"/>
+                  <a:rPr lang="pl-PL" sz="1400" b="1"/>
                   <a:t>ASIC – </a:t>
                 </a:r>
                 <a:r>
-                  <a:rPr lang="pl-PL" sz="1400" b="1" dirty="0" err="1"/>
+                  <a:rPr lang="pl-PL" sz="1400" b="1" err="1"/>
                   <a:t>Bitmain</a:t>
                 </a:r>
                 <a:r>
-                  <a:rPr lang="pl-PL" sz="1400" b="1" dirty="0"/>
+                  <a:rPr lang="pl-PL" sz="1400" b="1"/>
                   <a:t> BM1385</a:t>
                 </a:r>
                 <a:br>
-                  <a:rPr lang="pl-PL" sz="1400" b="1" dirty="0"/>
+                  <a:rPr lang="pl-PL" sz="1400" b="1"/>
                 </a:br>
                 <a14:m>
                   <m:oMath xmlns:m="http://schemas.openxmlformats.org/officeDocument/2006/math">
@@ -21957,7 +22907,7 @@
                   </m:oMath>
                 </a14:m>
                 <a:r>
-                  <a:rPr lang="pl-PL" sz="1000" dirty="0"/>
+                  <a:rPr lang="pl-PL" sz="1000"/>
                   <a:t> przy </a:t>
                 </a:r>
                 <a14:m>
@@ -21976,7 +22926,7 @@
                     </m:r>
                   </m:oMath>
                 </a14:m>
-                <a:endParaRPr lang="pl-PL" sz="1000" b="0" dirty="0"/>
+                <a:endParaRPr lang="pl-PL" sz="1000" b="0"/>
               </a:p>
               <a:p>
                 <a:pPr>
@@ -22063,7 +23013,7 @@
                     </m:oMath>
                   </m:oMathPara>
                 </a14:m>
-                <a:endParaRPr lang="pl-PL" sz="1100" dirty="0">
+                <a:endParaRPr lang="pl-PL" sz="1100">
                   <a:solidFill>
                     <a:srgbClr val="009900"/>
                   </a:solidFill>
@@ -22096,7 +23046,7 @@
                 <a:avLst/>
               </a:prstGeom>
               <a:blipFill>
-                <a:blip r:embed="rId6"/>
+                <a:blip r:embed="rId7"/>
                 <a:stretch>
                   <a:fillRect l="-4762"/>
                 </a:stretch>
@@ -22107,7 +23057,7 @@
               <a:lstStyle/>
               <a:p>
                 <a:r>
-                  <a:rPr lang="pl-PL">
+                  <a:rPr lang="en-US">
                     <a:noFill/>
                   </a:rPr>
                   <a:t> </a:t>
@@ -22153,15 +23103,15 @@
                   </a:lnSpc>
                 </a:pPr>
                 <a:r>
-                  <a:rPr lang="pl-PL" sz="1400" b="1" dirty="0"/>
+                  <a:rPr lang="pl-PL" sz="1400" b="1"/>
                   <a:t>FPGA – </a:t>
                 </a:r>
                 <a:r>
-                  <a:rPr lang="pl-PL" sz="1400" b="1" dirty="0" err="1"/>
+                  <a:rPr lang="pl-PL" sz="1400" b="1" err="1"/>
                   <a:t>Xilinx</a:t>
                 </a:r>
                 <a:r>
-                  <a:rPr lang="pl-PL" sz="1400" b="1" dirty="0"/>
+                  <a:rPr lang="pl-PL" sz="1400" b="1"/>
                   <a:t> Spartan-6 LX150</a:t>
                 </a:r>
               </a:p>
@@ -22219,7 +23169,7 @@
                   </m:oMath>
                 </a14:m>
                 <a:r>
-                  <a:rPr lang="pl-PL" sz="1000" dirty="0"/>
+                  <a:rPr lang="pl-PL" sz="1000"/>
                   <a:t> przy </a:t>
                 </a:r>
                 <a14:m>
@@ -22244,7 +23194,7 @@
                     </m:r>
                   </m:oMath>
                 </a14:m>
-                <a:endParaRPr lang="pl-PL" sz="1000" b="0" dirty="0"/>
+                <a:endParaRPr lang="pl-PL" sz="1000" b="0"/>
               </a:p>
               <a:p>
                 <a:pPr>
@@ -22331,7 +23281,7 @@
                     </m:oMath>
                   </m:oMathPara>
                 </a14:m>
-                <a:endParaRPr lang="pl-PL" sz="1200" dirty="0">
+                <a:endParaRPr lang="pl-PL" sz="1200">
                   <a:solidFill>
                     <a:srgbClr val="CC6600"/>
                   </a:solidFill>
@@ -22364,7 +23314,7 @@
                 <a:avLst/>
               </a:prstGeom>
               <a:blipFill>
-                <a:blip r:embed="rId7"/>
+                <a:blip r:embed="rId8"/>
                 <a:stretch>
                   <a:fillRect l="-4762" r="-794"/>
                 </a:stretch>
@@ -22375,7 +23325,7 @@
               <a:lstStyle/>
               <a:p>
                 <a:r>
-                  <a:rPr lang="pl-PL">
+                  <a:rPr lang="en-US">
                     <a:noFill/>
                   </a:rPr>
                   <a:t> </a:t>
@@ -22421,23 +23371,23 @@
                   </a:lnSpc>
                 </a:pPr>
                 <a:r>
-                  <a:rPr lang="pl-PL" sz="1400" b="1" dirty="0"/>
+                  <a:rPr lang="pl-PL" sz="1400" b="1"/>
                   <a:t>GPU – </a:t>
                 </a:r>
                 <a:r>
-                  <a:rPr lang="pl-PL" sz="1400" b="1" dirty="0" err="1"/>
+                  <a:rPr lang="pl-PL" sz="1400" b="1" err="1"/>
                   <a:t>Nvidia</a:t>
                 </a:r>
                 <a:r>
-                  <a:rPr lang="pl-PL" sz="1400" b="1" dirty="0"/>
+                  <a:rPr lang="pl-PL" sz="1400" b="1"/>
                   <a:t> </a:t>
                 </a:r>
                 <a:r>
-                  <a:rPr lang="pl-PL" sz="1400" b="1" dirty="0" err="1"/>
+                  <a:rPr lang="pl-PL" sz="1400" b="1" err="1"/>
                   <a:t>GeForce</a:t>
                 </a:r>
                 <a:r>
-                  <a:rPr lang="pl-PL" sz="1400" b="1" dirty="0"/>
+                  <a:rPr lang="pl-PL" sz="1400" b="1"/>
                   <a:t> GTX460</a:t>
                 </a:r>
               </a:p>
@@ -22495,7 +23445,7 @@
                   </m:oMath>
                 </a14:m>
                 <a:r>
-                  <a:rPr lang="pl-PL" sz="1000" dirty="0"/>
+                  <a:rPr lang="pl-PL" sz="1000"/>
                   <a:t> przy </a:t>
                 </a:r>
                 <a14:m>
@@ -22520,7 +23470,7 @@
                     </m:r>
                   </m:oMath>
                 </a14:m>
-                <a:endParaRPr lang="pl-PL" sz="1000" b="0" dirty="0"/>
+                <a:endParaRPr lang="pl-PL" sz="1000" b="0"/>
               </a:p>
               <a:p>
                 <a:pPr>
@@ -22607,7 +23557,7 @@
                     </m:oMath>
                   </m:oMathPara>
                 </a14:m>
-                <a:endParaRPr lang="pl-PL" sz="1200" dirty="0">
+                <a:endParaRPr lang="pl-PL" sz="1200">
                   <a:solidFill>
                     <a:srgbClr val="CC0000"/>
                   </a:solidFill>
@@ -22640,7 +23590,7 @@
                 <a:avLst/>
               </a:prstGeom>
               <a:blipFill>
-                <a:blip r:embed="rId8"/>
+                <a:blip r:embed="rId9"/>
                 <a:stretch>
                   <a:fillRect l="-4485" r="-528"/>
                 </a:stretch>
@@ -22651,7 +23601,7 @@
               <a:lstStyle/>
               <a:p>
                 <a:r>
-                  <a:rPr lang="pl-PL">
+                  <a:rPr lang="en-US">
                     <a:noFill/>
                   </a:rPr>
                   <a:t> </a:t>
@@ -22697,15 +23647,15 @@
                   </a:lnSpc>
                 </a:pPr>
                 <a:r>
-                  <a:rPr lang="pl-PL" sz="1400" b="1" dirty="0"/>
+                  <a:rPr lang="pl-PL" sz="1400" b="1"/>
                   <a:t>CPU – Intel </a:t>
                 </a:r>
                 <a:r>
-                  <a:rPr lang="pl-PL" sz="1400" b="1" dirty="0" err="1"/>
+                  <a:rPr lang="pl-PL" sz="1400" b="1" err="1"/>
                   <a:t>Core</a:t>
                 </a:r>
                 <a:r>
-                  <a:rPr lang="pl-PL" sz="1400" b="1" dirty="0"/>
+                  <a:rPr lang="pl-PL" sz="1400" b="1"/>
                   <a:t> i7 2600</a:t>
                 </a:r>
               </a:p>
@@ -22763,7 +23713,7 @@
                   </m:oMath>
                 </a14:m>
                 <a:r>
-                  <a:rPr lang="pl-PL" sz="1000" dirty="0"/>
+                  <a:rPr lang="pl-PL" sz="1000"/>
                   <a:t> przy </a:t>
                 </a:r>
                 <a14:m>
@@ -22788,7 +23738,7 @@
                     </m:r>
                   </m:oMath>
                 </a14:m>
-                <a:endParaRPr lang="pl-PL" sz="1000" b="0" dirty="0"/>
+                <a:endParaRPr lang="pl-PL" sz="1000" b="0"/>
               </a:p>
               <a:p>
                 <a:pPr>
@@ -22875,7 +23825,7 @@
                     </m:oMath>
                   </m:oMathPara>
                 </a14:m>
-                <a:endParaRPr lang="pl-PL" sz="1200" dirty="0">
+                <a:endParaRPr lang="pl-PL" sz="1200">
                   <a:solidFill>
                     <a:srgbClr val="CC0000"/>
                   </a:solidFill>
@@ -22908,7 +23858,7 @@
                 <a:avLst/>
               </a:prstGeom>
               <a:blipFill>
-                <a:blip r:embed="rId9"/>
+                <a:blip r:embed="rId10"/>
                 <a:stretch>
                   <a:fillRect l="-4749"/>
                 </a:stretch>
@@ -22919,7 +23869,7 @@
               <a:lstStyle/>
               <a:p>
                 <a:r>
-                  <a:rPr lang="pl-PL">
+                  <a:rPr lang="en-US">
                     <a:noFill/>
                   </a:rPr>
                   <a:t> </a:t>
@@ -22993,7 +23943,7 @@
           <a:lstStyle/>
           <a:p>
             <a:r>
-              <a:rPr lang="pl-PL" dirty="0"/>
+              <a:rPr lang="pl-PL"/>
               <a:t>Elementarne informacje o układach FPGA</a:t>
             </a:r>
           </a:p>
@@ -23020,10 +23970,10 @@
           <a:bodyPr/>
           <a:lstStyle/>
           <a:p>
-            <a:endParaRPr lang="pl-PL" dirty="0"/>
+            <a:endParaRPr lang="pl-PL"/>
           </a:p>
           <a:p>
-            <a:endParaRPr lang="pl-PL" dirty="0"/>
+            <a:endParaRPr lang="pl-PL"/>
           </a:p>
         </p:txBody>
       </p:sp>
@@ -23052,7 +24002,6 @@
               <a:rPr lang="pl-PL"/>
               <a:t>27 luty 2019</a:t>
             </a:r>
-            <a:endParaRPr lang="pl-PL" dirty="0"/>
           </a:p>
         </p:txBody>
       </p:sp>
@@ -23136,7 +24085,7 @@
           <a:lstStyle/>
           <a:p>
             <a:r>
-              <a:rPr lang="pl-PL" dirty="0"/>
+              <a:rPr lang="pl-PL"/>
               <a:t>Kluczowe informacje o budowie układów FPGA</a:t>
             </a:r>
           </a:p>
@@ -23157,7 +24106,7 @@
           <p:nvPr/>
         </p:nvPicPr>
         <p:blipFill rotWithShape="1">
-          <a:blip r:embed="rId2"/>
+          <a:blip r:embed="rId3"/>
           <a:srcRect l="1046" t="5184" r="1020" b="8591"/>
           <a:stretch/>
         </p:blipFill>
@@ -23200,7 +24149,7 @@
           <a:lstStyle/>
           <a:p>
             <a:r>
-              <a:rPr lang="pl-PL" sz="1600" dirty="0"/>
+              <a:rPr lang="pl-PL" sz="1600"/>
               <a:t>Układy FPGA zbudowane są z:</a:t>
             </a:r>
           </a:p>
@@ -23210,7 +24159,7 @@
               <a:buChar char="§"/>
             </a:pPr>
             <a:r>
-              <a:rPr lang="pl-PL" sz="1600" dirty="0"/>
+              <a:rPr lang="pl-PL" sz="1600"/>
               <a:t>konfigurowalnych bloków logicznych (CLB)</a:t>
             </a:r>
           </a:p>
@@ -23220,7 +24169,7 @@
               <a:buChar char="§"/>
             </a:pPr>
             <a:r>
-              <a:rPr lang="pl-PL" sz="1600" dirty="0"/>
+              <a:rPr lang="pl-PL" sz="1600"/>
               <a:t>bloków wejść/wyjść (IOB)</a:t>
             </a:r>
           </a:p>
@@ -23230,7 +24179,7 @@
               <a:buChar char="§"/>
             </a:pPr>
             <a:r>
-              <a:rPr lang="pl-PL" sz="1600" dirty="0"/>
+              <a:rPr lang="pl-PL" sz="1600"/>
               <a:t>ścieżek oraz połączeń pomiędzy nimi pozwalających na łączenie bloków</a:t>
             </a:r>
           </a:p>
@@ -23240,7 +24189,7 @@
               <a:buChar char="§"/>
             </a:pPr>
             <a:r>
-              <a:rPr lang="pl-PL" sz="1600" dirty="0"/>
+              <a:rPr lang="pl-PL" sz="1600"/>
               <a:t>dodatkowych bloków pamięci, mnożenia, operacji zmiennoprzecinkowych itp.</a:t>
             </a:r>
           </a:p>
@@ -23261,7 +24210,7 @@
           <p:nvPr/>
         </p:nvPicPr>
         <p:blipFill>
-          <a:blip r:embed="rId3"/>
+          <a:blip r:embed="rId4"/>
           <a:stretch>
             <a:fillRect/>
           </a:stretch>
@@ -23340,7 +24289,7 @@
           <a:lstStyle/>
           <a:p>
             <a:r>
-              <a:rPr lang="pl-PL" dirty="0"/>
+              <a:rPr lang="pl-PL"/>
               <a:t>Elementarne informacje o układach FPGA</a:t>
             </a:r>
           </a:p>
@@ -23367,10 +24316,10 @@
           <a:bodyPr/>
           <a:lstStyle/>
           <a:p>
-            <a:endParaRPr lang="pl-PL" dirty="0"/>
+            <a:endParaRPr lang="pl-PL"/>
           </a:p>
           <a:p>
-            <a:endParaRPr lang="pl-PL" dirty="0"/>
+            <a:endParaRPr lang="pl-PL"/>
           </a:p>
         </p:txBody>
       </p:sp>
@@ -23399,7 +24348,6 @@
               <a:rPr lang="pl-PL"/>
               <a:t>27 luty 2019</a:t>
             </a:r>
-            <a:endParaRPr lang="pl-PL" dirty="0"/>
           </a:p>
         </p:txBody>
       </p:sp>
@@ -23483,7 +24431,7 @@
           <a:lstStyle/>
           <a:p>
             <a:r>
-              <a:rPr lang="pl-PL" dirty="0"/>
+              <a:rPr lang="pl-PL"/>
               <a:t>Wykorzystanie schematu do opisu układów cyfrowych</a:t>
             </a:r>
           </a:p>
@@ -23504,7 +24452,7 @@
           <p:nvPr/>
         </p:nvPicPr>
         <p:blipFill rotWithShape="1">
-          <a:blip r:embed="rId2"/>
+          <a:blip r:embed="rId3"/>
           <a:srcRect l="1918" t="33427" r="3137"/>
           <a:stretch/>
         </p:blipFill>
@@ -23554,7 +24502,7 @@
           <a:lstStyle/>
           <a:p>
             <a:r>
-              <a:rPr lang="pl-PL" sz="1200" dirty="0">
+              <a:rPr lang="pl-PL" sz="1200">
                 <a:solidFill>
                   <a:schemeClr val="accent3"/>
                 </a:solidFill>
@@ -23642,14 +24590,14 @@
           <a:lstStyle/>
           <a:p>
             <a:r>
-              <a:rPr lang="pl-PL" sz="1200" dirty="0">
+              <a:rPr lang="pl-PL" sz="1200">
                 <a:solidFill>
                   <a:schemeClr val="accent3"/>
                 </a:solidFill>
               </a:rPr>
               <a:t>węzeł</a:t>
             </a:r>
-            <a:endParaRPr lang="pl-PL" sz="1400" dirty="0">
+            <a:endParaRPr lang="pl-PL" sz="1400">
               <a:solidFill>
                 <a:schemeClr val="accent3"/>
               </a:solidFill>
@@ -23735,7 +24683,7 @@
           <a:lstStyle/>
           <a:p>
             <a:r>
-              <a:rPr lang="pl-PL" sz="1200" dirty="0">
+              <a:rPr lang="pl-PL" sz="1200">
                 <a:solidFill>
                   <a:schemeClr val="accent3"/>
                 </a:solidFill>
@@ -23823,7 +24771,7 @@
           <a:lstStyle/>
           <a:p>
             <a:r>
-              <a:rPr lang="pl-PL" sz="1200" dirty="0">
+              <a:rPr lang="pl-PL" sz="1200">
                 <a:solidFill>
                   <a:schemeClr val="accent3"/>
                 </a:solidFill>
@@ -23911,7 +24859,7 @@
           <a:lstStyle/>
           <a:p>
             <a:r>
-              <a:rPr lang="pl-PL" sz="1200" dirty="0">
+              <a:rPr lang="pl-PL" sz="1200">
                 <a:solidFill>
                   <a:schemeClr val="accent3"/>
                 </a:solidFill>
@@ -23999,14 +24947,14 @@
           <a:lstStyle/>
           <a:p>
             <a:r>
-              <a:rPr lang="pl-PL" sz="1200" dirty="0">
+              <a:rPr lang="pl-PL" sz="1200">
                 <a:solidFill>
                   <a:schemeClr val="accent3"/>
                 </a:solidFill>
               </a:rPr>
               <a:t>blok układu</a:t>
             </a:r>
-            <a:endParaRPr lang="pl-PL" sz="1400" dirty="0">
+            <a:endParaRPr lang="pl-PL" sz="1400">
               <a:solidFill>
                 <a:schemeClr val="accent3"/>
               </a:solidFill>
@@ -24120,7 +25068,7 @@
           <a:lstStyle/>
           <a:p>
             <a:r>
-              <a:rPr lang="pl-PL" dirty="0"/>
+              <a:rPr lang="pl-PL"/>
               <a:t>Dziękuję za uwagę!</a:t>
             </a:r>
           </a:p>
@@ -24153,8 +25101,28 @@
           <a:lstStyle/>
           <a:p>
             <a:r>
+              <a:rPr lang="pl-PL"/>
+              <a:t>Część laboratoryjna </a:t>
+            </a:r>
+            <a:r>
               <a:rPr lang="pl-PL" dirty="0"/>
-              <a:t>Część laboratoryjna Akademii ETI odbywa się w budynku Nowego ETI w sali EA 337.</a:t>
+              <a:t>Akademii ETI odbywa się w budynku </a:t>
+            </a:r>
+            <a:r>
+              <a:rPr lang="pl-PL" b="1" dirty="0"/>
+              <a:t>starego ETI</a:t>
+            </a:r>
+            <a:r>
+              <a:rPr lang="pl-PL" dirty="0"/>
+              <a:t> w sali </a:t>
+            </a:r>
+            <a:r>
+              <a:rPr lang="pl-PL" b="1" dirty="0"/>
+              <a:t>EA 337</a:t>
+            </a:r>
+            <a:r>
+              <a:rPr lang="pl-PL" dirty="0"/>
+              <a:t>.</a:t>
             </a:r>
           </a:p>
         </p:txBody>
@@ -24184,7 +25152,6 @@
               <a:rPr lang="pl-PL"/>
               <a:t>27 luty 2019</a:t>
             </a:r>
-            <a:endParaRPr lang="pl-PL" dirty="0"/>
           </a:p>
         </p:txBody>
       </p:sp>
@@ -24213,7 +25180,6 @@
               <a:rPr lang="pl-PL"/>
               <a:t>Akademia ETI edycja 2019 – Programowalne układy cyfrowe FPGA</a:t>
             </a:r>
-            <a:endParaRPr lang="pl-PL" dirty="0"/>
           </a:p>
         </p:txBody>
       </p:sp>
@@ -24243,32 +25209,7 @@
               <a:pPr/>
               <a:t>14</a:t>
             </a:fld>
-            <a:endParaRPr lang="pl-PL" noProof="0" dirty="0"/>
-          </a:p>
-        </p:txBody>
-      </p:sp>
-      <p:sp>
-        <p:nvSpPr>
-          <p:cNvPr id="13" name="Symbol zastępczy tekstu 12">
-            <a:extLst>
-              <a:ext uri="{FF2B5EF4-FFF2-40B4-BE49-F238E27FC236}">
-                <a16:creationId xmlns:a16="http://schemas.microsoft.com/office/drawing/2014/main" id="{795E325C-1783-40BF-9DFC-42B13F4F917F}"/>
-              </a:ext>
-            </a:extLst>
-          </p:cNvPr>
-          <p:cNvSpPr>
-            <a:spLocks noGrp="1"/>
-          </p:cNvSpPr>
-          <p:nvPr>
-            <p:ph type="body" sz="quarter" idx="13"/>
-          </p:nvPr>
-        </p:nvSpPr>
-        <p:spPr/>
-        <p:txBody>
-          <a:bodyPr/>
-          <a:lstStyle/>
-          <a:p>
-            <a:endParaRPr lang="pl-PL" dirty="0"/>
+            <a:endParaRPr lang="pl-PL" noProof="0"/>
           </a:p>
         </p:txBody>
       </p:sp>
@@ -24336,7 +25277,7 @@
           <a:lstStyle/>
           <a:p>
             <a:r>
-              <a:rPr lang="pl-PL" dirty="0"/>
+              <a:rPr lang="pl-PL"/>
               <a:t>Plan wykładu</a:t>
             </a:r>
           </a:p>
@@ -24384,7 +25325,7 @@
               <a:buAutoNum type="arabicPeriod"/>
             </a:pPr>
             <a:r>
-              <a:rPr lang="pl-PL" dirty="0">
+              <a:rPr lang="pl-PL">
                 <a:solidFill>
                   <a:schemeClr val="tx1"/>
                 </a:solidFill>
@@ -24407,7 +25348,7 @@
               <a:buAutoNum type="arabicPeriod"/>
             </a:pPr>
             <a:r>
-              <a:rPr lang="pl-PL" dirty="0">
+              <a:rPr lang="pl-PL">
                 <a:solidFill>
                   <a:schemeClr val="tx1"/>
                 </a:solidFill>
@@ -24430,7 +25371,7 @@
               <a:buAutoNum type="arabicPeriod"/>
             </a:pPr>
             <a:r>
-              <a:rPr lang="pl-PL" dirty="0">
+              <a:rPr lang="pl-PL">
                 <a:solidFill>
                   <a:schemeClr val="tx1"/>
                 </a:solidFill>
@@ -24453,7 +25394,7 @@
               <a:buAutoNum type="arabicPeriod"/>
             </a:pPr>
             <a:r>
-              <a:rPr lang="pl-PL" dirty="0">
+              <a:rPr lang="pl-PL">
                 <a:solidFill>
                   <a:schemeClr val="tx1"/>
                 </a:solidFill>
@@ -24476,7 +25417,7 @@
               <a:buAutoNum type="arabicPeriod"/>
             </a:pPr>
             <a:r>
-              <a:rPr lang="pl-PL" dirty="0">
+              <a:rPr lang="pl-PL">
                 <a:solidFill>
                   <a:schemeClr val="tx1"/>
                 </a:solidFill>
@@ -24511,7 +25452,6 @@
               <a:rPr lang="pl-PL"/>
               <a:t>27 luty 2019</a:t>
             </a:r>
-            <a:endParaRPr lang="pl-PL" dirty="0"/>
           </a:p>
         </p:txBody>
       </p:sp>
@@ -24638,7 +25578,7 @@
           <a:lstStyle/>
           <a:p>
             <a:r>
-              <a:rPr lang="pl-PL" dirty="0"/>
+              <a:rPr lang="pl-PL"/>
               <a:t>Czym jest sygnał cyfrowy?</a:t>
             </a:r>
           </a:p>
@@ -24666,13 +25606,13 @@
           <a:lstStyle/>
           <a:p>
             <a:r>
-              <a:rPr lang="pl-PL" dirty="0"/>
+              <a:rPr lang="pl-PL"/>
               <a:t>Sygnał to funkcja czasu przenosząca informację. Sygnał cyfrowy przyjmuje tylko skończoną liczbę wartości (dyskretna przeciwdziedzina). </a:t>
             </a:r>
           </a:p>
           <a:p>
             <a:r>
-              <a:rPr lang="pl-PL" dirty="0"/>
+              <a:rPr lang="pl-PL"/>
               <a:t>W elektronice cyfrowej sygnały są binarne (przyjmują dwie wartości) oraz najczęściej są reprezentowane przez napięcie zmieniające się w czasie.</a:t>
             </a:r>
           </a:p>
@@ -24703,7 +25643,6 @@
               <a:rPr lang="pl-PL"/>
               <a:t>27 luty 2019</a:t>
             </a:r>
-            <a:endParaRPr lang="pl-PL" dirty="0"/>
           </a:p>
         </p:txBody>
       </p:sp>
@@ -24787,7 +25726,7 @@
           <a:lstStyle/>
           <a:p>
             <a:r>
-              <a:rPr lang="pl-PL" dirty="0"/>
+              <a:rPr lang="pl-PL"/>
               <a:t>Jak wygląda sygnał cyfrowy?</a:t>
             </a:r>
           </a:p>
@@ -24817,7 +25756,7 @@
         </p:xfrm>
         <a:graphic>
           <a:graphicData uri="http://schemas.openxmlformats.org/drawingml/2006/chart">
-            <c:chart xmlns:c="http://schemas.openxmlformats.org/drawingml/2006/chart" xmlns:r="http://schemas.openxmlformats.org/officeDocument/2006/relationships" r:id="rId2"/>
+            <c:chart xmlns:c="http://schemas.openxmlformats.org/drawingml/2006/chart" xmlns:r="http://schemas.openxmlformats.org/officeDocument/2006/relationships" r:id="rId3"/>
           </a:graphicData>
         </a:graphic>
       </p:graphicFrame>
@@ -25061,7 +26000,7 @@
           <a:lstStyle/>
           <a:p>
             <a:r>
-              <a:rPr lang="pl-PL" dirty="0"/>
+              <a:rPr lang="pl-PL"/>
               <a:t>Czym jest sygnał cyfrowy?</a:t>
             </a:r>
           </a:p>
@@ -25089,19 +26028,19 @@
           <a:lstStyle/>
           <a:p>
             <a:r>
-              <a:rPr lang="pl-PL" dirty="0"/>
+              <a:rPr lang="pl-PL"/>
               <a:t>Stan wysoki – 1 – jedynka – prawda</a:t>
             </a:r>
           </a:p>
           <a:p>
             <a:r>
-              <a:rPr lang="pl-PL" dirty="0"/>
+              <a:rPr lang="pl-PL"/>
               <a:t>Stan niski – 0 – zero – fałsz</a:t>
             </a:r>
           </a:p>
           <a:p>
             <a:r>
-              <a:rPr lang="pl-PL" dirty="0"/>
+              <a:rPr lang="pl-PL"/>
               <a:t>Układ synchroniczny to taki w którym stan zmienia się w momentach wyznaczanych przez sygnał zegara. </a:t>
             </a:r>
           </a:p>
@@ -25132,7 +26071,6 @@
               <a:rPr lang="pl-PL"/>
               <a:t>27 luty 2019</a:t>
             </a:r>
-            <a:endParaRPr lang="pl-PL" dirty="0"/>
           </a:p>
         </p:txBody>
       </p:sp>
@@ -25216,7 +26154,7 @@
           <a:lstStyle/>
           <a:p>
             <a:r>
-              <a:rPr lang="pl-PL" dirty="0"/>
+              <a:rPr lang="pl-PL"/>
               <a:t>Sygnał cyfrowy w układach synchronicznych</a:t>
             </a:r>
           </a:p>
@@ -25246,7 +26184,7 @@
         </p:xfrm>
         <a:graphic>
           <a:graphicData uri="http://schemas.openxmlformats.org/drawingml/2006/chart">
-            <c:chart xmlns:c="http://schemas.openxmlformats.org/drawingml/2006/chart" xmlns:r="http://schemas.openxmlformats.org/officeDocument/2006/relationships" r:id="rId2"/>
+            <c:chart xmlns:c="http://schemas.openxmlformats.org/drawingml/2006/chart" xmlns:r="http://schemas.openxmlformats.org/officeDocument/2006/relationships" r:id="rId3"/>
           </a:graphicData>
         </a:graphic>
       </p:graphicFrame>
@@ -25274,7 +26212,7 @@
         </p:xfrm>
         <a:graphic>
           <a:graphicData uri="http://schemas.openxmlformats.org/drawingml/2006/chart">
-            <c:chart xmlns:c="http://schemas.openxmlformats.org/drawingml/2006/chart" xmlns:r="http://schemas.openxmlformats.org/officeDocument/2006/relationships" r:id="rId3"/>
+            <c:chart xmlns:c="http://schemas.openxmlformats.org/drawingml/2006/chart" xmlns:r="http://schemas.openxmlformats.org/officeDocument/2006/relationships" r:id="rId4"/>
           </a:graphicData>
         </a:graphic>
       </p:graphicFrame>
@@ -25398,7 +26336,7 @@
                               </m:oMath>
                             </m:oMathPara>
                           </a14:m>
-                          <a:endParaRPr lang="pl-PL" dirty="0"/>
+                          <a:endParaRPr lang="pl-PL"/>
                         </a:p>
                       </a:txBody>
                       <a:tcPr>
@@ -25443,7 +26381,7 @@
                               </m:oMath>
                             </m:oMathPara>
                           </a14:m>
-                          <a:endParaRPr lang="pl-PL" dirty="0"/>
+                          <a:endParaRPr lang="pl-PL"/>
                         </a:p>
                       </a:txBody>
                       <a:tcPr>
@@ -25511,7 +26449,7 @@
                               </m:oMath>
                             </m:oMathPara>
                           </a14:m>
-                          <a:endParaRPr lang="pl-PL" dirty="0"/>
+                          <a:endParaRPr lang="pl-PL"/>
                         </a:p>
                       </a:txBody>
                       <a:tcPr>
@@ -25579,7 +26517,7 @@
                               </m:oMath>
                             </m:oMathPara>
                           </a14:m>
-                          <a:endParaRPr lang="pl-PL" b="0" dirty="0"/>
+                          <a:endParaRPr lang="pl-PL" b="0"/>
                         </a:p>
                       </a:txBody>
                       <a:tcPr>
@@ -25640,7 +26578,7 @@
                               </m:oMath>
                             </m:oMathPara>
                           </a14:m>
-                          <a:endParaRPr lang="pl-PL" b="0" dirty="0"/>
+                          <a:endParaRPr lang="pl-PL" b="0"/>
                         </a:p>
                       </a:txBody>
                       <a:tcPr>
@@ -25719,7 +26657,7 @@
                               </m:oMath>
                             </m:oMathPara>
                           </a14:m>
-                          <a:endParaRPr lang="pl-PL" b="0" dirty="0"/>
+                          <a:endParaRPr lang="pl-PL" b="0"/>
                         </a:p>
                       </a:txBody>
                       <a:tcPr>
@@ -25787,7 +26725,7 @@
                               </m:oMath>
                             </m:oMathPara>
                           </a14:m>
-                          <a:endParaRPr lang="pl-PL" b="0" dirty="0"/>
+                          <a:endParaRPr lang="pl-PL" b="0"/>
                         </a:p>
                       </a:txBody>
                       <a:tcPr>
@@ -25839,7 +26777,7 @@
                               </m:oMath>
                             </m:oMathPara>
                           </a14:m>
-                          <a:endParaRPr lang="pl-PL" b="0" dirty="0"/>
+                          <a:endParaRPr lang="pl-PL" b="0"/>
                         </a:p>
                       </a:txBody>
                       <a:tcPr>
@@ -25918,7 +26856,7 @@
                               </m:oMath>
                             </m:oMathPara>
                           </a14:m>
-                          <a:endParaRPr lang="pl-PL" b="0" dirty="0"/>
+                          <a:endParaRPr lang="pl-PL" b="0"/>
                         </a:p>
                       </a:txBody>
                       <a:tcPr>
@@ -25977,7 +26915,7 @@
                               </m:oMath>
                             </m:oMathPara>
                           </a14:m>
-                          <a:endParaRPr lang="pl-PL" b="0" dirty="0"/>
+                          <a:endParaRPr lang="pl-PL" b="0"/>
                         </a:p>
                       </a:txBody>
                       <a:tcPr>
@@ -26029,7 +26967,7 @@
                               </m:oMath>
                             </m:oMathPara>
                           </a14:m>
-                          <a:endParaRPr lang="pl-PL" b="0" dirty="0"/>
+                          <a:endParaRPr lang="pl-PL" b="0"/>
                         </a:p>
                       </a:txBody>
                       <a:tcPr>
@@ -26108,7 +27046,7 @@
                               </m:oMath>
                             </m:oMathPara>
                           </a14:m>
-                          <a:endParaRPr lang="pl-PL" b="0" dirty="0"/>
+                          <a:endParaRPr lang="pl-PL" b="0"/>
                         </a:p>
                       </a:txBody>
                       <a:tcPr>
@@ -26167,7 +27105,7 @@
                               </m:oMath>
                             </m:oMathPara>
                           </a14:m>
-                          <a:endParaRPr lang="pl-PL" b="0" dirty="0"/>
+                          <a:endParaRPr lang="pl-PL" b="0"/>
                         </a:p>
                       </a:txBody>
                       <a:tcPr>
@@ -26219,7 +27157,7 @@
                               </m:oMath>
                             </m:oMathPara>
                           </a14:m>
-                          <a:endParaRPr lang="pl-PL" b="0" dirty="0"/>
+                          <a:endParaRPr lang="pl-PL" b="0"/>
                         </a:p>
                       </a:txBody>
                       <a:tcPr>
@@ -26289,7 +27227,7 @@
                               </m:oMath>
                             </m:oMathPara>
                           </a14:m>
-                          <a:endParaRPr lang="pl-PL" b="0" dirty="0"/>
+                          <a:endParaRPr lang="pl-PL" b="0"/>
                         </a:p>
                       </a:txBody>
                       <a:tcPr>
@@ -26376,7 +27314,7 @@
                         <a:bodyPr/>
                         <a:lstStyle/>
                         <a:p>
-                          <a:endParaRPr lang="pl-PL"/>
+                          <a:endParaRPr lang="en-US"/>
                         </a:p>
                       </a:txBody>
                       <a:tcPr>
@@ -26411,7 +27349,7 @@
                         <a:bodyPr/>
                         <a:lstStyle/>
                         <a:p>
-                          <a:endParaRPr lang="pl-PL"/>
+                          <a:endParaRPr lang="en-US"/>
                         </a:p>
                       </a:txBody>
                       <a:tcPr>
@@ -26455,7 +27393,7 @@
                         <a:bodyPr/>
                         <a:lstStyle/>
                         <a:p>
-                          <a:endParaRPr lang="pl-PL"/>
+                          <a:endParaRPr lang="en-US"/>
                         </a:p>
                       </a:txBody>
                       <a:tcPr>
@@ -26497,7 +27435,7 @@
                         <a:bodyPr/>
                         <a:lstStyle/>
                         <a:p>
-                          <a:endParaRPr lang="pl-PL"/>
+                          <a:endParaRPr lang="en-US"/>
                         </a:p>
                       </a:txBody>
                       <a:tcPr>
@@ -26532,7 +27470,7 @@
                         <a:bodyPr/>
                         <a:lstStyle/>
                         <a:p>
-                          <a:endParaRPr lang="pl-PL"/>
+                          <a:endParaRPr lang="en-US"/>
                         </a:p>
                       </a:txBody>
                       <a:tcPr>
@@ -26585,7 +27523,7 @@
                         <a:bodyPr/>
                         <a:lstStyle/>
                         <a:p>
-                          <a:endParaRPr lang="pl-PL"/>
+                          <a:endParaRPr lang="en-US"/>
                         </a:p>
                       </a:txBody>
                       <a:tcPr>
@@ -26627,7 +27565,7 @@
                         <a:bodyPr/>
                         <a:lstStyle/>
                         <a:p>
-                          <a:endParaRPr lang="pl-PL"/>
+                          <a:endParaRPr lang="en-US"/>
                         </a:p>
                       </a:txBody>
                       <a:tcPr>
@@ -26653,7 +27591,7 @@
                         <a:bodyPr/>
                         <a:lstStyle/>
                         <a:p>
-                          <a:endParaRPr lang="pl-PL"/>
+                          <a:endParaRPr lang="en-US"/>
                         </a:p>
                       </a:txBody>
                       <a:tcPr>
@@ -26706,7 +27644,7 @@
                         <a:bodyPr/>
                         <a:lstStyle/>
                         <a:p>
-                          <a:endParaRPr lang="pl-PL"/>
+                          <a:endParaRPr lang="en-US"/>
                         </a:p>
                       </a:txBody>
                       <a:tcPr>
@@ -26739,7 +27677,7 @@
                         <a:bodyPr/>
                         <a:lstStyle/>
                         <a:p>
-                          <a:endParaRPr lang="pl-PL"/>
+                          <a:endParaRPr lang="en-US"/>
                         </a:p>
                       </a:txBody>
                       <a:tcPr>
@@ -26765,7 +27703,7 @@
                         <a:bodyPr/>
                         <a:lstStyle/>
                         <a:p>
-                          <a:endParaRPr lang="pl-PL"/>
+                          <a:endParaRPr lang="en-US"/>
                         </a:p>
                       </a:txBody>
                       <a:tcPr>
@@ -26818,7 +27756,7 @@
                         <a:bodyPr/>
                         <a:lstStyle/>
                         <a:p>
-                          <a:endParaRPr lang="pl-PL"/>
+                          <a:endParaRPr lang="en-US"/>
                         </a:p>
                       </a:txBody>
                       <a:tcPr>
@@ -26851,7 +27789,7 @@
                         <a:bodyPr/>
                         <a:lstStyle/>
                         <a:p>
-                          <a:endParaRPr lang="pl-PL"/>
+                          <a:endParaRPr lang="en-US"/>
                         </a:p>
                       </a:txBody>
                       <a:tcPr>
@@ -26877,7 +27815,7 @@
                         <a:bodyPr/>
                         <a:lstStyle/>
                         <a:p>
-                          <a:endParaRPr lang="pl-PL"/>
+                          <a:endParaRPr lang="en-US"/>
                         </a:p>
                       </a:txBody>
                       <a:tcPr>
@@ -26921,7 +27859,7 @@
                         <a:bodyPr/>
                         <a:lstStyle/>
                         <a:p>
-                          <a:endParaRPr lang="pl-PL"/>
+                          <a:endParaRPr lang="en-US"/>
                         </a:p>
                       </a:txBody>
                       <a:tcPr>
@@ -26979,7 +27917,6 @@
               <a:rPr lang="pl-PL"/>
               <a:t>27 luty 2019</a:t>
             </a:r>
-            <a:endParaRPr lang="pl-PL" dirty="0"/>
           </a:p>
         </p:txBody>
       </p:sp>
@@ -27066,14 +28003,14 @@
           <a:lstStyle/>
           <a:p>
             <a:r>
-              <a:rPr lang="pl-PL" dirty="0">
+              <a:rPr lang="pl-PL">
                 <a:solidFill>
                   <a:schemeClr val="accent3"/>
                 </a:solidFill>
               </a:rPr>
               <a:t>Algebra Boole’a w elektronice cyfrowej</a:t>
             </a:r>
-            <a:endParaRPr lang="pl-PL" i="1" dirty="0">
+            <a:endParaRPr lang="pl-PL" i="1">
               <a:solidFill>
                 <a:schemeClr val="accent3">
                   <a:lumMod val="60000"/>
@@ -27115,7 +28052,7 @@
               <a:lstStyle/>
               <a:p>
                 <a:r>
-                  <a:rPr lang="pl-PL" sz="1600" dirty="0"/>
+                  <a:rPr lang="pl-PL" sz="1600"/>
                   <a:t>Iloczyn logiczny – </a:t>
                 </a:r>
                 <a14:m>
@@ -27142,7 +28079,7 @@
                     </m:r>
                   </m:oMath>
                 </a14:m>
-                <a:endParaRPr lang="pl-PL" sz="1600" b="0" dirty="0">
+                <a:endParaRPr lang="pl-PL" sz="1600" b="0">
                   <a:ea typeface="Cambria Math" panose="02040503050406030204" pitchFamily="18" charset="0"/>
                 </a:endParaRPr>
               </a:p>
@@ -27191,7 +28128,7 @@
                     </m:oMath>
                   </m:oMathPara>
                 </a14:m>
-                <a:endParaRPr lang="pl-PL" sz="1600" b="0" dirty="0">
+                <a:endParaRPr lang="pl-PL" sz="1600" b="0">
                   <a:ea typeface="Cambria Math" panose="02040503050406030204" pitchFamily="18" charset="0"/>
                 </a:endParaRPr>
               </a:p>
@@ -27240,7 +28177,7 @@
                     </m:oMath>
                   </m:oMathPara>
                 </a14:m>
-                <a:endParaRPr lang="pl-PL" sz="1600" dirty="0">
+                <a:endParaRPr lang="pl-PL" sz="1600">
                   <a:ea typeface="Cambria Math" panose="02040503050406030204" pitchFamily="18" charset="0"/>
                 </a:endParaRPr>
               </a:p>
@@ -27289,7 +28226,7 @@
                     </m:oMath>
                   </m:oMathPara>
                 </a14:m>
-                <a:endParaRPr lang="pl-PL" sz="1600" dirty="0"/>
+                <a:endParaRPr lang="pl-PL" sz="1600"/>
               </a:p>
             </p:txBody>
           </p:sp>
@@ -27329,7 +28266,7 @@
               <a:lstStyle/>
               <a:p>
                 <a:r>
-                  <a:rPr lang="pl-PL">
+                  <a:rPr lang="en-US">
                     <a:noFill/>
                   </a:rPr>
                   <a:t> </a:t>
@@ -27370,7 +28307,7 @@
               <a:lstStyle/>
               <a:p>
                 <a:r>
-                  <a:rPr lang="pl-PL" sz="1600" dirty="0"/>
+                  <a:rPr lang="pl-PL" sz="1600"/>
                   <a:t>Suma logiczna – </a:t>
                 </a:r>
                 <a14:m>
@@ -27396,7 +28333,7 @@
                     </m:r>
                   </m:oMath>
                 </a14:m>
-                <a:endParaRPr lang="pl-PL" sz="1600" b="0" dirty="0">
+                <a:endParaRPr lang="pl-PL" sz="1600" b="0">
                   <a:ea typeface="Cambria Math" panose="02040503050406030204" pitchFamily="18" charset="0"/>
                 </a:endParaRPr>
               </a:p>
@@ -27444,7 +28381,7 @@
                     </m:oMath>
                   </m:oMathPara>
                 </a14:m>
-                <a:endParaRPr lang="pl-PL" sz="1600" b="0" dirty="0">
+                <a:endParaRPr lang="pl-PL" sz="1600" b="0">
                   <a:ea typeface="Cambria Math" panose="02040503050406030204" pitchFamily="18" charset="0"/>
                 </a:endParaRPr>
               </a:p>
@@ -27478,7 +28415,7 @@
                     </m:oMath>
                   </m:oMathPara>
                 </a14:m>
-                <a:endParaRPr lang="pl-PL" sz="1600" dirty="0">
+                <a:endParaRPr lang="pl-PL" sz="1600">
                   <a:ea typeface="Cambria Math" panose="02040503050406030204" pitchFamily="18" charset="0"/>
                 </a:endParaRPr>
               </a:p>
@@ -27505,7 +28442,7 @@
                     </m:oMath>
                   </m:oMathPara>
                 </a14:m>
-                <a:endParaRPr lang="pl-PL" sz="1600" dirty="0"/>
+                <a:endParaRPr lang="pl-PL" sz="1600"/>
               </a:p>
             </p:txBody>
           </p:sp>
@@ -27545,7 +28482,7 @@
               <a:lstStyle/>
               <a:p>
                 <a:r>
-                  <a:rPr lang="pl-PL">
+                  <a:rPr lang="en-US">
                     <a:noFill/>
                   </a:rPr>
                   <a:t> </a:t>
@@ -27586,7 +28523,7 @@
               <a:lstStyle/>
               <a:p>
                 <a:r>
-                  <a:rPr lang="pl-PL" sz="1600" dirty="0"/>
+                  <a:rPr lang="pl-PL" sz="1600"/>
                   <a:t>Negacja – </a:t>
                 </a:r>
                 <a14:m>
@@ -27611,7 +28548,7 @@
                     </m:bar>
                   </m:oMath>
                 </a14:m>
-                <a:endParaRPr lang="pl-PL" sz="1600" b="0" dirty="0">
+                <a:endParaRPr lang="pl-PL" sz="1600" b="0">
                   <a:ea typeface="Cambria Math" panose="02040503050406030204" pitchFamily="18" charset="0"/>
                 </a:endParaRPr>
               </a:p>
@@ -27670,7 +28607,7 @@
                     </m:oMath>
                   </m:oMathPara>
                 </a14:m>
-                <a:endParaRPr lang="pl-PL" sz="1600" b="0" dirty="0">
+                <a:endParaRPr lang="pl-PL" sz="1600" b="0">
                   <a:ea typeface="Cambria Math" panose="02040503050406030204" pitchFamily="18" charset="0"/>
                 </a:endParaRPr>
               </a:p>
@@ -27712,7 +28649,7 @@
               <a:lstStyle/>
               <a:p>
                 <a:r>
-                  <a:rPr lang="pl-PL">
+                  <a:rPr lang="en-US">
                     <a:noFill/>
                   </a:rPr>
                   <a:t> </a:t>
@@ -27792,7 +28729,7 @@
                               </m:oMath>
                             </m:oMathPara>
                           </a14:m>
-                          <a:endParaRPr lang="pl-PL" dirty="0"/>
+                          <a:endParaRPr lang="pl-PL"/>
                         </a:p>
                       </a:txBody>
                       <a:tcPr>
@@ -27840,7 +28777,7 @@
                               </m:oMath>
                             </m:oMathPara>
                           </a14:m>
-                          <a:endParaRPr lang="pl-PL" dirty="0"/>
+                          <a:endParaRPr lang="pl-PL"/>
                         </a:p>
                       </a:txBody>
                       <a:tcPr>
@@ -27899,7 +28836,7 @@
                               </m:oMath>
                             </m:oMathPara>
                           </a14:m>
-                          <a:endParaRPr lang="pl-PL" b="0" dirty="0"/>
+                          <a:endParaRPr lang="pl-PL" b="0"/>
                         </a:p>
                       </a:txBody>
                       <a:tcPr>
@@ -27951,7 +28888,7 @@
                               </m:oMath>
                             </m:oMathPara>
                           </a14:m>
-                          <a:endParaRPr lang="pl-PL" b="0" dirty="0"/>
+                          <a:endParaRPr lang="pl-PL" b="0"/>
                         </a:p>
                       </a:txBody>
                       <a:tcPr>
@@ -28010,7 +28947,7 @@
                               </m:oMath>
                             </m:oMathPara>
                           </a14:m>
-                          <a:endParaRPr lang="pl-PL" b="0" dirty="0"/>
+                          <a:endParaRPr lang="pl-PL" b="0"/>
                         </a:p>
                       </a:txBody>
                       <a:tcPr>
@@ -28062,7 +28999,7 @@
                               </m:oMath>
                             </m:oMathPara>
                           </a14:m>
-                          <a:endParaRPr lang="pl-PL" b="0" dirty="0"/>
+                          <a:endParaRPr lang="pl-PL" b="0"/>
                         </a:p>
                       </a:txBody>
                       <a:tcPr>
@@ -28141,7 +29078,7 @@
                         <a:bodyPr/>
                         <a:lstStyle/>
                         <a:p>
-                          <a:endParaRPr lang="pl-PL"/>
+                          <a:endParaRPr lang="en-US"/>
                         </a:p>
                       </a:txBody>
                       <a:tcPr>
@@ -28167,7 +29104,7 @@
                         <a:bodyPr/>
                         <a:lstStyle/>
                         <a:p>
-                          <a:endParaRPr lang="pl-PL"/>
+                          <a:endParaRPr lang="en-US"/>
                         </a:p>
                       </a:txBody>
                       <a:tcPr>
@@ -28200,7 +29137,7 @@
                         <a:bodyPr/>
                         <a:lstStyle/>
                         <a:p>
-                          <a:endParaRPr lang="pl-PL"/>
+                          <a:endParaRPr lang="en-US"/>
                         </a:p>
                       </a:txBody>
                       <a:tcPr>
@@ -28226,7 +29163,7 @@
                         <a:bodyPr/>
                         <a:lstStyle/>
                         <a:p>
-                          <a:endParaRPr lang="pl-PL"/>
+                          <a:endParaRPr lang="en-US"/>
                         </a:p>
                       </a:txBody>
                       <a:tcPr>
@@ -28259,7 +29196,7 @@
                         <a:bodyPr/>
                         <a:lstStyle/>
                         <a:p>
-                          <a:endParaRPr lang="pl-PL"/>
+                          <a:endParaRPr lang="en-US"/>
                         </a:p>
                       </a:txBody>
                       <a:tcPr>
@@ -28285,7 +29222,7 @@
                         <a:bodyPr/>
                         <a:lstStyle/>
                         <a:p>
-                          <a:endParaRPr lang="pl-PL"/>
+                          <a:endParaRPr lang="en-US"/>
                         </a:p>
                       </a:txBody>
                       <a:tcPr>
@@ -28395,7 +29332,7 @@
                               </m:oMath>
                             </m:oMathPara>
                           </a14:m>
-                          <a:endParaRPr lang="pl-PL" dirty="0"/>
+                          <a:endParaRPr lang="pl-PL"/>
                         </a:p>
                       </a:txBody>
                       <a:tcPr>
@@ -28440,7 +29377,7 @@
                               </m:oMath>
                             </m:oMathPara>
                           </a14:m>
-                          <a:endParaRPr lang="pl-PL" dirty="0"/>
+                          <a:endParaRPr lang="pl-PL"/>
                         </a:p>
                       </a:txBody>
                       <a:tcPr>
@@ -28507,7 +29444,7 @@
                               </m:oMath>
                             </m:oMathPara>
                           </a14:m>
-                          <a:endParaRPr lang="pl-PL" dirty="0"/>
+                          <a:endParaRPr lang="pl-PL"/>
                         </a:p>
                       </a:txBody>
                       <a:tcPr>
@@ -28575,7 +29512,7 @@
                               </m:oMath>
                             </m:oMathPara>
                           </a14:m>
-                          <a:endParaRPr lang="pl-PL" b="0" dirty="0"/>
+                          <a:endParaRPr lang="pl-PL" b="0"/>
                         </a:p>
                       </a:txBody>
                       <a:tcPr>
@@ -28636,7 +29573,7 @@
                               </m:oMath>
                             </m:oMathPara>
                           </a14:m>
-                          <a:endParaRPr lang="pl-PL" b="0" dirty="0"/>
+                          <a:endParaRPr lang="pl-PL" b="0"/>
                         </a:p>
                       </a:txBody>
                       <a:tcPr>
@@ -28715,7 +29652,7 @@
                               </m:oMath>
                             </m:oMathPara>
                           </a14:m>
-                          <a:endParaRPr lang="pl-PL" b="0" dirty="0"/>
+                          <a:endParaRPr lang="pl-PL" b="0"/>
                         </a:p>
                       </a:txBody>
                       <a:tcPr>
@@ -28783,7 +29720,7 @@
                               </m:oMath>
                             </m:oMathPara>
                           </a14:m>
-                          <a:endParaRPr lang="pl-PL" b="0" dirty="0"/>
+                          <a:endParaRPr lang="pl-PL" b="0"/>
                         </a:p>
                       </a:txBody>
                       <a:tcPr>
@@ -28835,7 +29772,7 @@
                               </m:oMath>
                             </m:oMathPara>
                           </a14:m>
-                          <a:endParaRPr lang="pl-PL" b="0" dirty="0"/>
+                          <a:endParaRPr lang="pl-PL" b="0"/>
                         </a:p>
                       </a:txBody>
                       <a:tcPr>
@@ -28914,7 +29851,7 @@
                               </m:oMath>
                             </m:oMathPara>
                           </a14:m>
-                          <a:endParaRPr lang="pl-PL" b="0" dirty="0"/>
+                          <a:endParaRPr lang="pl-PL" b="0"/>
                         </a:p>
                       </a:txBody>
                       <a:tcPr>
@@ -28973,7 +29910,7 @@
                               </m:oMath>
                             </m:oMathPara>
                           </a14:m>
-                          <a:endParaRPr lang="pl-PL" b="0" dirty="0"/>
+                          <a:endParaRPr lang="pl-PL" b="0"/>
                         </a:p>
                       </a:txBody>
                       <a:tcPr>
@@ -29025,7 +29962,7 @@
                               </m:oMath>
                             </m:oMathPara>
                           </a14:m>
-                          <a:endParaRPr lang="pl-PL" b="0" dirty="0"/>
+                          <a:endParaRPr lang="pl-PL" b="0"/>
                         </a:p>
                       </a:txBody>
                       <a:tcPr>
@@ -29104,7 +30041,7 @@
                               </m:oMath>
                             </m:oMathPara>
                           </a14:m>
-                          <a:endParaRPr lang="pl-PL" b="0" dirty="0"/>
+                          <a:endParaRPr lang="pl-PL" b="0"/>
                         </a:p>
                       </a:txBody>
                       <a:tcPr>
@@ -29163,7 +30100,7 @@
                               </m:oMath>
                             </m:oMathPara>
                           </a14:m>
-                          <a:endParaRPr lang="pl-PL" b="0" dirty="0"/>
+                          <a:endParaRPr lang="pl-PL" b="0"/>
                         </a:p>
                       </a:txBody>
                       <a:tcPr>
@@ -29215,7 +30152,7 @@
                               </m:oMath>
                             </m:oMathPara>
                           </a14:m>
-                          <a:endParaRPr lang="pl-PL" b="0" dirty="0"/>
+                          <a:endParaRPr lang="pl-PL" b="0"/>
                         </a:p>
                       </a:txBody>
                       <a:tcPr>
@@ -29285,7 +30222,7 @@
                               </m:oMath>
                             </m:oMathPara>
                           </a14:m>
-                          <a:endParaRPr lang="pl-PL" b="0" dirty="0"/>
+                          <a:endParaRPr lang="pl-PL" b="0"/>
                         </a:p>
                       </a:txBody>
                       <a:tcPr>
@@ -29371,7 +30308,7 @@
                         <a:bodyPr/>
                         <a:lstStyle/>
                         <a:p>
-                          <a:endParaRPr lang="pl-PL"/>
+                          <a:endParaRPr lang="en-US"/>
                         </a:p>
                       </a:txBody>
                       <a:tcPr>
@@ -29406,7 +30343,7 @@
                         <a:bodyPr/>
                         <a:lstStyle/>
                         <a:p>
-                          <a:endParaRPr lang="pl-PL"/>
+                          <a:endParaRPr lang="en-US"/>
                         </a:p>
                       </a:txBody>
                       <a:tcPr>
@@ -29450,7 +30387,7 @@
                         <a:bodyPr/>
                         <a:lstStyle/>
                         <a:p>
-                          <a:endParaRPr lang="pl-PL"/>
+                          <a:endParaRPr lang="en-US"/>
                         </a:p>
                       </a:txBody>
                       <a:tcPr>
@@ -29492,7 +30429,7 @@
                         <a:bodyPr/>
                         <a:lstStyle/>
                         <a:p>
-                          <a:endParaRPr lang="pl-PL"/>
+                          <a:endParaRPr lang="en-US"/>
                         </a:p>
                       </a:txBody>
                       <a:tcPr>
@@ -29527,7 +30464,7 @@
                         <a:bodyPr/>
                         <a:lstStyle/>
                         <a:p>
-                          <a:endParaRPr lang="pl-PL"/>
+                          <a:endParaRPr lang="en-US"/>
                         </a:p>
                       </a:txBody>
                       <a:tcPr>
@@ -29580,7 +30517,7 @@
                         <a:bodyPr/>
                         <a:lstStyle/>
                         <a:p>
-                          <a:endParaRPr lang="pl-PL"/>
+                          <a:endParaRPr lang="en-US"/>
                         </a:p>
                       </a:txBody>
                       <a:tcPr>
@@ -29622,7 +30559,7 @@
                         <a:bodyPr/>
                         <a:lstStyle/>
                         <a:p>
-                          <a:endParaRPr lang="pl-PL"/>
+                          <a:endParaRPr lang="en-US"/>
                         </a:p>
                       </a:txBody>
                       <a:tcPr>
@@ -29648,7 +30585,7 @@
                         <a:bodyPr/>
                         <a:lstStyle/>
                         <a:p>
-                          <a:endParaRPr lang="pl-PL"/>
+                          <a:endParaRPr lang="en-US"/>
                         </a:p>
                       </a:txBody>
                       <a:tcPr>
@@ -29701,7 +30638,7 @@
                         <a:bodyPr/>
                         <a:lstStyle/>
                         <a:p>
-                          <a:endParaRPr lang="pl-PL"/>
+                          <a:endParaRPr lang="en-US"/>
                         </a:p>
                       </a:txBody>
                       <a:tcPr>
@@ -29734,7 +30671,7 @@
                         <a:bodyPr/>
                         <a:lstStyle/>
                         <a:p>
-                          <a:endParaRPr lang="pl-PL"/>
+                          <a:endParaRPr lang="en-US"/>
                         </a:p>
                       </a:txBody>
                       <a:tcPr>
@@ -29760,7 +30697,7 @@
                         <a:bodyPr/>
                         <a:lstStyle/>
                         <a:p>
-                          <a:endParaRPr lang="pl-PL"/>
+                          <a:endParaRPr lang="en-US"/>
                         </a:p>
                       </a:txBody>
                       <a:tcPr>
@@ -29813,7 +30750,7 @@
                         <a:bodyPr/>
                         <a:lstStyle/>
                         <a:p>
-                          <a:endParaRPr lang="pl-PL"/>
+                          <a:endParaRPr lang="en-US"/>
                         </a:p>
                       </a:txBody>
                       <a:tcPr>
@@ -29846,7 +30783,7 @@
                         <a:bodyPr/>
                         <a:lstStyle/>
                         <a:p>
-                          <a:endParaRPr lang="pl-PL"/>
+                          <a:endParaRPr lang="en-US"/>
                         </a:p>
                       </a:txBody>
                       <a:tcPr>
@@ -29872,7 +30809,7 @@
                         <a:bodyPr/>
                         <a:lstStyle/>
                         <a:p>
-                          <a:endParaRPr lang="pl-PL"/>
+                          <a:endParaRPr lang="en-US"/>
                         </a:p>
                       </a:txBody>
                       <a:tcPr>
@@ -29916,7 +30853,7 @@
                         <a:bodyPr/>
                         <a:lstStyle/>
                         <a:p>
-                          <a:endParaRPr lang="pl-PL"/>
+                          <a:endParaRPr lang="en-US"/>
                         </a:p>
                       </a:txBody>
                       <a:tcPr>
@@ -30013,7 +30950,7 @@
           <a:lstStyle/>
           <a:p>
             <a:r>
-              <a:rPr lang="pl-PL" dirty="0"/>
+              <a:rPr lang="pl-PL"/>
               <a:t>Wybrane układy cyfrowe</a:t>
             </a:r>
           </a:p>
@@ -30097,7 +31034,7 @@
                               </m:oMath>
                             </m:oMathPara>
                           </a14:m>
-                          <a:endParaRPr lang="pl-PL" dirty="0"/>
+                          <a:endParaRPr lang="pl-PL"/>
                         </a:p>
                       </a:txBody>
                       <a:tcPr>
@@ -30142,7 +31079,7 @@
                               </m:oMath>
                             </m:oMathPara>
                           </a14:m>
-                          <a:endParaRPr lang="pl-PL" dirty="0"/>
+                          <a:endParaRPr lang="pl-PL"/>
                         </a:p>
                       </a:txBody>
                       <a:tcPr>
@@ -30210,7 +31147,7 @@
                               </m:oMath>
                             </m:oMathPara>
                           </a14:m>
-                          <a:endParaRPr lang="pl-PL" dirty="0"/>
+                          <a:endParaRPr lang="pl-PL"/>
                         </a:p>
                       </a:txBody>
                       <a:tcPr>
@@ -30278,7 +31215,7 @@
                               </m:oMath>
                             </m:oMathPara>
                           </a14:m>
-                          <a:endParaRPr lang="pl-PL" b="0" dirty="0"/>
+                          <a:endParaRPr lang="pl-PL" b="0"/>
                         </a:p>
                       </a:txBody>
                       <a:tcPr>
@@ -30339,7 +31276,7 @@
                               </m:oMath>
                             </m:oMathPara>
                           </a14:m>
-                          <a:endParaRPr lang="pl-PL" b="0" dirty="0"/>
+                          <a:endParaRPr lang="pl-PL" b="0"/>
                         </a:p>
                       </a:txBody>
                       <a:tcPr>
@@ -30418,7 +31355,7 @@
                               </m:oMath>
                             </m:oMathPara>
                           </a14:m>
-                          <a:endParaRPr lang="pl-PL" b="0" dirty="0"/>
+                          <a:endParaRPr lang="pl-PL" b="0"/>
                         </a:p>
                       </a:txBody>
                       <a:tcPr>
@@ -30486,7 +31423,7 @@
                               </m:oMath>
                             </m:oMathPara>
                           </a14:m>
-                          <a:endParaRPr lang="pl-PL" b="0" dirty="0"/>
+                          <a:endParaRPr lang="pl-PL" b="0"/>
                         </a:p>
                       </a:txBody>
                       <a:tcPr>
@@ -30538,7 +31475,7 @@
                               </m:oMath>
                             </m:oMathPara>
                           </a14:m>
-                          <a:endParaRPr lang="pl-PL" b="0" dirty="0"/>
+                          <a:endParaRPr lang="pl-PL" b="0"/>
                         </a:p>
                       </a:txBody>
                       <a:tcPr>
@@ -30617,7 +31554,7 @@
                               </m:oMath>
                             </m:oMathPara>
                           </a14:m>
-                          <a:endParaRPr lang="pl-PL" b="0" dirty="0"/>
+                          <a:endParaRPr lang="pl-PL" b="0"/>
                         </a:p>
                       </a:txBody>
                       <a:tcPr>
@@ -30676,7 +31613,7 @@
                               </m:oMath>
                             </m:oMathPara>
                           </a14:m>
-                          <a:endParaRPr lang="pl-PL" b="0" dirty="0"/>
+                          <a:endParaRPr lang="pl-PL" b="0"/>
                         </a:p>
                       </a:txBody>
                       <a:tcPr>
@@ -30728,7 +31665,7 @@
                               </m:oMath>
                             </m:oMathPara>
                           </a14:m>
-                          <a:endParaRPr lang="pl-PL" b="0" dirty="0"/>
+                          <a:endParaRPr lang="pl-PL" b="0"/>
                         </a:p>
                       </a:txBody>
                       <a:tcPr>
@@ -30807,7 +31744,7 @@
                               </m:oMath>
                             </m:oMathPara>
                           </a14:m>
-                          <a:endParaRPr lang="pl-PL" b="0" dirty="0"/>
+                          <a:endParaRPr lang="pl-PL" b="0"/>
                         </a:p>
                       </a:txBody>
                       <a:tcPr>
@@ -30866,7 +31803,7 @@
                               </m:oMath>
                             </m:oMathPara>
                           </a14:m>
-                          <a:endParaRPr lang="pl-PL" b="0" dirty="0"/>
+                          <a:endParaRPr lang="pl-PL" b="0"/>
                         </a:p>
                       </a:txBody>
                       <a:tcPr>
@@ -30918,7 +31855,7 @@
                               </m:oMath>
                             </m:oMathPara>
                           </a14:m>
-                          <a:endParaRPr lang="pl-PL" b="0" dirty="0"/>
+                          <a:endParaRPr lang="pl-PL" b="0"/>
                         </a:p>
                       </a:txBody>
                       <a:tcPr>
@@ -30988,7 +31925,7 @@
                               </m:oMath>
                             </m:oMathPara>
                           </a14:m>
-                          <a:endParaRPr lang="pl-PL" b="0" dirty="0"/>
+                          <a:endParaRPr lang="pl-PL" b="0"/>
                         </a:p>
                       </a:txBody>
                       <a:tcPr>
@@ -31075,7 +32012,7 @@
                         <a:bodyPr/>
                         <a:lstStyle/>
                         <a:p>
-                          <a:endParaRPr lang="pl-PL"/>
+                          <a:endParaRPr lang="en-US"/>
                         </a:p>
                       </a:txBody>
                       <a:tcPr>
@@ -31098,7 +32035,7 @@
                           <a:tailEnd type="none" w="med" len="med"/>
                         </a:lnB>
                         <a:blipFill>
-                          <a:blip r:embed="rId2"/>
+                          <a:blip r:embed="rId3"/>
                           <a:stretch>
                             <a:fillRect l="-787" t="-1724" r="-201575" b="-403448"/>
                           </a:stretch>
@@ -31110,7 +32047,7 @@
                         <a:bodyPr/>
                         <a:lstStyle/>
                         <a:p>
-                          <a:endParaRPr lang="pl-PL"/>
+                          <a:endParaRPr lang="en-US"/>
                         </a:p>
                       </a:txBody>
                       <a:tcPr>
@@ -31142,7 +32079,7 @@
                           <a:tailEnd type="none" w="med" len="med"/>
                         </a:lnB>
                         <a:blipFill>
-                          <a:blip r:embed="rId2"/>
+                          <a:blip r:embed="rId3"/>
                           <a:stretch>
                             <a:fillRect l="-101587" t="-1724" r="-103175" b="-403448"/>
                           </a:stretch>
@@ -31154,7 +32091,7 @@
                         <a:bodyPr/>
                         <a:lstStyle/>
                         <a:p>
-                          <a:endParaRPr lang="pl-PL"/>
+                          <a:endParaRPr lang="en-US"/>
                         </a:p>
                       </a:txBody>
                       <a:tcPr>
@@ -31177,7 +32114,7 @@
                           <a:tailEnd type="none" w="med" len="med"/>
                         </a:lnB>
                         <a:blipFill>
-                          <a:blip r:embed="rId2"/>
+                          <a:blip r:embed="rId3"/>
                           <a:stretch>
                             <a:fillRect l="-200000" t="-1724" r="-2362" b="-403448"/>
                           </a:stretch>
@@ -31196,7 +32133,7 @@
                         <a:bodyPr/>
                         <a:lstStyle/>
                         <a:p>
-                          <a:endParaRPr lang="pl-PL"/>
+                          <a:endParaRPr lang="en-US"/>
                         </a:p>
                       </a:txBody>
                       <a:tcPr>
@@ -31219,7 +32156,7 @@
                           <a:tailEnd type="none" w="med" len="med"/>
                         </a:lnT>
                         <a:blipFill>
-                          <a:blip r:embed="rId2"/>
+                          <a:blip r:embed="rId3"/>
                           <a:stretch>
                             <a:fillRect l="-787" t="-101724" r="-201575" b="-303448"/>
                           </a:stretch>
@@ -31231,7 +32168,7 @@
                         <a:bodyPr/>
                         <a:lstStyle/>
                         <a:p>
-                          <a:endParaRPr lang="pl-PL"/>
+                          <a:endParaRPr lang="en-US"/>
                         </a:p>
                       </a:txBody>
                       <a:tcPr>
@@ -31272,7 +32209,7 @@
                           <a:tailEnd type="none" w="med" len="med"/>
                         </a:lnB>
                         <a:blipFill>
-                          <a:blip r:embed="rId2"/>
+                          <a:blip r:embed="rId3"/>
                           <a:stretch>
                             <a:fillRect l="-101587" t="-101724" r="-103175" b="-303448"/>
                           </a:stretch>
@@ -31284,7 +32221,7 @@
                         <a:bodyPr/>
                         <a:lstStyle/>
                         <a:p>
-                          <a:endParaRPr lang="pl-PL"/>
+                          <a:endParaRPr lang="en-US"/>
                         </a:p>
                       </a:txBody>
                       <a:tcPr>
@@ -31307,7 +32244,7 @@
                           <a:tailEnd type="none" w="med" len="med"/>
                         </a:lnT>
                         <a:blipFill>
-                          <a:blip r:embed="rId2"/>
+                          <a:blip r:embed="rId3"/>
                           <a:stretch>
                             <a:fillRect l="-200000" t="-101724" r="-2362" b="-303448"/>
                           </a:stretch>
@@ -31326,7 +32263,7 @@
                         <a:bodyPr/>
                         <a:lstStyle/>
                         <a:p>
-                          <a:endParaRPr lang="pl-PL"/>
+                          <a:endParaRPr lang="en-US"/>
                         </a:p>
                       </a:txBody>
                       <a:tcPr>
@@ -31340,7 +32277,7 @@
                           <a:tailEnd type="none" w="med" len="med"/>
                         </a:lnR>
                         <a:blipFill>
-                          <a:blip r:embed="rId2"/>
+                          <a:blip r:embed="rId3"/>
                           <a:stretch>
                             <a:fillRect l="-787" t="-205263" r="-201575" b="-208772"/>
                           </a:stretch>
@@ -31352,7 +32289,7 @@
                         <a:bodyPr/>
                         <a:lstStyle/>
                         <a:p>
-                          <a:endParaRPr lang="pl-PL"/>
+                          <a:endParaRPr lang="en-US"/>
                         </a:p>
                       </a:txBody>
                       <a:tcPr>
@@ -31393,7 +32330,7 @@
                           <a:tailEnd type="none" w="med" len="med"/>
                         </a:lnB>
                         <a:blipFill>
-                          <a:blip r:embed="rId2"/>
+                          <a:blip r:embed="rId3"/>
                           <a:stretch>
                             <a:fillRect l="-101587" t="-205263" r="-103175" b="-208772"/>
                           </a:stretch>
@@ -31405,7 +32342,7 @@
                         <a:bodyPr/>
                         <a:lstStyle/>
                         <a:p>
-                          <a:endParaRPr lang="pl-PL"/>
+                          <a:endParaRPr lang="en-US"/>
                         </a:p>
                       </a:txBody>
                       <a:tcPr>
@@ -31419,7 +32356,7 @@
                           <a:tailEnd type="none" w="med" len="med"/>
                         </a:lnL>
                         <a:blipFill>
-                          <a:blip r:embed="rId2"/>
+                          <a:blip r:embed="rId3"/>
                           <a:stretch>
                             <a:fillRect l="-200000" t="-205263" r="-2362" b="-208772"/>
                           </a:stretch>
@@ -31438,7 +32375,7 @@
                         <a:bodyPr/>
                         <a:lstStyle/>
                         <a:p>
-                          <a:endParaRPr lang="pl-PL"/>
+                          <a:endParaRPr lang="en-US"/>
                         </a:p>
                       </a:txBody>
                       <a:tcPr>
@@ -31452,7 +32389,7 @@
                           <a:tailEnd type="none" w="med" len="med"/>
                         </a:lnR>
                         <a:blipFill>
-                          <a:blip r:embed="rId2"/>
+                          <a:blip r:embed="rId3"/>
                           <a:stretch>
                             <a:fillRect l="-787" t="-300000" r="-201575" b="-105172"/>
                           </a:stretch>
@@ -31464,7 +32401,7 @@
                         <a:bodyPr/>
                         <a:lstStyle/>
                         <a:p>
-                          <a:endParaRPr lang="pl-PL"/>
+                          <a:endParaRPr lang="en-US"/>
                         </a:p>
                       </a:txBody>
                       <a:tcPr>
@@ -31505,7 +32442,7 @@
                           <a:tailEnd type="none" w="med" len="med"/>
                         </a:lnB>
                         <a:blipFill>
-                          <a:blip r:embed="rId2"/>
+                          <a:blip r:embed="rId3"/>
                           <a:stretch>
                             <a:fillRect l="-101587" t="-300000" r="-103175" b="-105172"/>
                           </a:stretch>
@@ -31517,7 +32454,7 @@
                         <a:bodyPr/>
                         <a:lstStyle/>
                         <a:p>
-                          <a:endParaRPr lang="pl-PL"/>
+                          <a:endParaRPr lang="en-US"/>
                         </a:p>
                       </a:txBody>
                       <a:tcPr>
@@ -31531,7 +32468,7 @@
                           <a:tailEnd type="none" w="med" len="med"/>
                         </a:lnL>
                         <a:blipFill>
-                          <a:blip r:embed="rId2"/>
+                          <a:blip r:embed="rId3"/>
                           <a:stretch>
                             <a:fillRect l="-200000" t="-300000" r="-2362" b="-105172"/>
                           </a:stretch>
@@ -31550,7 +32487,7 @@
                         <a:bodyPr/>
                         <a:lstStyle/>
                         <a:p>
-                          <a:endParaRPr lang="pl-PL"/>
+                          <a:endParaRPr lang="en-US"/>
                         </a:p>
                       </a:txBody>
                       <a:tcPr>
@@ -31564,7 +32501,7 @@
                           <a:tailEnd type="none" w="med" len="med"/>
                         </a:lnR>
                         <a:blipFill>
-                          <a:blip r:embed="rId2"/>
+                          <a:blip r:embed="rId3"/>
                           <a:stretch>
                             <a:fillRect l="-787" t="-400000" r="-201575" b="-5172"/>
                           </a:stretch>
@@ -31576,7 +32513,7 @@
                         <a:bodyPr/>
                         <a:lstStyle/>
                         <a:p>
-                          <a:endParaRPr lang="pl-PL"/>
+                          <a:endParaRPr lang="en-US"/>
                         </a:p>
                       </a:txBody>
                       <a:tcPr>
@@ -31608,7 +32545,7 @@
                           <a:tailEnd type="none" w="med" len="med"/>
                         </a:lnT>
                         <a:blipFill>
-                          <a:blip r:embed="rId2"/>
+                          <a:blip r:embed="rId3"/>
                           <a:stretch>
                             <a:fillRect l="-101587" t="-400000" r="-103175" b="-5172"/>
                           </a:stretch>
@@ -31620,7 +32557,7 @@
                         <a:bodyPr/>
                         <a:lstStyle/>
                         <a:p>
-                          <a:endParaRPr lang="pl-PL"/>
+                          <a:endParaRPr lang="en-US"/>
                         </a:p>
                       </a:txBody>
                       <a:tcPr>
@@ -31634,7 +32571,7 @@
                           <a:tailEnd type="none" w="med" len="med"/>
                         </a:lnL>
                         <a:blipFill>
-                          <a:blip r:embed="rId2"/>
+                          <a:blip r:embed="rId3"/>
                           <a:stretch>
                             <a:fillRect l="-200000" t="-400000" r="-2362" b="-5172"/>
                           </a:stretch>
@@ -31678,7 +32615,6 @@
               <a:rPr lang="pl-PL"/>
               <a:t>27 luty 2019</a:t>
             </a:r>
-            <a:endParaRPr lang="pl-PL" dirty="0"/>
           </a:p>
         </p:txBody>
       </p:sp>
@@ -31762,7 +32698,7 @@
           <a:lstStyle/>
           <a:p>
             <a:r>
-              <a:rPr lang="pl-PL" dirty="0"/>
+              <a:rPr lang="pl-PL"/>
               <a:t>Układy kombinacyjne – bramka AND, OR i NOT</a:t>
             </a:r>
           </a:p>
@@ -31797,10 +32733,10 @@
           <a:lstStyle/>
           <a:p>
             <a:r>
-              <a:rPr lang="pl-PL" sz="1400" dirty="0"/>
+              <a:rPr lang="pl-PL" sz="1400"/>
               <a:t>Bramka AND – Iloczyn logiczny</a:t>
             </a:r>
-            <a:endParaRPr lang="pl-PL" sz="1400" b="0" dirty="0">
+            <a:endParaRPr lang="pl-PL" sz="1400" b="0">
               <a:ea typeface="Cambria Math" panose="02040503050406030204" pitchFamily="18" charset="0"/>
             </a:endParaRPr>
           </a:p>
@@ -31835,10 +32771,10 @@
           <a:lstStyle/>
           <a:p>
             <a:r>
-              <a:rPr lang="pl-PL" sz="1400" dirty="0"/>
+              <a:rPr lang="pl-PL" sz="1400"/>
               <a:t>Bramka OR – Suma logiczna</a:t>
             </a:r>
-            <a:endParaRPr lang="pl-PL" sz="1400" b="0" dirty="0">
+            <a:endParaRPr lang="pl-PL" sz="1400" b="0">
               <a:ea typeface="Cambria Math" panose="02040503050406030204" pitchFamily="18" charset="0"/>
             </a:endParaRPr>
           </a:p>
@@ -31873,10 +32809,10 @@
           <a:lstStyle/>
           <a:p>
             <a:r>
-              <a:rPr lang="pl-PL" sz="1400" dirty="0"/>
+              <a:rPr lang="pl-PL" sz="1400"/>
               <a:t>Bramka NOT – Negacja</a:t>
             </a:r>
-            <a:endParaRPr lang="pl-PL" sz="1400" b="0" dirty="0">
+            <a:endParaRPr lang="pl-PL" sz="1400" b="0">
               <a:ea typeface="Cambria Math" panose="02040503050406030204" pitchFamily="18" charset="0"/>
             </a:endParaRPr>
           </a:p>
@@ -31952,7 +32888,7 @@
                               </m:oMath>
                             </m:oMathPara>
                           </a14:m>
-                          <a:endParaRPr lang="pl-PL" dirty="0"/>
+                          <a:endParaRPr lang="pl-PL"/>
                         </a:p>
                       </a:txBody>
                       <a:tcPr>
@@ -32000,7 +32936,7 @@
                               </m:oMath>
                             </m:oMathPara>
                           </a14:m>
-                          <a:endParaRPr lang="pl-PL" dirty="0"/>
+                          <a:endParaRPr lang="pl-PL"/>
                         </a:p>
                       </a:txBody>
                       <a:tcPr>
@@ -32059,7 +32995,7 @@
                               </m:oMath>
                             </m:oMathPara>
                           </a14:m>
-                          <a:endParaRPr lang="pl-PL" b="0" dirty="0"/>
+                          <a:endParaRPr lang="pl-PL" b="0"/>
                         </a:p>
                       </a:txBody>
                       <a:tcPr>
@@ -32111,7 +33047,7 @@
                               </m:oMath>
                             </m:oMathPara>
                           </a14:m>
-                          <a:endParaRPr lang="pl-PL" b="0" dirty="0"/>
+                          <a:endParaRPr lang="pl-PL" b="0"/>
                         </a:p>
                       </a:txBody>
                       <a:tcPr>
@@ -32170,7 +33106,7 @@
                               </m:oMath>
                             </m:oMathPara>
                           </a14:m>
-                          <a:endParaRPr lang="pl-PL" b="0" dirty="0"/>
+                          <a:endParaRPr lang="pl-PL" b="0"/>
                         </a:p>
                       </a:txBody>
                       <a:tcPr>
@@ -32222,7 +33158,7 @@
                               </m:oMath>
                             </m:oMathPara>
                           </a14:m>
-                          <a:endParaRPr lang="pl-PL" b="0" dirty="0"/>
+                          <a:endParaRPr lang="pl-PL" b="0"/>
                         </a:p>
                       </a:txBody>
                       <a:tcPr>
@@ -32301,7 +33237,7 @@
                         <a:bodyPr/>
                         <a:lstStyle/>
                         <a:p>
-                          <a:endParaRPr lang="pl-PL"/>
+                          <a:endParaRPr lang="en-US"/>
                         </a:p>
                       </a:txBody>
                       <a:tcPr>
@@ -32315,7 +33251,7 @@
                           <a:tailEnd type="none" w="med" len="med"/>
                         </a:lnR>
                         <a:blipFill>
-                          <a:blip r:embed="rId3"/>
+                          <a:blip r:embed="rId4"/>
                           <a:stretch>
                             <a:fillRect l="-787" t="-1724" r="-101575" b="-205172"/>
                           </a:stretch>
@@ -32327,7 +33263,7 @@
                         <a:bodyPr/>
                         <a:lstStyle/>
                         <a:p>
-                          <a:endParaRPr lang="pl-PL"/>
+                          <a:endParaRPr lang="en-US"/>
                         </a:p>
                       </a:txBody>
                       <a:tcPr>
@@ -32341,7 +33277,7 @@
                           <a:tailEnd type="none" w="med" len="med"/>
                         </a:lnL>
                         <a:blipFill>
-                          <a:blip r:embed="rId3"/>
+                          <a:blip r:embed="rId4"/>
                           <a:stretch>
                             <a:fillRect l="-101587" t="-1724" r="-2381" b="-205172"/>
                           </a:stretch>
@@ -32360,7 +33296,7 @@
                         <a:bodyPr/>
                         <a:lstStyle/>
                         <a:p>
-                          <a:endParaRPr lang="pl-PL"/>
+                          <a:endParaRPr lang="en-US"/>
                         </a:p>
                       </a:txBody>
                       <a:tcPr>
@@ -32374,7 +33310,7 @@
                           <a:tailEnd type="none" w="med" len="med"/>
                         </a:lnR>
                         <a:blipFill>
-                          <a:blip r:embed="rId3"/>
+                          <a:blip r:embed="rId4"/>
                           <a:stretch>
                             <a:fillRect l="-787" t="-103509" r="-101575" b="-108772"/>
                           </a:stretch>
@@ -32386,7 +33322,7 @@
                         <a:bodyPr/>
                         <a:lstStyle/>
                         <a:p>
-                          <a:endParaRPr lang="pl-PL"/>
+                          <a:endParaRPr lang="en-US"/>
                         </a:p>
                       </a:txBody>
                       <a:tcPr>
@@ -32400,7 +33336,7 @@
                           <a:tailEnd type="none" w="med" len="med"/>
                         </a:lnL>
                         <a:blipFill>
-                          <a:blip r:embed="rId3"/>
+                          <a:blip r:embed="rId4"/>
                           <a:stretch>
                             <a:fillRect l="-101587" t="-103509" r="-2381" b="-108772"/>
                           </a:stretch>
@@ -32419,7 +33355,7 @@
                         <a:bodyPr/>
                         <a:lstStyle/>
                         <a:p>
-                          <a:endParaRPr lang="pl-PL"/>
+                          <a:endParaRPr lang="en-US"/>
                         </a:p>
                       </a:txBody>
                       <a:tcPr>
@@ -32433,7 +33369,7 @@
                           <a:tailEnd type="none" w="med" len="med"/>
                         </a:lnR>
                         <a:blipFill>
-                          <a:blip r:embed="rId3"/>
+                          <a:blip r:embed="rId4"/>
                           <a:stretch>
                             <a:fillRect l="-787" t="-200000" r="-101575" b="-6897"/>
                           </a:stretch>
@@ -32445,7 +33381,7 @@
                         <a:bodyPr/>
                         <a:lstStyle/>
                         <a:p>
-                          <a:endParaRPr lang="pl-PL"/>
+                          <a:endParaRPr lang="en-US"/>
                         </a:p>
                       </a:txBody>
                       <a:tcPr>
@@ -32459,7 +33395,7 @@
                           <a:tailEnd type="none" w="med" len="med"/>
                         </a:lnL>
                         <a:blipFill>
-                          <a:blip r:embed="rId3"/>
+                          <a:blip r:embed="rId4"/>
                           <a:stretch>
                             <a:fillRect l="-101587" t="-200000" r="-2381" b="-6897"/>
                           </a:stretch>
@@ -32555,7 +33491,7 @@
                               </m:oMath>
                             </m:oMathPara>
                           </a14:m>
-                          <a:endParaRPr lang="pl-PL" dirty="0"/>
+                          <a:endParaRPr lang="pl-PL"/>
                         </a:p>
                       </a:txBody>
                       <a:tcPr>
@@ -32600,7 +33536,7 @@
                               </m:oMath>
                             </m:oMathPara>
                           </a14:m>
-                          <a:endParaRPr lang="pl-PL" dirty="0"/>
+                          <a:endParaRPr lang="pl-PL"/>
                         </a:p>
                       </a:txBody>
                       <a:tcPr>
@@ -32667,7 +33603,7 @@
                               </m:oMath>
                             </m:oMathPara>
                           </a14:m>
-                          <a:endParaRPr lang="pl-PL" dirty="0"/>
+                          <a:endParaRPr lang="pl-PL"/>
                         </a:p>
                       </a:txBody>
                       <a:tcPr>
@@ -32735,7 +33671,7 @@
                               </m:oMath>
                             </m:oMathPara>
                           </a14:m>
-                          <a:endParaRPr lang="pl-PL" b="0" dirty="0"/>
+                          <a:endParaRPr lang="pl-PL" b="0"/>
                         </a:p>
                       </a:txBody>
                       <a:tcPr>
@@ -32796,7 +33732,7 @@
                               </m:oMath>
                             </m:oMathPara>
                           </a14:m>
-                          <a:endParaRPr lang="pl-PL" b="0" dirty="0"/>
+                          <a:endParaRPr lang="pl-PL" b="0"/>
                         </a:p>
                       </a:txBody>
                       <a:tcPr>
@@ -32875,7 +33811,7 @@
                               </m:oMath>
                             </m:oMathPara>
                           </a14:m>
-                          <a:endParaRPr lang="pl-PL" b="0" dirty="0"/>
+                          <a:endParaRPr lang="pl-PL" b="0"/>
                         </a:p>
                       </a:txBody>
                       <a:tcPr>
@@ -32943,7 +33879,7 @@
                               </m:oMath>
                             </m:oMathPara>
                           </a14:m>
-                          <a:endParaRPr lang="pl-PL" b="0" dirty="0"/>
+                          <a:endParaRPr lang="pl-PL" b="0"/>
                         </a:p>
                       </a:txBody>
                       <a:tcPr>
@@ -32995,7 +33931,7 @@
                               </m:oMath>
                             </m:oMathPara>
                           </a14:m>
-                          <a:endParaRPr lang="pl-PL" b="0" dirty="0"/>
+                          <a:endParaRPr lang="pl-PL" b="0"/>
                         </a:p>
                       </a:txBody>
                       <a:tcPr>
@@ -33074,7 +34010,7 @@
                               </m:oMath>
                             </m:oMathPara>
                           </a14:m>
-                          <a:endParaRPr lang="pl-PL" b="0" dirty="0"/>
+                          <a:endParaRPr lang="pl-PL" b="0"/>
                         </a:p>
                       </a:txBody>
                       <a:tcPr>
@@ -33133,7 +34069,7 @@
                               </m:oMath>
                             </m:oMathPara>
                           </a14:m>
-                          <a:endParaRPr lang="pl-PL" b="0" dirty="0"/>
+                          <a:endParaRPr lang="pl-PL" b="0"/>
                         </a:p>
                       </a:txBody>
                       <a:tcPr>
@@ -33185,7 +34121,7 @@
                               </m:oMath>
                             </m:oMathPara>
                           </a14:m>
-                          <a:endParaRPr lang="pl-PL" b="0" dirty="0"/>
+                          <a:endParaRPr lang="pl-PL" b="0"/>
                         </a:p>
                       </a:txBody>
                       <a:tcPr>
@@ -33264,7 +34200,7 @@
                               </m:oMath>
                             </m:oMathPara>
                           </a14:m>
-                          <a:endParaRPr lang="pl-PL" b="0" dirty="0"/>
+                          <a:endParaRPr lang="pl-PL" b="0"/>
                         </a:p>
                       </a:txBody>
                       <a:tcPr>
@@ -33323,7 +34259,7 @@
                               </m:oMath>
                             </m:oMathPara>
                           </a14:m>
-                          <a:endParaRPr lang="pl-PL" b="0" dirty="0"/>
+                          <a:endParaRPr lang="pl-PL" b="0"/>
                         </a:p>
                       </a:txBody>
                       <a:tcPr>
@@ -33375,7 +34311,7 @@
                               </m:oMath>
                             </m:oMathPara>
                           </a14:m>
-                          <a:endParaRPr lang="pl-PL" b="0" dirty="0"/>
+                          <a:endParaRPr lang="pl-PL" b="0"/>
                         </a:p>
                       </a:txBody>
                       <a:tcPr>
@@ -33445,7 +34381,7 @@
                               </m:oMath>
                             </m:oMathPara>
                           </a14:m>
-                          <a:endParaRPr lang="pl-PL" b="0" dirty="0"/>
+                          <a:endParaRPr lang="pl-PL" b="0"/>
                         </a:p>
                       </a:txBody>
                       <a:tcPr>
@@ -33531,7 +34467,7 @@
                         <a:bodyPr/>
                         <a:lstStyle/>
                         <a:p>
-                          <a:endParaRPr lang="pl-PL"/>
+                          <a:endParaRPr lang="en-US"/>
                         </a:p>
                       </a:txBody>
                       <a:tcPr>
@@ -33554,7 +34490,7 @@
                           <a:tailEnd type="none" w="med" len="med"/>
                         </a:lnB>
                         <a:blipFill>
-                          <a:blip r:embed="rId4"/>
+                          <a:blip r:embed="rId5"/>
                           <a:stretch>
                             <a:fillRect l="-787" t="-1724" r="-201575" b="-403448"/>
                           </a:stretch>
@@ -33566,7 +34502,7 @@
                         <a:bodyPr/>
                         <a:lstStyle/>
                         <a:p>
-                          <a:endParaRPr lang="pl-PL"/>
+                          <a:endParaRPr lang="en-US"/>
                         </a:p>
                       </a:txBody>
                       <a:tcPr>
@@ -33598,7 +34534,7 @@
                           <a:tailEnd type="none" w="med" len="med"/>
                         </a:lnB>
                         <a:blipFill>
-                          <a:blip r:embed="rId4"/>
+                          <a:blip r:embed="rId5"/>
                           <a:stretch>
                             <a:fillRect l="-101587" t="-1724" r="-103175" b="-403448"/>
                           </a:stretch>
@@ -33610,7 +34546,7 @@
                         <a:bodyPr/>
                         <a:lstStyle/>
                         <a:p>
-                          <a:endParaRPr lang="pl-PL"/>
+                          <a:endParaRPr lang="en-US"/>
                         </a:p>
                       </a:txBody>
                       <a:tcPr>
@@ -33633,7 +34569,7 @@
                           <a:tailEnd type="none" w="med" len="med"/>
                         </a:lnB>
                         <a:blipFill>
-                          <a:blip r:embed="rId4"/>
+                          <a:blip r:embed="rId5"/>
                           <a:stretch>
                             <a:fillRect l="-200000" t="-1724" r="-2362" b="-403448"/>
                           </a:stretch>
@@ -33652,7 +34588,7 @@
                         <a:bodyPr/>
                         <a:lstStyle/>
                         <a:p>
-                          <a:endParaRPr lang="pl-PL"/>
+                          <a:endParaRPr lang="en-US"/>
                         </a:p>
                       </a:txBody>
                       <a:tcPr>
@@ -33675,7 +34611,7 @@
                           <a:tailEnd type="none" w="med" len="med"/>
                         </a:lnT>
                         <a:blipFill>
-                          <a:blip r:embed="rId4"/>
+                          <a:blip r:embed="rId5"/>
                           <a:stretch>
                             <a:fillRect l="-787" t="-101724" r="-201575" b="-303448"/>
                           </a:stretch>
@@ -33687,7 +34623,7 @@
                         <a:bodyPr/>
                         <a:lstStyle/>
                         <a:p>
-                          <a:endParaRPr lang="pl-PL"/>
+                          <a:endParaRPr lang="en-US"/>
                         </a:p>
                       </a:txBody>
                       <a:tcPr>
@@ -33728,7 +34664,7 @@
                           <a:tailEnd type="none" w="med" len="med"/>
                         </a:lnB>
                         <a:blipFill>
-                          <a:blip r:embed="rId4"/>
+                          <a:blip r:embed="rId5"/>
                           <a:stretch>
                             <a:fillRect l="-101587" t="-101724" r="-103175" b="-303448"/>
                           </a:stretch>
@@ -33740,7 +34676,7 @@
                         <a:bodyPr/>
                         <a:lstStyle/>
                         <a:p>
-                          <a:endParaRPr lang="pl-PL"/>
+                          <a:endParaRPr lang="en-US"/>
                         </a:p>
                       </a:txBody>
                       <a:tcPr>
@@ -33763,7 +34699,7 @@
                           <a:tailEnd type="none" w="med" len="med"/>
                         </a:lnT>
                         <a:blipFill>
-                          <a:blip r:embed="rId4"/>
+                          <a:blip r:embed="rId5"/>
                           <a:stretch>
                             <a:fillRect l="-200000" t="-101724" r="-2362" b="-303448"/>
                           </a:stretch>
@@ -33782,7 +34718,7 @@
                         <a:bodyPr/>
                         <a:lstStyle/>
                         <a:p>
-                          <a:endParaRPr lang="pl-PL"/>
+                          <a:endParaRPr lang="en-US"/>
                         </a:p>
                       </a:txBody>
                       <a:tcPr>
@@ -33796,7 +34732,7 @@
                           <a:tailEnd type="none" w="med" len="med"/>
                         </a:lnR>
                         <a:blipFill>
-                          <a:blip r:embed="rId4"/>
+                          <a:blip r:embed="rId5"/>
                           <a:stretch>
                             <a:fillRect l="-787" t="-205263" r="-201575" b="-208772"/>
                           </a:stretch>
@@ -33808,7 +34744,7 @@
                         <a:bodyPr/>
                         <a:lstStyle/>
                         <a:p>
-                          <a:endParaRPr lang="pl-PL"/>
+                          <a:endParaRPr lang="en-US"/>
                         </a:p>
                       </a:txBody>
                       <a:tcPr>
@@ -33849,7 +34785,7 @@
                           <a:tailEnd type="none" w="med" len="med"/>
                         </a:lnB>
                         <a:blipFill>
-                          <a:blip r:embed="rId4"/>
+                          <a:blip r:embed="rId5"/>
                           <a:stretch>
                             <a:fillRect l="-101587" t="-205263" r="-103175" b="-208772"/>
                           </a:stretch>
@@ -33861,7 +34797,7 @@
                         <a:bodyPr/>
                         <a:lstStyle/>
                         <a:p>
-                          <a:endParaRPr lang="pl-PL"/>
+                          <a:endParaRPr lang="en-US"/>
                         </a:p>
                       </a:txBody>
                       <a:tcPr>
@@ -33875,7 +34811,7 @@
                           <a:tailEnd type="none" w="med" len="med"/>
                         </a:lnL>
                         <a:blipFill>
-                          <a:blip r:embed="rId4"/>
+                          <a:blip r:embed="rId5"/>
                           <a:stretch>
                             <a:fillRect l="-200000" t="-205263" r="-2362" b="-208772"/>
                           </a:stretch>
@@ -33894,7 +34830,7 @@
                         <a:bodyPr/>
                         <a:lstStyle/>
                         <a:p>
-                          <a:endParaRPr lang="pl-PL"/>
+                          <a:endParaRPr lang="en-US"/>
                         </a:p>
                       </a:txBody>
                       <a:tcPr>
@@ -33908,7 +34844,7 @@
                           <a:tailEnd type="none" w="med" len="med"/>
                         </a:lnR>
                         <a:blipFill>
-                          <a:blip r:embed="rId4"/>
+                          <a:blip r:embed="rId5"/>
                           <a:stretch>
                             <a:fillRect l="-787" t="-300000" r="-201575" b="-105172"/>
                           </a:stretch>
@@ -33920,7 +34856,7 @@
                         <a:bodyPr/>
                         <a:lstStyle/>
                         <a:p>
-                          <a:endParaRPr lang="pl-PL"/>
+                          <a:endParaRPr lang="en-US"/>
                         </a:p>
                       </a:txBody>
                       <a:tcPr>
@@ -33961,7 +34897,7 @@
                           <a:tailEnd type="none" w="med" len="med"/>
                         </a:lnB>
                         <a:blipFill>
-                          <a:blip r:embed="rId4"/>
+                          <a:blip r:embed="rId5"/>
                           <a:stretch>
                             <a:fillRect l="-101587" t="-300000" r="-103175" b="-105172"/>
                           </a:stretch>
@@ -33973,7 +34909,7 @@
                         <a:bodyPr/>
                         <a:lstStyle/>
                         <a:p>
-                          <a:endParaRPr lang="pl-PL"/>
+                          <a:endParaRPr lang="en-US"/>
                         </a:p>
                       </a:txBody>
                       <a:tcPr>
@@ -33987,7 +34923,7 @@
                           <a:tailEnd type="none" w="med" len="med"/>
                         </a:lnL>
                         <a:blipFill>
-                          <a:blip r:embed="rId4"/>
+                          <a:blip r:embed="rId5"/>
                           <a:stretch>
                             <a:fillRect l="-200000" t="-300000" r="-2362" b="-105172"/>
                           </a:stretch>
@@ -34006,7 +34942,7 @@
                         <a:bodyPr/>
                         <a:lstStyle/>
                         <a:p>
-                          <a:endParaRPr lang="pl-PL"/>
+                          <a:endParaRPr lang="en-US"/>
                         </a:p>
                       </a:txBody>
                       <a:tcPr>
@@ -34020,7 +34956,7 @@
                           <a:tailEnd type="none" w="med" len="med"/>
                         </a:lnR>
                         <a:blipFill>
-                          <a:blip r:embed="rId4"/>
+                          <a:blip r:embed="rId5"/>
                           <a:stretch>
                             <a:fillRect l="-787" t="-400000" r="-201575" b="-5172"/>
                           </a:stretch>
@@ -34032,7 +34968,7 @@
                         <a:bodyPr/>
                         <a:lstStyle/>
                         <a:p>
-                          <a:endParaRPr lang="pl-PL"/>
+                          <a:endParaRPr lang="en-US"/>
                         </a:p>
                       </a:txBody>
                       <a:tcPr>
@@ -34064,7 +35000,7 @@
                           <a:tailEnd type="none" w="med" len="med"/>
                         </a:lnT>
                         <a:blipFill>
-                          <a:blip r:embed="rId4"/>
+                          <a:blip r:embed="rId5"/>
                           <a:stretch>
                             <a:fillRect l="-101587" t="-400000" r="-103175" b="-5172"/>
                           </a:stretch>
@@ -34076,7 +35012,7 @@
                         <a:bodyPr/>
                         <a:lstStyle/>
                         <a:p>
-                          <a:endParaRPr lang="pl-PL"/>
+                          <a:endParaRPr lang="en-US"/>
                         </a:p>
                       </a:txBody>
                       <a:tcPr>
@@ -34090,7 +35026,7 @@
                           <a:tailEnd type="none" w="med" len="med"/>
                         </a:lnL>
                         <a:blipFill>
-                          <a:blip r:embed="rId4"/>
+                          <a:blip r:embed="rId5"/>
                           <a:stretch>
                             <a:fillRect l="-200000" t="-400000" r="-2362" b="-5172"/>
                           </a:stretch>
@@ -35027,7 +35963,7 @@
             <a:lstStyle/>
             <a:p>
               <a:pPr algn="ctr"/>
-              <a:endParaRPr lang="pl-PL" dirty="0"/>
+              <a:endParaRPr lang="pl-PL"/>
             </a:p>
           </p:txBody>
         </p:sp>
@@ -35096,7 +36032,7 @@
           <a:lstStyle/>
           <a:p>
             <a:r>
-              <a:rPr lang="pl-PL" dirty="0"/>
+              <a:rPr lang="pl-PL"/>
               <a:t>Wybrane układy cyfrowe</a:t>
             </a:r>
           </a:p>
@@ -35127,7 +36063,6 @@
               <a:rPr lang="pl-PL"/>
               <a:t>27 luty 2019</a:t>
             </a:r>
-            <a:endParaRPr lang="pl-PL" dirty="0"/>
           </a:p>
         </p:txBody>
       </p:sp>
@@ -35211,7 +36146,7 @@
           <a:lstStyle/>
           <a:p>
             <a:r>
-              <a:rPr lang="pl-PL" dirty="0"/>
+              <a:rPr lang="pl-PL"/>
               <a:t>Układy sekwencyjne – przerzutnik RS i JK</a:t>
             </a:r>
           </a:p>
@@ -35246,18 +36181,18 @@
           <a:lstStyle/>
           <a:p>
             <a:r>
-              <a:rPr lang="pl-PL" sz="1400" b="0" dirty="0">
+              <a:rPr lang="pl-PL" sz="1400" b="0">
                 <a:ea typeface="Cambria Math" panose="02040503050406030204" pitchFamily="18" charset="0"/>
               </a:rPr>
               <a:t>Przerzutnik </a:t>
             </a:r>
             <a:r>
-              <a:rPr lang="pl-PL" sz="1400" dirty="0">
+              <a:rPr lang="pl-PL" sz="1400">
                 <a:ea typeface="Cambria Math" panose="02040503050406030204" pitchFamily="18" charset="0"/>
               </a:rPr>
               <a:t>D</a:t>
             </a:r>
-            <a:endParaRPr lang="pl-PL" sz="1400" b="0" dirty="0">
+            <a:endParaRPr lang="pl-PL" sz="1400" b="0">
               <a:ea typeface="Cambria Math" panose="02040503050406030204" pitchFamily="18" charset="0"/>
             </a:endParaRPr>
           </a:p>
@@ -35292,10 +36227,10 @@
           <a:lstStyle/>
           <a:p>
             <a:r>
-              <a:rPr lang="pl-PL" sz="1400" dirty="0"/>
+              <a:rPr lang="pl-PL" sz="1400"/>
               <a:t>Przerzutnik JK</a:t>
             </a:r>
-            <a:endParaRPr lang="pl-PL" sz="1400" b="0" dirty="0">
+            <a:endParaRPr lang="pl-PL" sz="1400" b="0">
               <a:ea typeface="Cambria Math" panose="02040503050406030204" pitchFamily="18" charset="0"/>
             </a:endParaRPr>
           </a:p>
@@ -35378,7 +36313,7 @@
                               </m:oMath>
                             </m:oMathPara>
                           </a14:m>
-                          <a:endParaRPr lang="pl-PL" dirty="0"/>
+                          <a:endParaRPr lang="pl-PL"/>
                         </a:p>
                       </a:txBody>
                       <a:tcPr>
@@ -35414,7 +36349,7 @@
                               </m:oMath>
                             </m:oMathPara>
                           </a14:m>
-                          <a:endParaRPr lang="pl-PL" dirty="0"/>
+                          <a:endParaRPr lang="pl-PL"/>
                         </a:p>
                       </a:txBody>
                       <a:tcPr>
@@ -35499,7 +36434,7 @@
                               </m:oMath>
                             </m:oMathPara>
                           </a14:m>
-                          <a:endParaRPr lang="pl-PL" dirty="0"/>
+                          <a:endParaRPr lang="pl-PL"/>
                         </a:p>
                       </a:txBody>
                       <a:tcPr>
@@ -35567,7 +36502,7 @@
                               </m:oMath>
                             </m:oMathPara>
                           </a14:m>
-                          <a:endParaRPr lang="pl-PL" b="0" dirty="0"/>
+                          <a:endParaRPr lang="pl-PL" b="0"/>
                         </a:p>
                       </a:txBody>
                       <a:tcPr>
@@ -35619,7 +36554,7 @@
                               </m:oMath>
                             </m:oMathPara>
                           </a14:m>
-                          <a:endParaRPr lang="pl-PL" b="0" dirty="0"/>
+                          <a:endParaRPr lang="pl-PL" b="0"/>
                         </a:p>
                       </a:txBody>
                       <a:tcPr>
@@ -35717,7 +36652,7 @@
                               </m:oMath>
                             </m:oMathPara>
                           </a14:m>
-                          <a:endParaRPr lang="pl-PL" b="0" dirty="0"/>
+                          <a:endParaRPr lang="pl-PL" b="0"/>
                         </a:p>
                       </a:txBody>
                       <a:tcPr>
@@ -35785,7 +36720,7 @@
                               </m:oMath>
                             </m:oMathPara>
                           </a14:m>
-                          <a:endParaRPr lang="pl-PL" b="0" dirty="0"/>
+                          <a:endParaRPr lang="pl-PL" b="0"/>
                         </a:p>
                       </a:txBody>
                       <a:tcPr>
@@ -35837,7 +36772,7 @@
                               </m:oMath>
                             </m:oMathPara>
                           </a14:m>
-                          <a:endParaRPr lang="pl-PL" b="0" dirty="0"/>
+                          <a:endParaRPr lang="pl-PL" b="0"/>
                         </a:p>
                       </a:txBody>
                       <a:tcPr>
@@ -35916,7 +36851,7 @@
                               </m:oMath>
                             </m:oMathPara>
                           </a14:m>
-                          <a:endParaRPr lang="pl-PL" b="0" dirty="0"/>
+                          <a:endParaRPr lang="pl-PL" b="0"/>
                         </a:p>
                       </a:txBody>
                       <a:tcPr>
@@ -35975,7 +36910,7 @@
                               </m:oMath>
                             </m:oMathPara>
                           </a14:m>
-                          <a:endParaRPr lang="pl-PL" b="0" dirty="0"/>
+                          <a:endParaRPr lang="pl-PL" b="0"/>
                         </a:p>
                       </a:txBody>
                       <a:tcPr>
@@ -36027,7 +36962,7 @@
                               </m:oMath>
                             </m:oMathPara>
                           </a14:m>
-                          <a:endParaRPr lang="pl-PL" b="0" dirty="0"/>
+                          <a:endParaRPr lang="pl-PL" b="0"/>
                         </a:p>
                       </a:txBody>
                       <a:tcPr>
@@ -36106,7 +37041,7 @@
                               </m:oMath>
                             </m:oMathPara>
                           </a14:m>
-                          <a:endParaRPr lang="pl-PL" b="0" dirty="0"/>
+                          <a:endParaRPr lang="pl-PL" b="0"/>
                         </a:p>
                       </a:txBody>
                       <a:tcPr>
@@ -36165,7 +37100,7 @@
                               </m:oMath>
                             </m:oMathPara>
                           </a14:m>
-                          <a:endParaRPr lang="pl-PL" b="0" dirty="0"/>
+                          <a:endParaRPr lang="pl-PL" b="0"/>
                         </a:p>
                       </a:txBody>
                       <a:tcPr>
@@ -36217,7 +37152,7 @@
                               </m:oMath>
                             </m:oMathPara>
                           </a14:m>
-                          <a:endParaRPr lang="pl-PL" b="0" dirty="0"/>
+                          <a:endParaRPr lang="pl-PL" b="0"/>
                         </a:p>
                       </a:txBody>
                       <a:tcPr>
@@ -36324,7 +37259,7 @@
                               </m:oMath>
                             </m:oMathPara>
                           </a14:m>
-                          <a:endParaRPr lang="pl-PL" b="0" dirty="0"/>
+                          <a:endParaRPr lang="pl-PL" b="0"/>
                         </a:p>
                       </a:txBody>
                       <a:tcPr marL="0" marR="0" marT="0" marB="0">
@@ -36410,7 +37345,7 @@
                         <a:bodyPr/>
                         <a:lstStyle/>
                         <a:p>
-                          <a:endParaRPr lang="pl-PL"/>
+                          <a:endParaRPr lang="en-US"/>
                         </a:p>
                       </a:txBody>
                       <a:tcPr>
@@ -36424,7 +37359,7 @@
                           <a:tailEnd type="none" w="med" len="med"/>
                         </a:lnR>
                         <a:blipFill>
-                          <a:blip r:embed="rId2"/>
+                          <a:blip r:embed="rId3"/>
                           <a:stretch>
                             <a:fillRect l="-787" t="-1724" r="-201575" b="-405172"/>
                           </a:stretch>
@@ -36436,7 +37371,7 @@
                         <a:bodyPr/>
                         <a:lstStyle/>
                         <a:p>
-                          <a:endParaRPr lang="pl-PL"/>
+                          <a:endParaRPr lang="en-US"/>
                         </a:p>
                       </a:txBody>
                       <a:tcPr>
@@ -36468,7 +37403,7 @@
                           <a:tailEnd type="none" w="med" len="med"/>
                         </a:lnB>
                         <a:blipFill>
-                          <a:blip r:embed="rId2"/>
+                          <a:blip r:embed="rId3"/>
                           <a:stretch>
                             <a:fillRect l="-101587" t="-1724" r="-103175" b="-405172"/>
                           </a:stretch>
@@ -36480,7 +37415,7 @@
                         <a:bodyPr/>
                         <a:lstStyle/>
                         <a:p>
-                          <a:endParaRPr lang="pl-PL"/>
+                          <a:endParaRPr lang="en-US"/>
                         </a:p>
                       </a:txBody>
                       <a:tcPr>
@@ -36503,7 +37438,7 @@
                           <a:tailEnd type="none" w="med" len="med"/>
                         </a:lnB>
                         <a:blipFill>
-                          <a:blip r:embed="rId2"/>
+                          <a:blip r:embed="rId3"/>
                           <a:stretch>
                             <a:fillRect l="-200000" t="-1724" r="-2362" b="-405172"/>
                           </a:stretch>
@@ -36522,7 +37457,7 @@
                         <a:bodyPr/>
                         <a:lstStyle/>
                         <a:p>
-                          <a:endParaRPr lang="pl-PL"/>
+                          <a:endParaRPr lang="en-US"/>
                         </a:p>
                       </a:txBody>
                       <a:tcPr>
@@ -36536,7 +37471,7 @@
                           <a:tailEnd type="none" w="med" len="med"/>
                         </a:lnR>
                         <a:blipFill>
-                          <a:blip r:embed="rId2"/>
+                          <a:blip r:embed="rId3"/>
                           <a:stretch>
                             <a:fillRect l="-787" t="-103509" r="-201575" b="-312281"/>
                           </a:stretch>
@@ -36548,7 +37483,7 @@
                         <a:bodyPr/>
                         <a:lstStyle/>
                         <a:p>
-                          <a:endParaRPr lang="pl-PL"/>
+                          <a:endParaRPr lang="en-US"/>
                         </a:p>
                       </a:txBody>
                       <a:tcPr>
@@ -36589,7 +37524,7 @@
                           <a:tailEnd type="none" w="med" len="med"/>
                         </a:lnB>
                         <a:blipFill>
-                          <a:blip r:embed="rId2"/>
+                          <a:blip r:embed="rId3"/>
                           <a:stretch>
                             <a:fillRect l="-101587" t="-103509" r="-103175" b="-312281"/>
                           </a:stretch>
@@ -36601,7 +37536,7 @@
                         <a:bodyPr/>
                         <a:lstStyle/>
                         <a:p>
-                          <a:endParaRPr lang="pl-PL"/>
+                          <a:endParaRPr lang="en-US"/>
                         </a:p>
                       </a:txBody>
                       <a:tcPr>
@@ -36624,7 +37559,7 @@
                           <a:tailEnd type="none" w="med" len="med"/>
                         </a:lnT>
                         <a:blipFill>
-                          <a:blip r:embed="rId2"/>
+                          <a:blip r:embed="rId3"/>
                           <a:stretch>
                             <a:fillRect l="-200000" t="-103509" r="-2362" b="-312281"/>
                           </a:stretch>
@@ -36643,7 +37578,7 @@
                         <a:bodyPr/>
                         <a:lstStyle/>
                         <a:p>
-                          <a:endParaRPr lang="pl-PL"/>
+                          <a:endParaRPr lang="en-US"/>
                         </a:p>
                       </a:txBody>
                       <a:tcPr>
@@ -36657,7 +37592,7 @@
                           <a:tailEnd type="none" w="med" len="med"/>
                         </a:lnR>
                         <a:blipFill>
-                          <a:blip r:embed="rId2"/>
+                          <a:blip r:embed="rId3"/>
                           <a:stretch>
                             <a:fillRect l="-787" t="-200000" r="-201575" b="-206897"/>
                           </a:stretch>
@@ -36669,7 +37604,7 @@
                         <a:bodyPr/>
                         <a:lstStyle/>
                         <a:p>
-                          <a:endParaRPr lang="pl-PL"/>
+                          <a:endParaRPr lang="en-US"/>
                         </a:p>
                       </a:txBody>
                       <a:tcPr>
@@ -36710,7 +37645,7 @@
                           <a:tailEnd type="none" w="med" len="med"/>
                         </a:lnB>
                         <a:blipFill>
-                          <a:blip r:embed="rId2"/>
+                          <a:blip r:embed="rId3"/>
                           <a:stretch>
                             <a:fillRect l="-101587" t="-200000" r="-103175" b="-206897"/>
                           </a:stretch>
@@ -36722,7 +37657,7 @@
                         <a:bodyPr/>
                         <a:lstStyle/>
                         <a:p>
-                          <a:endParaRPr lang="pl-PL"/>
+                          <a:endParaRPr lang="en-US"/>
                         </a:p>
                       </a:txBody>
                       <a:tcPr>
@@ -36736,7 +37671,7 @@
                           <a:tailEnd type="none" w="med" len="med"/>
                         </a:lnL>
                         <a:blipFill>
-                          <a:blip r:embed="rId2"/>
+                          <a:blip r:embed="rId3"/>
                           <a:stretch>
                             <a:fillRect l="-200000" t="-200000" r="-2362" b="-206897"/>
                           </a:stretch>
@@ -36755,7 +37690,7 @@
                         <a:bodyPr/>
                         <a:lstStyle/>
                         <a:p>
-                          <a:endParaRPr lang="pl-PL"/>
+                          <a:endParaRPr lang="en-US"/>
                         </a:p>
                       </a:txBody>
                       <a:tcPr>
@@ -36769,7 +37704,7 @@
                           <a:tailEnd type="none" w="med" len="med"/>
                         </a:lnR>
                         <a:blipFill>
-                          <a:blip r:embed="rId2"/>
+                          <a:blip r:embed="rId3"/>
                           <a:stretch>
                             <a:fillRect l="-787" t="-305263" r="-201575" b="-110526"/>
                           </a:stretch>
@@ -36781,7 +37716,7 @@
                         <a:bodyPr/>
                         <a:lstStyle/>
                         <a:p>
-                          <a:endParaRPr lang="pl-PL"/>
+                          <a:endParaRPr lang="en-US"/>
                         </a:p>
                       </a:txBody>
                       <a:tcPr>
@@ -36822,7 +37757,7 @@
                           <a:tailEnd type="none" w="med" len="med"/>
                         </a:lnB>
                         <a:blipFill>
-                          <a:blip r:embed="rId2"/>
+                          <a:blip r:embed="rId3"/>
                           <a:stretch>
                             <a:fillRect l="-101587" t="-305263" r="-103175" b="-110526"/>
                           </a:stretch>
@@ -36834,7 +37769,7 @@
                         <a:bodyPr/>
                         <a:lstStyle/>
                         <a:p>
-                          <a:endParaRPr lang="pl-PL"/>
+                          <a:endParaRPr lang="en-US"/>
                         </a:p>
                       </a:txBody>
                       <a:tcPr>
@@ -36848,7 +37783,7 @@
                           <a:tailEnd type="none" w="med" len="med"/>
                         </a:lnL>
                         <a:blipFill>
-                          <a:blip r:embed="rId2"/>
+                          <a:blip r:embed="rId3"/>
                           <a:stretch>
                             <a:fillRect l="-200000" t="-305263" r="-2362" b="-110526"/>
                           </a:stretch>
@@ -36867,7 +37802,7 @@
                         <a:bodyPr/>
                         <a:lstStyle/>
                         <a:p>
-                          <a:endParaRPr lang="pl-PL"/>
+                          <a:endParaRPr lang="en-US"/>
                         </a:p>
                       </a:txBody>
                       <a:tcPr>
@@ -36881,7 +37816,7 @@
                           <a:tailEnd type="none" w="med" len="med"/>
                         </a:lnR>
                         <a:blipFill>
-                          <a:blip r:embed="rId2"/>
+                          <a:blip r:embed="rId3"/>
                           <a:stretch>
                             <a:fillRect l="-787" t="-398276" r="-201575" b="-8621"/>
                           </a:stretch>
@@ -36893,7 +37828,7 @@
                         <a:bodyPr/>
                         <a:lstStyle/>
                         <a:p>
-                          <a:endParaRPr lang="pl-PL"/>
+                          <a:endParaRPr lang="en-US"/>
                         </a:p>
                       </a:txBody>
                       <a:tcPr>
@@ -36925,7 +37860,7 @@
                           <a:tailEnd type="none" w="med" len="med"/>
                         </a:lnT>
                         <a:blipFill>
-                          <a:blip r:embed="rId2"/>
+                          <a:blip r:embed="rId3"/>
                           <a:stretch>
                             <a:fillRect l="-101587" t="-398276" r="-103175" b="-8621"/>
                           </a:stretch>
@@ -36937,7 +37872,7 @@
                         <a:bodyPr/>
                         <a:lstStyle/>
                         <a:p>
-                          <a:endParaRPr lang="pl-PL"/>
+                          <a:endParaRPr lang="en-US"/>
                         </a:p>
                       </a:txBody>
                       <a:tcPr marL="0" marR="0" marT="0" marB="0">
@@ -36951,7 +37886,7 @@
                           <a:tailEnd type="none" w="med" len="med"/>
                         </a:lnL>
                         <a:blipFill>
-                          <a:blip r:embed="rId2"/>
+                          <a:blip r:embed="rId3"/>
                           <a:stretch>
                             <a:fillRect l="-200000" t="-398276" r="-2362" b="-8621"/>
                           </a:stretch>
@@ -37228,12 +38163,12 @@
             <a:lstStyle/>
             <a:p>
               <a:r>
-                <a:rPr lang="pl-PL" sz="900" dirty="0">
+                <a:rPr lang="pl-PL" sz="900">
                   <a:latin typeface="DINPro-Medium" panose="02000503030000020004" pitchFamily="50" charset="0"/>
                 </a:rPr>
                 <a:t>J</a:t>
               </a:r>
-              <a:endParaRPr lang="pl-PL" sz="1100" dirty="0">
+              <a:endParaRPr lang="pl-PL" sz="1100">
                 <a:latin typeface="DINPro-Medium" panose="02000503030000020004" pitchFamily="50" charset="0"/>
               </a:endParaRPr>
             </a:p>
@@ -37268,12 +38203,12 @@
             <a:lstStyle/>
             <a:p>
               <a:r>
-                <a:rPr lang="pl-PL" sz="900" dirty="0">
+                <a:rPr lang="pl-PL" sz="900">
                   <a:latin typeface="DINPro-Medium" panose="02000503030000020004" pitchFamily="50" charset="0"/>
                 </a:rPr>
                 <a:t>K</a:t>
               </a:r>
-              <a:endParaRPr lang="pl-PL" sz="1100" dirty="0">
+              <a:endParaRPr lang="pl-PL" sz="1100">
                 <a:latin typeface="DINPro-Medium" panose="02000503030000020004" pitchFamily="50" charset="0"/>
               </a:endParaRPr>
             </a:p>
@@ -37308,12 +38243,12 @@
             <a:lstStyle/>
             <a:p>
               <a:r>
-                <a:rPr lang="pl-PL" sz="900" dirty="0">
+                <a:rPr lang="pl-PL" sz="900">
                   <a:latin typeface="DINPro-Medium" panose="02000503030000020004" pitchFamily="50" charset="0"/>
                 </a:rPr>
                 <a:t>C</a:t>
               </a:r>
-              <a:endParaRPr lang="pl-PL" sz="1100" dirty="0">
+              <a:endParaRPr lang="pl-PL" sz="1100">
                 <a:latin typeface="DINPro-Medium" panose="02000503030000020004" pitchFamily="50" charset="0"/>
               </a:endParaRPr>
             </a:p>
@@ -37540,12 +38475,12 @@
             <a:p>
               <a:pPr algn="r"/>
               <a:r>
-                <a:rPr lang="pl-PL" sz="900" dirty="0">
+                <a:rPr lang="pl-PL" sz="900">
                   <a:latin typeface="DINPro-Medium" panose="02000503030000020004" pitchFamily="50" charset="0"/>
                 </a:rPr>
                 <a:t>Q</a:t>
               </a:r>
-              <a:endParaRPr lang="pl-PL" sz="1100" dirty="0">
+              <a:endParaRPr lang="pl-PL" sz="1100">
                 <a:latin typeface="DINPro-Medium" panose="02000503030000020004" pitchFamily="50" charset="0"/>
               </a:endParaRPr>
             </a:p>
@@ -37612,7 +38547,7 @@
                       </m:oMath>
                     </m:oMathPara>
                   </a14:m>
-                  <a:endParaRPr lang="pl-PL" sz="900" dirty="0">
+                  <a:endParaRPr lang="pl-PL" sz="900">
                     <a:latin typeface="DINPro-Medium" panose="02000503030000020004" pitchFamily="50" charset="0"/>
                     <a:ea typeface="Cambria" panose="02040503050406030204" pitchFamily="18" charset="0"/>
                     <a:cs typeface="Calibri Light" panose="020F0302020204030204" pitchFamily="34" charset="0"/>
@@ -37645,9 +38580,9 @@
                   <a:avLst/>
                 </a:prstGeom>
                 <a:blipFill>
-                  <a:blip r:embed="rId3"/>
+                  <a:blip r:embed="rId4"/>
                   <a:stretch>
-                    <a:fillRect l="-10526" r="-36842" b="-19231"/>
+                    <a:fillRect l="-5263" r="-42105" b="-11538"/>
                   </a:stretch>
                 </a:blipFill>
               </p:spPr>
@@ -37656,7 +38591,7 @@
                 <a:lstStyle/>
                 <a:p>
                   <a:r>
-                    <a:rPr lang="pl-PL">
+                    <a:rPr lang="en-US">
                       <a:noFill/>
                     </a:rPr>
                     <a:t> </a:t>
@@ -37886,12 +38821,12 @@
             <a:lstStyle/>
             <a:p>
               <a:r>
-                <a:rPr lang="pl-PL" sz="900" dirty="0">
+                <a:rPr lang="pl-PL" sz="900">
                   <a:latin typeface="DINPro-Medium" panose="02000503030000020004" pitchFamily="50" charset="0"/>
                 </a:rPr>
                 <a:t>D</a:t>
               </a:r>
-              <a:endParaRPr lang="pl-PL" sz="1100" dirty="0">
+              <a:endParaRPr lang="pl-PL" sz="1100">
                 <a:latin typeface="DINPro-Medium" panose="02000503030000020004" pitchFamily="50" charset="0"/>
               </a:endParaRPr>
             </a:p>
@@ -37926,12 +38861,12 @@
             <a:lstStyle/>
             <a:p>
               <a:r>
-                <a:rPr lang="pl-PL" sz="900" dirty="0">
+                <a:rPr lang="pl-PL" sz="900">
                   <a:latin typeface="DINPro-Medium" panose="02000503030000020004" pitchFamily="50" charset="0"/>
                 </a:rPr>
                 <a:t>C</a:t>
               </a:r>
-              <a:endParaRPr lang="pl-PL" sz="1100" dirty="0">
+              <a:endParaRPr lang="pl-PL" sz="1100">
                 <a:latin typeface="DINPro-Medium" panose="02000503030000020004" pitchFamily="50" charset="0"/>
               </a:endParaRPr>
             </a:p>
@@ -38158,12 +39093,12 @@
             <a:p>
               <a:pPr algn="r"/>
               <a:r>
-                <a:rPr lang="pl-PL" sz="900" dirty="0">
+                <a:rPr lang="pl-PL" sz="900">
                   <a:latin typeface="DINPro-Medium" panose="02000503030000020004" pitchFamily="50" charset="0"/>
                 </a:rPr>
                 <a:t>Q</a:t>
               </a:r>
-              <a:endParaRPr lang="pl-PL" sz="1100" dirty="0">
+              <a:endParaRPr lang="pl-PL" sz="1100">
                 <a:latin typeface="DINPro-Medium" panose="02000503030000020004" pitchFamily="50" charset="0"/>
               </a:endParaRPr>
             </a:p>
@@ -38230,7 +39165,7 @@
                       </m:oMath>
                     </m:oMathPara>
                   </a14:m>
-                  <a:endParaRPr lang="pl-PL" sz="900" dirty="0">
+                  <a:endParaRPr lang="pl-PL" sz="900">
                     <a:latin typeface="DINPro-Medium" panose="02000503030000020004" pitchFamily="50" charset="0"/>
                     <a:ea typeface="Cambria" panose="02040503050406030204" pitchFamily="18" charset="0"/>
                     <a:cs typeface="Calibri Light" panose="020F0302020204030204" pitchFamily="34" charset="0"/>
@@ -38263,9 +39198,9 @@
                   <a:avLst/>
                 </a:prstGeom>
                 <a:blipFill>
-                  <a:blip r:embed="rId3"/>
+                  <a:blip r:embed="rId5"/>
                   <a:stretch>
-                    <a:fillRect l="-10526" r="-36842" b="-19231"/>
+                    <a:fillRect l="-10526" r="-36842" b="-11538"/>
                   </a:stretch>
                 </a:blipFill>
               </p:spPr>
@@ -38274,7 +39209,7 @@
                 <a:lstStyle/>
                 <a:p>
                   <a:r>
-                    <a:rPr lang="pl-PL">
+                    <a:rPr lang="en-US">
                       <a:noFill/>
                     </a:rPr>
                     <a:t> </a:t>
@@ -38355,7 +39290,7 @@
                               </m:oMath>
                             </m:oMathPara>
                           </a14:m>
-                          <a:endParaRPr lang="pl-PL" dirty="0"/>
+                          <a:endParaRPr lang="pl-PL"/>
                         </a:p>
                       </a:txBody>
                       <a:tcPr>
@@ -38440,7 +39375,7 @@
                               </m:oMath>
                             </m:oMathPara>
                           </a14:m>
-                          <a:endParaRPr lang="pl-PL" dirty="0"/>
+                          <a:endParaRPr lang="pl-PL"/>
                         </a:p>
                       </a:txBody>
                       <a:tcPr>
@@ -38508,7 +39443,7 @@
                               </m:oMath>
                             </m:oMathPara>
                           </a14:m>
-                          <a:endParaRPr lang="pl-PL" b="0" dirty="0"/>
+                          <a:endParaRPr lang="pl-PL" b="0"/>
                         </a:p>
                       </a:txBody>
                       <a:tcPr>
@@ -38587,7 +39522,7 @@
                               </m:oMath>
                             </m:oMathPara>
                           </a14:m>
-                          <a:endParaRPr lang="pl-PL" b="0" dirty="0"/>
+                          <a:endParaRPr lang="pl-PL" b="0"/>
                         </a:p>
                       </a:txBody>
                       <a:tcPr>
@@ -38655,7 +39590,7 @@
                               </m:oMath>
                             </m:oMathPara>
                           </a14:m>
-                          <a:endParaRPr lang="pl-PL" b="0" dirty="0"/>
+                          <a:endParaRPr lang="pl-PL" b="0"/>
                         </a:p>
                       </a:txBody>
                       <a:tcPr>
@@ -38734,7 +39669,7 @@
                               </m:oMath>
                             </m:oMathPara>
                           </a14:m>
-                          <a:endParaRPr lang="pl-PL" b="0" dirty="0"/>
+                          <a:endParaRPr lang="pl-PL" b="0"/>
                         </a:p>
                       </a:txBody>
                       <a:tcPr>
@@ -38813,7 +39748,7 @@
                         <a:bodyPr/>
                         <a:lstStyle/>
                         <a:p>
-                          <a:endParaRPr lang="pl-PL"/>
+                          <a:endParaRPr lang="en-US"/>
                         </a:p>
                       </a:txBody>
                       <a:tcPr>
@@ -38845,7 +39780,7 @@
                           <a:tailEnd type="none" w="med" len="med"/>
                         </a:lnB>
                         <a:blipFill>
-                          <a:blip r:embed="rId4"/>
+                          <a:blip r:embed="rId6"/>
                           <a:stretch>
                             <a:fillRect l="-787" t="-1724" r="-101575" b="-203448"/>
                           </a:stretch>
@@ -38857,7 +39792,7 @@
                         <a:bodyPr/>
                         <a:lstStyle/>
                         <a:p>
-                          <a:endParaRPr lang="pl-PL"/>
+                          <a:endParaRPr lang="en-US"/>
                         </a:p>
                       </a:txBody>
                       <a:tcPr>
@@ -38880,7 +39815,7 @@
                           <a:tailEnd type="none" w="med" len="med"/>
                         </a:lnB>
                         <a:blipFill>
-                          <a:blip r:embed="rId4"/>
+                          <a:blip r:embed="rId6"/>
                           <a:stretch>
                             <a:fillRect l="-101587" t="-1724" r="-2381" b="-203448"/>
                           </a:stretch>
@@ -38899,7 +39834,7 @@
                         <a:bodyPr/>
                         <a:lstStyle/>
                         <a:p>
-                          <a:endParaRPr lang="pl-PL"/>
+                          <a:endParaRPr lang="en-US"/>
                         </a:p>
                       </a:txBody>
                       <a:tcPr>
@@ -38940,7 +39875,7 @@
                           <a:tailEnd type="none" w="med" len="med"/>
                         </a:lnB>
                         <a:blipFill>
-                          <a:blip r:embed="rId4"/>
+                          <a:blip r:embed="rId6"/>
                           <a:stretch>
                             <a:fillRect l="-787" t="-101724" r="-101575" b="-103448"/>
                           </a:stretch>
@@ -38952,7 +39887,7 @@
                         <a:bodyPr/>
                         <a:lstStyle/>
                         <a:p>
-                          <a:endParaRPr lang="pl-PL"/>
+                          <a:endParaRPr lang="en-US"/>
                         </a:p>
                       </a:txBody>
                       <a:tcPr>
@@ -38975,7 +39910,7 @@
                           <a:tailEnd type="none" w="med" len="med"/>
                         </a:lnT>
                         <a:blipFill>
-                          <a:blip r:embed="rId4"/>
+                          <a:blip r:embed="rId6"/>
                           <a:stretch>
                             <a:fillRect l="-101587" t="-101724" r="-2381" b="-103448"/>
                           </a:stretch>
@@ -38994,7 +39929,7 @@
                         <a:bodyPr/>
                         <a:lstStyle/>
                         <a:p>
-                          <a:endParaRPr lang="pl-PL"/>
+                          <a:endParaRPr lang="en-US"/>
                         </a:p>
                       </a:txBody>
                       <a:tcPr>
@@ -39035,7 +39970,7 @@
                           <a:tailEnd type="none" w="med" len="med"/>
                         </a:lnB>
                         <a:blipFill>
-                          <a:blip r:embed="rId4"/>
+                          <a:blip r:embed="rId6"/>
                           <a:stretch>
                             <a:fillRect l="-787" t="-201724" r="-101575" b="-3448"/>
                           </a:stretch>
@@ -39047,7 +39982,7 @@
                         <a:bodyPr/>
                         <a:lstStyle/>
                         <a:p>
-                          <a:endParaRPr lang="pl-PL"/>
+                          <a:endParaRPr lang="en-US"/>
                         </a:p>
                       </a:txBody>
                       <a:tcPr>
@@ -39061,7 +39996,7 @@
                           <a:tailEnd type="none" w="med" len="med"/>
                         </a:lnL>
                         <a:blipFill>
-                          <a:blip r:embed="rId4"/>
+                          <a:blip r:embed="rId6"/>
                           <a:stretch>
                             <a:fillRect l="-101587" t="-201724" r="-2381" b="-3448"/>
                           </a:stretch>
@@ -39146,7 +40081,7 @@
           <a:lstStyle/>
           <a:p>
             <a:r>
-              <a:rPr lang="pl-PL" dirty="0"/>
+              <a:rPr lang="pl-PL"/>
               <a:t>System binarny i jego zastosowanie w technice cyfrowej</a:t>
             </a:r>
           </a:p>
@@ -39174,13 +40109,13 @@
           <a:lstStyle/>
           <a:p>
             <a:r>
-              <a:rPr lang="pl-PL" dirty="0"/>
+              <a:rPr lang="pl-PL"/>
               <a:t>Najbardziej popularnym systemem pozycyjnym jest system dziesiętny wykorzystujący do zapisu liczb cyfry od 0 do 9. </a:t>
             </a:r>
           </a:p>
           <a:p>
             <a:r>
-              <a:rPr lang="pl-PL" dirty="0"/>
+              <a:rPr lang="pl-PL"/>
               <a:t>W elektronice szeroko stosowany jest system dwójkowy (binarny) wykorzystujący dwie cyfry 0 i 1, które odpowiadają stanowi niskiemu i wysokiemu w sygnale cyfrowym.</a:t>
             </a:r>
           </a:p>
@@ -39211,7 +40146,6 @@
               <a:rPr lang="pl-PL"/>
               <a:t>27 luty 2019</a:t>
             </a:r>
-            <a:endParaRPr lang="pl-PL" dirty="0"/>
           </a:p>
         </p:txBody>
       </p:sp>
@@ -39295,14 +40229,14 @@
           <a:lstStyle/>
           <a:p>
             <a:r>
-              <a:rPr lang="pl-PL" dirty="0"/>
+              <a:rPr lang="pl-PL"/>
               <a:t>Podstawowe informacje o systemie binarnym</a:t>
             </a:r>
           </a:p>
         </p:txBody>
       </p:sp>
-      <mc:AlternateContent xmlns:mc="http://schemas.openxmlformats.org/markup-compatibility/2006">
-        <mc:Choice xmlns:a14="http://schemas.microsoft.com/office/drawing/2010/main" Requires="a14">
+      <mc:AlternateContent xmlns:mc="http://schemas.openxmlformats.org/markup-compatibility/2006" xmlns:a14="http://schemas.microsoft.com/office/drawing/2010/main">
+        <mc:Choice Requires="a14">
           <p:sp>
             <p:nvSpPr>
               <p:cNvPr id="11" name="pole tekstowe 10">
@@ -39491,12 +40425,12 @@
                     </m:oMath>
                   </m:oMathPara>
                 </a14:m>
-                <a:endParaRPr lang="pl-PL" dirty="0"/>
+                <a:endParaRPr lang="pl-PL"/>
               </a:p>
             </p:txBody>
           </p:sp>
         </mc:Choice>
-        <mc:Fallback>
+        <mc:Fallback xmlns="">
           <p:sp>
             <p:nvSpPr>
               <p:cNvPr id="11" name="pole tekstowe 10">
@@ -39520,7 +40454,7 @@
                 <a:avLst/>
               </a:prstGeom>
               <a:blipFill>
-                <a:blip r:embed="rId2"/>
+                <a:blip r:embed="rId3"/>
                 <a:stretch>
                   <a:fillRect l="-1591" t="-4444" b="-15556"/>
                 </a:stretch>
@@ -39531,7 +40465,7 @@
               <a:lstStyle/>
               <a:p>
                 <a:r>
-                  <a:rPr lang="pl-PL">
+                  <a:rPr lang="en-US">
                     <a:noFill/>
                   </a:rPr>
                   <a:t> </a:t>
@@ -39541,8 +40475,8 @@
           </p:sp>
         </mc:Fallback>
       </mc:AlternateContent>
-      <mc:AlternateContent xmlns:mc="http://schemas.openxmlformats.org/markup-compatibility/2006">
-        <mc:Choice xmlns:a14="http://schemas.microsoft.com/office/drawing/2010/main" Requires="a14">
+      <mc:AlternateContent xmlns:mc="http://schemas.openxmlformats.org/markup-compatibility/2006" xmlns:a14="http://schemas.microsoft.com/office/drawing/2010/main">
+        <mc:Choice Requires="a14">
           <p:sp>
             <p:nvSpPr>
               <p:cNvPr id="12" name="Prostokąt 11">
@@ -40007,12 +40941,12 @@
                     </m:oMath>
                   </m:oMathPara>
                 </a14:m>
-                <a:endParaRPr lang="pl-PL" dirty="0"/>
+                <a:endParaRPr lang="pl-PL"/>
               </a:p>
             </p:txBody>
           </p:sp>
         </mc:Choice>
-        <mc:Fallback>
+        <mc:Fallback xmlns="">
           <p:sp>
             <p:nvSpPr>
               <p:cNvPr id="12" name="Prostokąt 11">
@@ -40036,7 +40970,7 @@
                 <a:avLst/>
               </a:prstGeom>
               <a:blipFill>
-                <a:blip r:embed="rId3"/>
+                <a:blip r:embed="rId4"/>
                 <a:stretch>
                   <a:fillRect l="-803" t="-2198" b="-7692"/>
                 </a:stretch>
@@ -40047,7 +40981,7 @@
               <a:lstStyle/>
               <a:p>
                 <a:r>
-                  <a:rPr lang="pl-PL">
+                  <a:rPr lang="en-US">
                     <a:noFill/>
                   </a:rPr>
                   <a:t> </a:t>
@@ -40159,8 +41093,8 @@
         </p:nvCxnSpPr>
         <p:spPr>
           <a:xfrm>
-            <a:off x="5728494" y="2179872"/>
-            <a:ext cx="0" cy="3240000"/>
+            <a:off x="5728494" y="2204477"/>
+            <a:ext cx="0" cy="3215395"/>
           </a:xfrm>
           <a:prstGeom prst="line">
             <a:avLst/>
@@ -40423,8 +41357,8 @@
         </p:nvCxnSpPr>
         <p:spPr>
           <a:xfrm>
-            <a:off x="8296896" y="2179872"/>
-            <a:ext cx="0" cy="3240000"/>
+            <a:off x="8296896" y="2213213"/>
+            <a:ext cx="0" cy="3218402"/>
           </a:xfrm>
           <a:prstGeom prst="line">
             <a:avLst/>
@@ -40695,7 +41629,7 @@
           <a:lstStyle/>
           <a:p>
             <a:r>
-              <a:rPr lang="pl-PL" dirty="0"/>
+              <a:rPr lang="pl-PL"/>
               <a:t>System binarny i jego zastosowanie w technice cyfrowej</a:t>
             </a:r>
           </a:p>
@@ -40726,7 +41660,6 @@
               <a:rPr lang="pl-PL"/>
               <a:t>27 luty 2019</a:t>
             </a:r>
-            <a:endParaRPr lang="pl-PL" dirty="0"/>
           </a:p>
         </p:txBody>
       </p:sp>
@@ -40810,7 +41743,7 @@
           <a:lstStyle/>
           <a:p>
             <a:r>
-              <a:rPr lang="pl-PL" dirty="0"/>
+              <a:rPr lang="pl-PL"/>
               <a:t>Układ licznika modulo n – na przykładzie modulo 10</a:t>
             </a:r>
           </a:p>
@@ -40845,7 +41778,7 @@
           <a:lstStyle/>
           <a:p>
             <a:r>
-              <a:rPr lang="pl-PL" sz="1400" b="0" dirty="0">
+              <a:rPr lang="pl-PL" sz="1400" b="0">
                 <a:ea typeface="Cambria Math" panose="02040503050406030204" pitchFamily="18" charset="0"/>
               </a:rPr>
               <a:t>Licznik modulo 10</a:t>
@@ -41033,12 +41966,12 @@
             <a:lstStyle/>
             <a:p>
               <a:r>
-                <a:rPr lang="pl-PL" sz="900" dirty="0">
+                <a:rPr lang="pl-PL" sz="900">
                   <a:latin typeface="DINPro-Medium" panose="02000503030000020004" pitchFamily="50" charset="0"/>
                 </a:rPr>
                 <a:t>R</a:t>
               </a:r>
-              <a:endParaRPr lang="pl-PL" sz="1100" dirty="0">
+              <a:endParaRPr lang="pl-PL" sz="1100">
                 <a:latin typeface="DINPro-Medium" panose="02000503030000020004" pitchFamily="50" charset="0"/>
               </a:endParaRPr>
             </a:p>
@@ -41073,12 +42006,12 @@
             <a:lstStyle/>
             <a:p>
               <a:r>
-                <a:rPr lang="pl-PL" sz="900" dirty="0">
+                <a:rPr lang="pl-PL" sz="900">
                   <a:latin typeface="DINPro-Medium" panose="02000503030000020004" pitchFamily="50" charset="0"/>
                 </a:rPr>
                 <a:t>C</a:t>
               </a:r>
-              <a:endParaRPr lang="pl-PL" sz="1100" dirty="0">
+              <a:endParaRPr lang="pl-PL" sz="1100">
                 <a:latin typeface="DINPro-Medium" panose="02000503030000020004" pitchFamily="50" charset="0"/>
               </a:endParaRPr>
             </a:p>
@@ -41213,18 +42146,18 @@
             <a:p>
               <a:pPr algn="r"/>
               <a:r>
-                <a:rPr lang="pl-PL" sz="900" dirty="0">
+                <a:rPr lang="pl-PL" sz="900">
                   <a:latin typeface="DINPro-Medium" panose="02000503030000020004" pitchFamily="50" charset="0"/>
                 </a:rPr>
                 <a:t>Q</a:t>
               </a:r>
               <a:r>
-                <a:rPr lang="pl-PL" sz="900" baseline="-25000" dirty="0">
+                <a:rPr lang="pl-PL" sz="900" baseline="-25000">
                   <a:latin typeface="DINPro-Medium" panose="02000503030000020004" pitchFamily="50" charset="0"/>
                 </a:rPr>
                 <a:t>0</a:t>
               </a:r>
-              <a:endParaRPr lang="pl-PL" sz="1100" dirty="0">
+              <a:endParaRPr lang="pl-PL" sz="1100">
                 <a:latin typeface="DINPro-Medium" panose="02000503030000020004" pitchFamily="50" charset="0"/>
               </a:endParaRPr>
             </a:p>
@@ -41260,18 +42193,18 @@
             <a:p>
               <a:pPr algn="r"/>
               <a:r>
-                <a:rPr lang="pl-PL" sz="900" dirty="0">
+                <a:rPr lang="pl-PL" sz="900">
                   <a:latin typeface="DINPro-Medium" panose="02000503030000020004" pitchFamily="50" charset="0"/>
                 </a:rPr>
                 <a:t>Q</a:t>
               </a:r>
               <a:r>
-                <a:rPr lang="pl-PL" sz="900" baseline="-25000" dirty="0">
+                <a:rPr lang="pl-PL" sz="900" baseline="-25000">
                   <a:latin typeface="DINPro-Medium" panose="02000503030000020004" pitchFamily="50" charset="0"/>
                 </a:rPr>
                 <a:t>1</a:t>
               </a:r>
-              <a:endParaRPr lang="pl-PL" sz="1100" dirty="0">
+              <a:endParaRPr lang="pl-PL" sz="1100">
                 <a:latin typeface="DINPro-Medium" panose="02000503030000020004" pitchFamily="50" charset="0"/>
               </a:endParaRPr>
             </a:p>
@@ -41307,18 +42240,18 @@
             <a:p>
               <a:pPr algn="r"/>
               <a:r>
-                <a:rPr lang="pl-PL" sz="900" dirty="0">
+                <a:rPr lang="pl-PL" sz="900">
                   <a:latin typeface="DINPro-Medium" panose="02000503030000020004" pitchFamily="50" charset="0"/>
                 </a:rPr>
                 <a:t>Q</a:t>
               </a:r>
               <a:r>
-                <a:rPr lang="pl-PL" sz="900" baseline="-25000" dirty="0">
+                <a:rPr lang="pl-PL" sz="900" baseline="-25000">
                   <a:latin typeface="DINPro-Medium" panose="02000503030000020004" pitchFamily="50" charset="0"/>
                 </a:rPr>
                 <a:t>2</a:t>
               </a:r>
-              <a:endParaRPr lang="pl-PL" sz="1100" dirty="0">
+              <a:endParaRPr lang="pl-PL" sz="1100">
                 <a:latin typeface="DINPro-Medium" panose="02000503030000020004" pitchFamily="50" charset="0"/>
               </a:endParaRPr>
             </a:p>
@@ -41354,18 +42287,18 @@
             <a:p>
               <a:pPr algn="r"/>
               <a:r>
-                <a:rPr lang="pl-PL" sz="900" dirty="0">
+                <a:rPr lang="pl-PL" sz="900">
                   <a:latin typeface="DINPro-Medium" panose="02000503030000020004" pitchFamily="50" charset="0"/>
                 </a:rPr>
                 <a:t>Q</a:t>
               </a:r>
               <a:r>
-                <a:rPr lang="pl-PL" sz="900" baseline="-25000" dirty="0">
+                <a:rPr lang="pl-PL" sz="900" baseline="-25000">
                   <a:latin typeface="DINPro-Medium" panose="02000503030000020004" pitchFamily="50" charset="0"/>
                 </a:rPr>
                 <a:t>3</a:t>
               </a:r>
-              <a:endParaRPr lang="pl-PL" sz="1100" dirty="0">
+              <a:endParaRPr lang="pl-PL" sz="1100">
                 <a:latin typeface="DINPro-Medium" panose="02000503030000020004" pitchFamily="50" charset="0"/>
               </a:endParaRPr>
             </a:p>
@@ -41552,7 +42485,7 @@
         </p:xfrm>
         <a:graphic>
           <a:graphicData uri="http://schemas.openxmlformats.org/drawingml/2006/chart">
-            <c:chart xmlns:c="http://schemas.openxmlformats.org/drawingml/2006/chart" xmlns:r="http://schemas.openxmlformats.org/officeDocument/2006/relationships" r:id="rId2"/>
+            <c:chart xmlns:c="http://schemas.openxmlformats.org/drawingml/2006/chart" xmlns:r="http://schemas.openxmlformats.org/officeDocument/2006/relationships" r:id="rId3"/>
           </a:graphicData>
         </a:graphic>
       </p:graphicFrame>
@@ -41580,7 +42513,7 @@
         </p:xfrm>
         <a:graphic>
           <a:graphicData uri="http://schemas.openxmlformats.org/drawingml/2006/chart">
-            <c:chart xmlns:c="http://schemas.openxmlformats.org/drawingml/2006/chart" xmlns:r="http://schemas.openxmlformats.org/officeDocument/2006/relationships" r:id="rId3"/>
+            <c:chart xmlns:c="http://schemas.openxmlformats.org/drawingml/2006/chart" xmlns:r="http://schemas.openxmlformats.org/officeDocument/2006/relationships" r:id="rId4"/>
           </a:graphicData>
         </a:graphic>
       </p:graphicFrame>
@@ -41608,7 +42541,7 @@
         </p:xfrm>
         <a:graphic>
           <a:graphicData uri="http://schemas.openxmlformats.org/drawingml/2006/chart">
-            <c:chart xmlns:c="http://schemas.openxmlformats.org/drawingml/2006/chart" xmlns:r="http://schemas.openxmlformats.org/officeDocument/2006/relationships" r:id="rId4"/>
+            <c:chart xmlns:c="http://schemas.openxmlformats.org/drawingml/2006/chart" xmlns:r="http://schemas.openxmlformats.org/officeDocument/2006/relationships" r:id="rId5"/>
           </a:graphicData>
         </a:graphic>
       </p:graphicFrame>
@@ -41636,7 +42569,7 @@
         </p:xfrm>
         <a:graphic>
           <a:graphicData uri="http://schemas.openxmlformats.org/drawingml/2006/chart">
-            <c:chart xmlns:c="http://schemas.openxmlformats.org/drawingml/2006/chart" xmlns:r="http://schemas.openxmlformats.org/officeDocument/2006/relationships" r:id="rId5"/>
+            <c:chart xmlns:c="http://schemas.openxmlformats.org/drawingml/2006/chart" xmlns:r="http://schemas.openxmlformats.org/officeDocument/2006/relationships" r:id="rId6"/>
           </a:graphicData>
         </a:graphic>
       </p:graphicFrame>
@@ -41664,7 +42597,7 @@
         </p:xfrm>
         <a:graphic>
           <a:graphicData uri="http://schemas.openxmlformats.org/drawingml/2006/chart">
-            <c:chart xmlns:c="http://schemas.openxmlformats.org/drawingml/2006/chart" xmlns:r="http://schemas.openxmlformats.org/officeDocument/2006/relationships" r:id="rId6"/>
+            <c:chart xmlns:c="http://schemas.openxmlformats.org/drawingml/2006/chart" xmlns:r="http://schemas.openxmlformats.org/officeDocument/2006/relationships" r:id="rId7"/>
           </a:graphicData>
         </a:graphic>
       </p:graphicFrame>
@@ -41692,7 +42625,7 @@
         </p:xfrm>
         <a:graphic>
           <a:graphicData uri="http://schemas.openxmlformats.org/drawingml/2006/chart">
-            <c:chart xmlns:c="http://schemas.openxmlformats.org/drawingml/2006/chart" xmlns:r="http://schemas.openxmlformats.org/officeDocument/2006/relationships" r:id="rId7"/>
+            <c:chart xmlns:c="http://schemas.openxmlformats.org/drawingml/2006/chart" xmlns:r="http://schemas.openxmlformats.org/officeDocument/2006/relationships" r:id="rId8"/>
           </a:graphicData>
         </a:graphic>
       </p:graphicFrame>
@@ -41710,7 +42643,7 @@
         </p:nvSpPr>
         <p:spPr>
           <a:xfrm>
-            <a:off x="4441977" y="5129385"/>
+            <a:off x="4441400" y="5125488"/>
             <a:ext cx="433060" cy="307776"/>
           </a:xfrm>
           <a:prstGeom prst="rect">
@@ -41726,7 +42659,7 @@
           <a:p>
             <a:pPr algn="ctr"/>
             <a:r>
-              <a:rPr lang="pl-PL" sz="1400" dirty="0">
+              <a:rPr lang="pl-PL" sz="1400">
                 <a:solidFill>
                   <a:schemeClr val="accent2">
                     <a:lumMod val="75000"/>
@@ -41735,7 +42668,7 @@
               </a:rPr>
               <a:t>1</a:t>
             </a:r>
-            <a:endParaRPr lang="pl-PL" dirty="0">
+            <a:endParaRPr lang="pl-PL">
               <a:solidFill>
                 <a:schemeClr val="accent2">
                   <a:lumMod val="75000"/>
@@ -41759,7 +42692,7 @@
         </p:nvSpPr>
         <p:spPr>
           <a:xfrm>
-            <a:off x="4011057" y="5125488"/>
+            <a:off x="3996625" y="5125488"/>
             <a:ext cx="431981" cy="307776"/>
           </a:xfrm>
           <a:prstGeom prst="rect">
@@ -41775,7 +42708,7 @@
           <a:p>
             <a:pPr algn="ctr"/>
             <a:r>
-              <a:rPr lang="pl-PL" sz="1400" dirty="0">
+              <a:rPr lang="pl-PL" sz="1400">
                 <a:solidFill>
                   <a:schemeClr val="accent2">
                     <a:lumMod val="75000"/>
@@ -41784,7 +42717,7 @@
               </a:rPr>
               <a:t>0</a:t>
             </a:r>
-            <a:endParaRPr lang="pl-PL" dirty="0">
+            <a:endParaRPr lang="pl-PL">
               <a:solidFill>
                 <a:schemeClr val="accent2">
                   <a:lumMod val="75000"/>
@@ -41808,7 +42741,7 @@
         </p:nvSpPr>
         <p:spPr>
           <a:xfrm>
-            <a:off x="4875036" y="5129385"/>
+            <a:off x="4868536" y="5123839"/>
             <a:ext cx="422475" cy="307776"/>
           </a:xfrm>
           <a:prstGeom prst="rect">
@@ -41824,7 +42757,7 @@
           <a:p>
             <a:pPr algn="ctr"/>
             <a:r>
-              <a:rPr lang="pl-PL" sz="1400" dirty="0">
+              <a:rPr lang="pl-PL" sz="1400">
                 <a:solidFill>
                   <a:schemeClr val="accent2">
                     <a:lumMod val="75000"/>
@@ -41833,7 +42766,7 @@
               </a:rPr>
               <a:t>2</a:t>
             </a:r>
-            <a:endParaRPr lang="pl-PL" dirty="0">
+            <a:endParaRPr lang="pl-PL">
               <a:solidFill>
                 <a:schemeClr val="accent2">
                   <a:lumMod val="75000"/>
@@ -41857,7 +42790,7 @@
         </p:nvSpPr>
         <p:spPr>
           <a:xfrm>
-            <a:off x="5294355" y="5112096"/>
+            <a:off x="5288120" y="5128178"/>
             <a:ext cx="431981" cy="307776"/>
           </a:xfrm>
           <a:prstGeom prst="rect">
@@ -41873,7 +42806,7 @@
           <a:p>
             <a:pPr algn="ctr"/>
             <a:r>
-              <a:rPr lang="pl-PL" sz="1400" dirty="0">
+              <a:rPr lang="pl-PL" sz="1400">
                 <a:solidFill>
                   <a:schemeClr val="accent2">
                     <a:lumMod val="75000"/>
@@ -41882,7 +42815,7 @@
               </a:rPr>
               <a:t>3</a:t>
             </a:r>
-            <a:endParaRPr lang="pl-PL" dirty="0">
+            <a:endParaRPr lang="pl-PL">
               <a:solidFill>
                 <a:schemeClr val="accent2">
                   <a:lumMod val="75000"/>
@@ -41906,7 +42839,7 @@
         </p:nvSpPr>
         <p:spPr>
           <a:xfrm>
-            <a:off x="5723484" y="5129385"/>
+            <a:off x="5723231" y="5126697"/>
             <a:ext cx="431981" cy="307776"/>
           </a:xfrm>
           <a:prstGeom prst="rect">
@@ -41922,7 +42855,7 @@
           <a:p>
             <a:pPr algn="ctr"/>
             <a:r>
-              <a:rPr lang="pl-PL" sz="1400" dirty="0">
+              <a:rPr lang="pl-PL" sz="1400">
                 <a:solidFill>
                   <a:schemeClr val="accent2">
                     <a:lumMod val="75000"/>
@@ -41931,7 +42864,7 @@
               </a:rPr>
               <a:t>4</a:t>
             </a:r>
-            <a:endParaRPr lang="pl-PL" dirty="0">
+            <a:endParaRPr lang="pl-PL">
               <a:solidFill>
                 <a:schemeClr val="accent2">
                   <a:lumMod val="75000"/>
@@ -41955,7 +42888,7 @@
         </p:nvSpPr>
         <p:spPr>
           <a:xfrm>
-            <a:off x="6151994" y="5129385"/>
+            <a:off x="6151994" y="5124622"/>
             <a:ext cx="431981" cy="307776"/>
           </a:xfrm>
           <a:prstGeom prst="rect">
@@ -41971,7 +42904,7 @@
           <a:p>
             <a:pPr algn="ctr"/>
             <a:r>
-              <a:rPr lang="pl-PL" sz="1400" dirty="0">
+              <a:rPr lang="pl-PL" sz="1400">
                 <a:solidFill>
                   <a:schemeClr val="accent2">
                     <a:lumMod val="75000"/>
@@ -41980,7 +42913,7 @@
               </a:rPr>
               <a:t>5</a:t>
             </a:r>
-            <a:endParaRPr lang="pl-PL" dirty="0">
+            <a:endParaRPr lang="pl-PL">
               <a:solidFill>
                 <a:schemeClr val="accent2">
                   <a:lumMod val="75000"/>
@@ -42004,7 +42937,7 @@
         </p:nvSpPr>
         <p:spPr>
           <a:xfrm>
-            <a:off x="6584215" y="5129385"/>
+            <a:off x="6584215" y="5124622"/>
             <a:ext cx="431981" cy="307776"/>
           </a:xfrm>
           <a:prstGeom prst="rect">
@@ -42020,7 +42953,7 @@
           <a:p>
             <a:pPr algn="ctr"/>
             <a:r>
-              <a:rPr lang="pl-PL" sz="1400" dirty="0">
+              <a:rPr lang="pl-PL" sz="1400">
                 <a:solidFill>
                   <a:schemeClr val="accent2">
                     <a:lumMod val="75000"/>
@@ -42029,7 +42962,7 @@
               </a:rPr>
               <a:t>6</a:t>
             </a:r>
-            <a:endParaRPr lang="pl-PL" dirty="0">
+            <a:endParaRPr lang="pl-PL">
               <a:solidFill>
                 <a:schemeClr val="accent2">
                   <a:lumMod val="75000"/>
@@ -42069,7 +43002,7 @@
           <a:p>
             <a:pPr algn="ctr"/>
             <a:r>
-              <a:rPr lang="pl-PL" sz="1400" dirty="0">
+              <a:rPr lang="pl-PL" sz="1400">
                 <a:solidFill>
                   <a:schemeClr val="accent2">
                     <a:lumMod val="75000"/>
@@ -42078,7 +43011,7 @@
               </a:rPr>
               <a:t>7</a:t>
             </a:r>
-            <a:endParaRPr lang="pl-PL" dirty="0">
+            <a:endParaRPr lang="pl-PL">
               <a:solidFill>
                 <a:schemeClr val="accent2">
                   <a:lumMod val="75000"/>
@@ -42118,7 +43051,7 @@
           <a:p>
             <a:pPr algn="ctr"/>
             <a:r>
-              <a:rPr lang="pl-PL" sz="1400" dirty="0">
+              <a:rPr lang="pl-PL" sz="1400">
                 <a:solidFill>
                   <a:schemeClr val="accent2">
                     <a:lumMod val="75000"/>
@@ -42127,7 +43060,7 @@
               </a:rPr>
               <a:t>8</a:t>
             </a:r>
-            <a:endParaRPr lang="pl-PL" dirty="0">
+            <a:endParaRPr lang="pl-PL">
               <a:solidFill>
                 <a:schemeClr val="accent2">
                   <a:lumMod val="75000"/>
@@ -42151,7 +43084,7 @@
         </p:nvSpPr>
         <p:spPr>
           <a:xfrm>
-            <a:off x="7870051" y="5112096"/>
+            <a:off x="7870051" y="5126385"/>
             <a:ext cx="424687" cy="307776"/>
           </a:xfrm>
           <a:prstGeom prst="rect">
@@ -42167,7 +43100,7 @@
           <a:p>
             <a:pPr algn="ctr"/>
             <a:r>
-              <a:rPr lang="pl-PL" sz="1400" dirty="0">
+              <a:rPr lang="pl-PL" sz="1400">
                 <a:solidFill>
                   <a:schemeClr val="accent2">
                     <a:lumMod val="75000"/>
@@ -42176,7 +43109,7 @@
               </a:rPr>
               <a:t>9</a:t>
             </a:r>
-            <a:endParaRPr lang="pl-PL" dirty="0">
+            <a:endParaRPr lang="pl-PL">
               <a:solidFill>
                 <a:schemeClr val="accent2">
                   <a:lumMod val="75000"/>
@@ -42200,7 +43133,7 @@
         </p:nvSpPr>
         <p:spPr>
           <a:xfrm>
-            <a:off x="8319929" y="5112096"/>
+            <a:off x="8319929" y="5126385"/>
             <a:ext cx="431981" cy="307776"/>
           </a:xfrm>
           <a:prstGeom prst="rect">
@@ -42216,7 +43149,7 @@
           <a:p>
             <a:pPr algn="ctr"/>
             <a:r>
-              <a:rPr lang="pl-PL" sz="1400" dirty="0">
+              <a:rPr lang="pl-PL" sz="1400">
                 <a:solidFill>
                   <a:schemeClr val="accent2">
                     <a:lumMod val="75000"/>
@@ -42225,7 +43158,7 @@
               </a:rPr>
               <a:t>0</a:t>
             </a:r>
-            <a:endParaRPr lang="pl-PL" dirty="0">
+            <a:endParaRPr lang="pl-PL">
               <a:solidFill>
                 <a:schemeClr val="accent2">
                   <a:lumMod val="75000"/>
@@ -42249,7 +43182,7 @@
         </p:nvSpPr>
         <p:spPr>
           <a:xfrm>
-            <a:off x="8722928" y="5112096"/>
+            <a:off x="8722928" y="5126385"/>
             <a:ext cx="431981" cy="307776"/>
           </a:xfrm>
           <a:prstGeom prst="rect">
@@ -42265,7 +43198,7 @@
           <a:p>
             <a:pPr algn="ctr"/>
             <a:r>
-              <a:rPr lang="pl-PL" sz="1400" dirty="0">
+              <a:rPr lang="pl-PL" sz="1400">
                 <a:solidFill>
                   <a:schemeClr val="accent2">
                     <a:lumMod val="75000"/>
@@ -42274,7 +43207,7 @@
               </a:rPr>
               <a:t>1</a:t>
             </a:r>
-            <a:endParaRPr lang="pl-PL" dirty="0">
+            <a:endParaRPr lang="pl-PL">
               <a:solidFill>
                 <a:schemeClr val="accent2">
                   <a:lumMod val="75000"/>
@@ -42298,7 +43231,7 @@
         </p:nvSpPr>
         <p:spPr>
           <a:xfrm>
-            <a:off x="9150712" y="5112096"/>
+            <a:off x="9150712" y="5126385"/>
             <a:ext cx="431981" cy="307776"/>
           </a:xfrm>
           <a:prstGeom prst="rect">
@@ -42314,7 +43247,7 @@
           <a:p>
             <a:pPr algn="ctr"/>
             <a:r>
-              <a:rPr lang="pl-PL" sz="1400" dirty="0">
+              <a:rPr lang="pl-PL" sz="1400">
                 <a:solidFill>
                   <a:schemeClr val="accent2">
                     <a:lumMod val="75000"/>
@@ -42323,7 +43256,7 @@
               </a:rPr>
               <a:t>2</a:t>
             </a:r>
-            <a:endParaRPr lang="pl-PL" dirty="0">
+            <a:endParaRPr lang="pl-PL">
               <a:solidFill>
                 <a:schemeClr val="accent2">
                   <a:lumMod val="75000"/>
